--- a/04_Comax/04_Comax_Corrige_CR_Moteur_Energetique.pptx
+++ b/04_Comax/04_Comax_Corrige_CR_Moteur_Energetique.pptx
@@ -4,6 +4,9 @@
   <p:sldMasterIdLst>
     <p:sldMasterId id="2147483732" r:id="rId1"/>
   </p:sldMasterIdLst>
+  <p:notesMasterIdLst>
+    <p:notesMasterId r:id="rId3"/>
+  </p:notesMasterIdLst>
   <p:sldIdLst>
     <p:sldId id="256" r:id="rId2"/>
   </p:sldIdLst>
@@ -107,7 +110,7 @@
   <p:extLst>
     <p:ext uri="{EFAFB233-063F-42B5-8137-9DF3F51BA10A}">
       <p15:sldGuideLst xmlns:p15="http://schemas.microsoft.com/office/powerpoint/2012/main">
-        <p15:guide id="1" orient="horz" pos="3056" userDrawn="1">
+        <p15:guide id="1" orient="horz" pos="3478" userDrawn="1">
           <p15:clr>
             <a:srgbClr val="A4A3A4"/>
           </p15:clr>
@@ -121,6 +124,439 @@
     </p:ext>
   </p:extLst>
 </p:presentation>
+</file>
+
+<file path=ppt/notesMasters/notesMaster1.xml><?xml version="1.0" encoding="utf-8"?>
+<p:notesMaster xmlns:a="http://schemas.openxmlformats.org/drawingml/2006/main" xmlns:r="http://schemas.openxmlformats.org/officeDocument/2006/relationships" xmlns:p="http://schemas.openxmlformats.org/presentationml/2006/main">
+  <p:cSld>
+    <p:bg>
+      <p:bgRef idx="1001">
+        <a:schemeClr val="bg1"/>
+      </p:bgRef>
+    </p:bg>
+    <p:spTree>
+      <p:nvGrpSpPr>
+        <p:cNvPr id="1" name=""/>
+        <p:cNvGrpSpPr/>
+        <p:nvPr/>
+      </p:nvGrpSpPr>
+      <p:grpSpPr>
+        <a:xfrm>
+          <a:off x="0" y="0"/>
+          <a:ext cx="0" cy="0"/>
+          <a:chOff x="0" y="0"/>
+          <a:chExt cx="0" cy="0"/>
+        </a:xfrm>
+      </p:grpSpPr>
+      <p:sp>
+        <p:nvSpPr>
+          <p:cNvPr id="2" name="Espace réservé de l'en-tête 1"/>
+          <p:cNvSpPr>
+            <a:spLocks noGrp="1"/>
+          </p:cNvSpPr>
+          <p:nvPr>
+            <p:ph type="hdr" sz="quarter"/>
+          </p:nvPr>
+        </p:nvSpPr>
+        <p:spPr>
+          <a:xfrm>
+            <a:off x="0" y="0"/>
+            <a:ext cx="2971800" cy="458788"/>
+          </a:xfrm>
+          <a:prstGeom prst="rect">
+            <a:avLst/>
+          </a:prstGeom>
+        </p:spPr>
+        <p:txBody>
+          <a:bodyPr vert="horz" lIns="91440" tIns="45720" rIns="91440" bIns="45720" rtlCol="0"/>
+          <a:lstStyle>
+            <a:lvl1pPr algn="l">
+              <a:defRPr sz="1200"/>
+            </a:lvl1pPr>
+          </a:lstStyle>
+          <a:p>
+            <a:endParaRPr lang="fr-FR"/>
+          </a:p>
+        </p:txBody>
+      </p:sp>
+      <p:sp>
+        <p:nvSpPr>
+          <p:cNvPr id="3" name="Espace réservé de la date 2"/>
+          <p:cNvSpPr>
+            <a:spLocks noGrp="1"/>
+          </p:cNvSpPr>
+          <p:nvPr>
+            <p:ph type="dt" idx="1"/>
+          </p:nvPr>
+        </p:nvSpPr>
+        <p:spPr>
+          <a:xfrm>
+            <a:off x="3884613" y="0"/>
+            <a:ext cx="2971800" cy="458788"/>
+          </a:xfrm>
+          <a:prstGeom prst="rect">
+            <a:avLst/>
+          </a:prstGeom>
+        </p:spPr>
+        <p:txBody>
+          <a:bodyPr vert="horz" lIns="91440" tIns="45720" rIns="91440" bIns="45720" rtlCol="0"/>
+          <a:lstStyle>
+            <a:lvl1pPr algn="r">
+              <a:defRPr sz="1200"/>
+            </a:lvl1pPr>
+          </a:lstStyle>
+          <a:p>
+            <a:fld id="{92D8032B-AC11-4202-8B10-51B6F4F5AA4B}" type="datetimeFigureOut">
+              <a:rPr lang="fr-FR" smtClean="0"/>
+              <a:t>03/02/2024</a:t>
+            </a:fld>
+            <a:endParaRPr lang="fr-FR"/>
+          </a:p>
+        </p:txBody>
+      </p:sp>
+      <p:sp>
+        <p:nvSpPr>
+          <p:cNvPr id="4" name="Espace réservé de l'image des diapositives 3"/>
+          <p:cNvSpPr>
+            <a:spLocks noGrp="1" noRot="1" noChangeAspect="1"/>
+          </p:cNvSpPr>
+          <p:nvPr>
+            <p:ph type="sldImg" idx="2"/>
+          </p:nvPr>
+        </p:nvSpPr>
+        <p:spPr>
+          <a:xfrm>
+            <a:off x="1371600" y="1143000"/>
+            <a:ext cx="4114800" cy="3086100"/>
+          </a:xfrm>
+          <a:prstGeom prst="rect">
+            <a:avLst/>
+          </a:prstGeom>
+          <a:noFill/>
+          <a:ln w="12700">
+            <a:solidFill>
+              <a:prstClr val="black"/>
+            </a:solidFill>
+          </a:ln>
+        </p:spPr>
+        <p:txBody>
+          <a:bodyPr vert="horz" lIns="91440" tIns="45720" rIns="91440" bIns="45720" rtlCol="0" anchor="ctr"/>
+          <a:lstStyle/>
+          <a:p>
+            <a:endParaRPr lang="fr-FR"/>
+          </a:p>
+        </p:txBody>
+      </p:sp>
+      <p:sp>
+        <p:nvSpPr>
+          <p:cNvPr id="5" name="Espace réservé des notes 4"/>
+          <p:cNvSpPr>
+            <a:spLocks noGrp="1"/>
+          </p:cNvSpPr>
+          <p:nvPr>
+            <p:ph type="body" sz="quarter" idx="3"/>
+          </p:nvPr>
+        </p:nvSpPr>
+        <p:spPr>
+          <a:xfrm>
+            <a:off x="685800" y="4400550"/>
+            <a:ext cx="5486400" cy="3600450"/>
+          </a:xfrm>
+          <a:prstGeom prst="rect">
+            <a:avLst/>
+          </a:prstGeom>
+        </p:spPr>
+        <p:txBody>
+          <a:bodyPr vert="horz" lIns="91440" tIns="45720" rIns="91440" bIns="45720" rtlCol="0"/>
+          <a:lstStyle/>
+          <a:p>
+            <a:pPr lvl="0"/>
+            <a:r>
+              <a:rPr lang="fr-FR"/>
+              <a:t>Cliquez pour modifier les styles du texte du masque</a:t>
+            </a:r>
+          </a:p>
+          <a:p>
+            <a:pPr lvl="1"/>
+            <a:r>
+              <a:rPr lang="fr-FR"/>
+              <a:t>Deuxième niveau</a:t>
+            </a:r>
+          </a:p>
+          <a:p>
+            <a:pPr lvl="2"/>
+            <a:r>
+              <a:rPr lang="fr-FR"/>
+              <a:t>Troisième niveau</a:t>
+            </a:r>
+          </a:p>
+          <a:p>
+            <a:pPr lvl="3"/>
+            <a:r>
+              <a:rPr lang="fr-FR"/>
+              <a:t>Quatrième niveau</a:t>
+            </a:r>
+          </a:p>
+          <a:p>
+            <a:pPr lvl="4"/>
+            <a:r>
+              <a:rPr lang="fr-FR"/>
+              <a:t>Cinquième niveau</a:t>
+            </a:r>
+          </a:p>
+        </p:txBody>
+      </p:sp>
+      <p:sp>
+        <p:nvSpPr>
+          <p:cNvPr id="6" name="Espace réservé du pied de page 5"/>
+          <p:cNvSpPr>
+            <a:spLocks noGrp="1"/>
+          </p:cNvSpPr>
+          <p:nvPr>
+            <p:ph type="ftr" sz="quarter" idx="4"/>
+          </p:nvPr>
+        </p:nvSpPr>
+        <p:spPr>
+          <a:xfrm>
+            <a:off x="0" y="8685213"/>
+            <a:ext cx="2971800" cy="458787"/>
+          </a:xfrm>
+          <a:prstGeom prst="rect">
+            <a:avLst/>
+          </a:prstGeom>
+        </p:spPr>
+        <p:txBody>
+          <a:bodyPr vert="horz" lIns="91440" tIns="45720" rIns="91440" bIns="45720" rtlCol="0" anchor="b"/>
+          <a:lstStyle>
+            <a:lvl1pPr algn="l">
+              <a:defRPr sz="1200"/>
+            </a:lvl1pPr>
+          </a:lstStyle>
+          <a:p>
+            <a:endParaRPr lang="fr-FR"/>
+          </a:p>
+        </p:txBody>
+      </p:sp>
+      <p:sp>
+        <p:nvSpPr>
+          <p:cNvPr id="7" name="Espace réservé du numéro de diapositive 6"/>
+          <p:cNvSpPr>
+            <a:spLocks noGrp="1"/>
+          </p:cNvSpPr>
+          <p:nvPr>
+            <p:ph type="sldNum" sz="quarter" idx="5"/>
+          </p:nvPr>
+        </p:nvSpPr>
+        <p:spPr>
+          <a:xfrm>
+            <a:off x="3884613" y="8685213"/>
+            <a:ext cx="2971800" cy="458787"/>
+          </a:xfrm>
+          <a:prstGeom prst="rect">
+            <a:avLst/>
+          </a:prstGeom>
+        </p:spPr>
+        <p:txBody>
+          <a:bodyPr vert="horz" lIns="91440" tIns="45720" rIns="91440" bIns="45720" rtlCol="0" anchor="b"/>
+          <a:lstStyle>
+            <a:lvl1pPr algn="r">
+              <a:defRPr sz="1200"/>
+            </a:lvl1pPr>
+          </a:lstStyle>
+          <a:p>
+            <a:fld id="{B1FAFC6C-F850-4153-9455-D571201376DD}" type="slidenum">
+              <a:rPr lang="fr-FR" smtClean="0"/>
+              <a:t>‹N°›</a:t>
+            </a:fld>
+            <a:endParaRPr lang="fr-FR"/>
+          </a:p>
+        </p:txBody>
+      </p:sp>
+    </p:spTree>
+    <p:extLst>
+      <p:ext uri="{BB962C8B-B14F-4D97-AF65-F5344CB8AC3E}">
+        <p14:creationId xmlns:p14="http://schemas.microsoft.com/office/powerpoint/2010/main" val="1648485307"/>
+      </p:ext>
+    </p:extLst>
+  </p:cSld>
+  <p:clrMap bg1="lt1" tx1="dk1" bg2="lt2" tx2="dk2" accent1="accent1" accent2="accent2" accent3="accent3" accent4="accent4" accent5="accent5" accent6="accent6" hlink="hlink" folHlink="folHlink"/>
+  <p:notesStyle>
+    <a:lvl1pPr marL="0" algn="l" defTabSz="914400" rtl="0" eaLnBrk="1" latinLnBrk="0" hangingPunct="1">
+      <a:defRPr sz="1200" kern="1200">
+        <a:solidFill>
+          <a:schemeClr val="tx1"/>
+        </a:solidFill>
+        <a:latin typeface="+mn-lt"/>
+        <a:ea typeface="+mn-ea"/>
+        <a:cs typeface="+mn-cs"/>
+      </a:defRPr>
+    </a:lvl1pPr>
+    <a:lvl2pPr marL="457200" algn="l" defTabSz="914400" rtl="0" eaLnBrk="1" latinLnBrk="0" hangingPunct="1">
+      <a:defRPr sz="1200" kern="1200">
+        <a:solidFill>
+          <a:schemeClr val="tx1"/>
+        </a:solidFill>
+        <a:latin typeface="+mn-lt"/>
+        <a:ea typeface="+mn-ea"/>
+        <a:cs typeface="+mn-cs"/>
+      </a:defRPr>
+    </a:lvl2pPr>
+    <a:lvl3pPr marL="914400" algn="l" defTabSz="914400" rtl="0" eaLnBrk="1" latinLnBrk="0" hangingPunct="1">
+      <a:defRPr sz="1200" kern="1200">
+        <a:solidFill>
+          <a:schemeClr val="tx1"/>
+        </a:solidFill>
+        <a:latin typeface="+mn-lt"/>
+        <a:ea typeface="+mn-ea"/>
+        <a:cs typeface="+mn-cs"/>
+      </a:defRPr>
+    </a:lvl3pPr>
+    <a:lvl4pPr marL="1371600" algn="l" defTabSz="914400" rtl="0" eaLnBrk="1" latinLnBrk="0" hangingPunct="1">
+      <a:defRPr sz="1200" kern="1200">
+        <a:solidFill>
+          <a:schemeClr val="tx1"/>
+        </a:solidFill>
+        <a:latin typeface="+mn-lt"/>
+        <a:ea typeface="+mn-ea"/>
+        <a:cs typeface="+mn-cs"/>
+      </a:defRPr>
+    </a:lvl4pPr>
+    <a:lvl5pPr marL="1828800" algn="l" defTabSz="914400" rtl="0" eaLnBrk="1" latinLnBrk="0" hangingPunct="1">
+      <a:defRPr sz="1200" kern="1200">
+        <a:solidFill>
+          <a:schemeClr val="tx1"/>
+        </a:solidFill>
+        <a:latin typeface="+mn-lt"/>
+        <a:ea typeface="+mn-ea"/>
+        <a:cs typeface="+mn-cs"/>
+      </a:defRPr>
+    </a:lvl5pPr>
+    <a:lvl6pPr marL="2286000" algn="l" defTabSz="914400" rtl="0" eaLnBrk="1" latinLnBrk="0" hangingPunct="1">
+      <a:defRPr sz="1200" kern="1200">
+        <a:solidFill>
+          <a:schemeClr val="tx1"/>
+        </a:solidFill>
+        <a:latin typeface="+mn-lt"/>
+        <a:ea typeface="+mn-ea"/>
+        <a:cs typeface="+mn-cs"/>
+      </a:defRPr>
+    </a:lvl6pPr>
+    <a:lvl7pPr marL="2743200" algn="l" defTabSz="914400" rtl="0" eaLnBrk="1" latinLnBrk="0" hangingPunct="1">
+      <a:defRPr sz="1200" kern="1200">
+        <a:solidFill>
+          <a:schemeClr val="tx1"/>
+        </a:solidFill>
+        <a:latin typeface="+mn-lt"/>
+        <a:ea typeface="+mn-ea"/>
+        <a:cs typeface="+mn-cs"/>
+      </a:defRPr>
+    </a:lvl7pPr>
+    <a:lvl8pPr marL="3200400" algn="l" defTabSz="914400" rtl="0" eaLnBrk="1" latinLnBrk="0" hangingPunct="1">
+      <a:defRPr sz="1200" kern="1200">
+        <a:solidFill>
+          <a:schemeClr val="tx1"/>
+        </a:solidFill>
+        <a:latin typeface="+mn-lt"/>
+        <a:ea typeface="+mn-ea"/>
+        <a:cs typeface="+mn-cs"/>
+      </a:defRPr>
+    </a:lvl8pPr>
+    <a:lvl9pPr marL="3657600" algn="l" defTabSz="914400" rtl="0" eaLnBrk="1" latinLnBrk="0" hangingPunct="1">
+      <a:defRPr sz="1200" kern="1200">
+        <a:solidFill>
+          <a:schemeClr val="tx1"/>
+        </a:solidFill>
+        <a:latin typeface="+mn-lt"/>
+        <a:ea typeface="+mn-ea"/>
+        <a:cs typeface="+mn-cs"/>
+      </a:defRPr>
+    </a:lvl9pPr>
+  </p:notesStyle>
+</p:notesMaster>
+</file>
+
+<file path=ppt/notesSlides/notesSlide1.xml><?xml version="1.0" encoding="utf-8"?>
+<p:notes xmlns:a="http://schemas.openxmlformats.org/drawingml/2006/main" xmlns:r="http://schemas.openxmlformats.org/officeDocument/2006/relationships" xmlns:p="http://schemas.openxmlformats.org/presentationml/2006/main">
+  <p:cSld>
+    <p:spTree>
+      <p:nvGrpSpPr>
+        <p:cNvPr id="1" name=""/>
+        <p:cNvGrpSpPr/>
+        <p:nvPr/>
+      </p:nvGrpSpPr>
+      <p:grpSpPr>
+        <a:xfrm>
+          <a:off x="0" y="0"/>
+          <a:ext cx="0" cy="0"/>
+          <a:chOff x="0" y="0"/>
+          <a:chExt cx="0" cy="0"/>
+        </a:xfrm>
+      </p:grpSpPr>
+      <p:sp>
+        <p:nvSpPr>
+          <p:cNvPr id="2" name="Espace réservé de l'image des diapositives 1"/>
+          <p:cNvSpPr>
+            <a:spLocks noGrp="1" noRot="1" noChangeAspect="1"/>
+          </p:cNvSpPr>
+          <p:nvPr>
+            <p:ph type="sldImg"/>
+          </p:nvPr>
+        </p:nvSpPr>
+        <p:spPr/>
+      </p:sp>
+      <p:sp>
+        <p:nvSpPr>
+          <p:cNvPr id="3" name="Espace réservé des notes 2"/>
+          <p:cNvSpPr>
+            <a:spLocks noGrp="1"/>
+          </p:cNvSpPr>
+          <p:nvPr>
+            <p:ph type="body" idx="1"/>
+          </p:nvPr>
+        </p:nvSpPr>
+        <p:spPr/>
+        <p:txBody>
+          <a:bodyPr/>
+          <a:lstStyle/>
+          <a:p>
+            <a:endParaRPr lang="fr-FR" dirty="0"/>
+          </a:p>
+        </p:txBody>
+      </p:sp>
+      <p:sp>
+        <p:nvSpPr>
+          <p:cNvPr id="4" name="Espace réservé du numéro de diapositive 3"/>
+          <p:cNvSpPr>
+            <a:spLocks noGrp="1"/>
+          </p:cNvSpPr>
+          <p:nvPr>
+            <p:ph type="sldNum" sz="quarter" idx="5"/>
+          </p:nvPr>
+        </p:nvSpPr>
+        <p:spPr/>
+        <p:txBody>
+          <a:bodyPr/>
+          <a:lstStyle/>
+          <a:p>
+            <a:fld id="{B1FAFC6C-F850-4153-9455-D571201376DD}" type="slidenum">
+              <a:rPr lang="fr-FR" smtClean="0"/>
+              <a:t>1</a:t>
+            </a:fld>
+            <a:endParaRPr lang="fr-FR"/>
+          </a:p>
+        </p:txBody>
+      </p:sp>
+    </p:spTree>
+    <p:extLst>
+      <p:ext uri="{BB962C8B-B14F-4D97-AF65-F5344CB8AC3E}">
+        <p14:creationId xmlns:p14="http://schemas.microsoft.com/office/powerpoint/2010/main" val="3972809642"/>
+      </p:ext>
+    </p:extLst>
+  </p:cSld>
+  <p:clrMapOvr>
+    <a:masterClrMapping/>
+  </p:clrMapOvr>
+</p:notes>
 </file>
 
 <file path=ppt/slideLayouts/slideLayout1.xml><?xml version="1.0" encoding="utf-8"?>
@@ -284,7 +720,7 @@
           <a:p>
             <a:fld id="{D7F135F6-2A09-4FDD-9ECA-096E230CA0FA}" type="datetimeFigureOut">
               <a:rPr lang="fr-FR" smtClean="0"/>
-              <a:t>30/01/2024</a:t>
+              <a:t>03/02/2024</a:t>
             </a:fld>
             <a:endParaRPr lang="fr-FR"/>
           </a:p>
@@ -522,7 +958,7 @@
           <a:p>
             <a:fld id="{D7F135F6-2A09-4FDD-9ECA-096E230CA0FA}" type="datetimeFigureOut">
               <a:rPr lang="fr-FR" smtClean="0"/>
-              <a:t>30/01/2024</a:t>
+              <a:t>03/02/2024</a:t>
             </a:fld>
             <a:endParaRPr lang="fr-FR"/>
           </a:p>
@@ -760,7 +1196,7 @@
           <a:p>
             <a:fld id="{D7F135F6-2A09-4FDD-9ECA-096E230CA0FA}" type="datetimeFigureOut">
               <a:rPr lang="fr-FR" smtClean="0"/>
-              <a:t>30/01/2024</a:t>
+              <a:t>03/02/2024</a:t>
             </a:fld>
             <a:endParaRPr lang="fr-FR"/>
           </a:p>
@@ -998,7 +1434,7 @@
           <a:p>
             <a:fld id="{D7F135F6-2A09-4FDD-9ECA-096E230CA0FA}" type="datetimeFigureOut">
               <a:rPr lang="fr-FR" smtClean="0"/>
-              <a:t>30/01/2024</a:t>
+              <a:t>03/02/2024</a:t>
             </a:fld>
             <a:endParaRPr lang="fr-FR"/>
           </a:p>
@@ -1319,7 +1755,7 @@
           <a:p>
             <a:fld id="{D7F135F6-2A09-4FDD-9ECA-096E230CA0FA}" type="datetimeFigureOut">
               <a:rPr lang="fr-FR" smtClean="0"/>
-              <a:t>30/01/2024</a:t>
+              <a:t>03/02/2024</a:t>
             </a:fld>
             <a:endParaRPr lang="fr-FR"/>
           </a:p>
@@ -1622,7 +2058,7 @@
           <a:p>
             <a:fld id="{D7F135F6-2A09-4FDD-9ECA-096E230CA0FA}" type="datetimeFigureOut">
               <a:rPr lang="fr-FR" smtClean="0"/>
-              <a:t>30/01/2024</a:t>
+              <a:t>03/02/2024</a:t>
             </a:fld>
             <a:endParaRPr lang="fr-FR"/>
           </a:p>
@@ -2073,7 +2509,7 @@
           <a:p>
             <a:fld id="{D7F135F6-2A09-4FDD-9ECA-096E230CA0FA}" type="datetimeFigureOut">
               <a:rPr lang="fr-FR" smtClean="0"/>
-              <a:t>30/01/2024</a:t>
+              <a:t>03/02/2024</a:t>
             </a:fld>
             <a:endParaRPr lang="fr-FR"/>
           </a:p>
@@ -2246,7 +2682,7 @@
           <a:p>
             <a:fld id="{D7F135F6-2A09-4FDD-9ECA-096E230CA0FA}" type="datetimeFigureOut">
               <a:rPr lang="fr-FR" smtClean="0"/>
-              <a:t>30/01/2024</a:t>
+              <a:t>03/02/2024</a:t>
             </a:fld>
             <a:endParaRPr lang="fr-FR"/>
           </a:p>
@@ -2383,7 +2819,7 @@
           <a:p>
             <a:fld id="{D7F135F6-2A09-4FDD-9ECA-096E230CA0FA}" type="datetimeFigureOut">
               <a:rPr lang="fr-FR" smtClean="0"/>
-              <a:t>30/01/2024</a:t>
+              <a:t>03/02/2024</a:t>
             </a:fld>
             <a:endParaRPr lang="fr-FR"/>
           </a:p>
@@ -2727,7 +3163,7 @@
           <a:p>
             <a:fld id="{D7F135F6-2A09-4FDD-9ECA-096E230CA0FA}" type="datetimeFigureOut">
               <a:rPr lang="fr-FR" smtClean="0"/>
-              <a:t>30/01/2024</a:t>
+              <a:t>03/02/2024</a:t>
             </a:fld>
             <a:endParaRPr lang="fr-FR"/>
           </a:p>
@@ -3048,7 +3484,7 @@
           <a:p>
             <a:fld id="{D7F135F6-2A09-4FDD-9ECA-096E230CA0FA}" type="datetimeFigureOut">
               <a:rPr lang="fr-FR" smtClean="0"/>
-              <a:t>30/01/2024</a:t>
+              <a:t>03/02/2024</a:t>
             </a:fld>
             <a:endParaRPr lang="fr-FR"/>
           </a:p>
@@ -3549,7 +3985,7 @@
           <p:nvPr/>
         </p:nvPicPr>
         <p:blipFill>
-          <a:blip r:embed="rId2"/>
+          <a:blip r:embed="rId3"/>
           <a:stretch>
             <a:fillRect/>
           </a:stretch>
@@ -3579,7 +4015,7 @@
           <p:nvPr/>
         </p:nvPicPr>
         <p:blipFill>
-          <a:blip r:embed="rId3"/>
+          <a:blip r:embed="rId4"/>
           <a:stretch>
             <a:fillRect/>
           </a:stretch>
@@ -3594,8 +4030,8 @@
           </a:prstGeom>
         </p:spPr>
       </p:pic>
-      <mc:AlternateContent xmlns:mc="http://schemas.openxmlformats.org/markup-compatibility/2006">
-        <mc:Choice xmlns:a14="http://schemas.microsoft.com/office/drawing/2010/main" Requires="a14">
+      <mc:AlternateContent xmlns:mc="http://schemas.openxmlformats.org/markup-compatibility/2006" xmlns:a14="http://schemas.microsoft.com/office/drawing/2010/main">
+        <mc:Choice Requires="a14">
           <p:sp>
             <p:nvSpPr>
               <p:cNvPr id="66" name="ZoneTexte 65">
@@ -3624,7 +4060,6 @@
               </a:bodyPr>
               <a:lstStyle/>
               <a:p>
-                <a:pPr/>
                 <a:r>
                   <a:rPr lang="fr-FR" sz="1100" b="1" dirty="0">
                     <a:solidFill>
@@ -3637,7 +4072,6 @@
                 </a:r>
               </a:p>
               <a:p>
-                <a:pPr/>
                 <a14:m>
                   <m:oMath xmlns:m="http://schemas.openxmlformats.org/officeDocument/2006/math">
                     <m:r>
@@ -4973,7 +5407,7 @@
             </p:txBody>
           </p:sp>
         </mc:Choice>
-        <mc:Fallback>
+        <mc:Fallback xmlns="">
           <p:sp>
             <p:nvSpPr>
               <p:cNvPr id="66" name="ZoneTexte 65">
@@ -4997,7 +5431,7 @@
                 <a:avLst/>
               </a:prstGeom>
               <a:blipFill>
-                <a:blip r:embed="rId4"/>
+                <a:blip r:embed="rId5"/>
                 <a:stretch>
                   <a:fillRect t="-254" b="-761"/>
                 </a:stretch>
@@ -5033,23 +5467,23 @@
           <p:nvPr/>
         </p:nvPicPr>
         <p:blipFill>
-          <a:blip r:embed="rId5"/>
+          <a:blip r:embed="rId6"/>
           <a:stretch>
             <a:fillRect/>
           </a:stretch>
         </p:blipFill>
         <p:spPr>
           <a:xfrm>
-            <a:off x="394877" y="1903707"/>
-            <a:ext cx="1320655" cy="1869552"/>
+            <a:off x="394877" y="1903706"/>
+            <a:ext cx="1605483" cy="2272761"/>
           </a:xfrm>
           <a:prstGeom prst="rect">
             <a:avLst/>
           </a:prstGeom>
         </p:spPr>
       </p:pic>
-      <mc:AlternateContent xmlns:mc="http://schemas.openxmlformats.org/markup-compatibility/2006">
-        <mc:Choice xmlns:a14="http://schemas.microsoft.com/office/drawing/2010/main" Requires="a14">
+      <mc:AlternateContent xmlns:mc="http://schemas.openxmlformats.org/markup-compatibility/2006" xmlns:a14="http://schemas.microsoft.com/office/drawing/2010/main">
+        <mc:Choice Requires="a14">
           <p:sp>
             <p:nvSpPr>
               <p:cNvPr id="91" name="ZoneTexte 90">
@@ -5180,14 +5614,7 @@
                         <a:latin typeface="Cambria Math" panose="02040503050406030204" pitchFamily="18" charset="0"/>
                         <a:ea typeface="Cambria Math" panose="02040503050406030204" pitchFamily="18" charset="0"/>
                       </a:rPr>
-                      <m:t>=</m:t>
-                    </m:r>
-                    <m:r>
-                      <a:rPr lang="fr-FR" sz="1100" b="0" i="1" smtClean="0">
-                        <a:latin typeface="Cambria Math" panose="02040503050406030204" pitchFamily="18" charset="0"/>
-                        <a:ea typeface="Cambria Math" panose="02040503050406030204" pitchFamily="18" charset="0"/>
-                      </a:rPr>
-                      <m:t>−</m:t>
+                      <m:t>=−</m:t>
                     </m:r>
                     <m:sSub>
                       <m:sSubPr>
@@ -5508,14 +5935,7 @@
                         <a:latin typeface="Cambria Math" panose="02040503050406030204" pitchFamily="18" charset="0"/>
                         <a:ea typeface="Cambria Math" panose="02040503050406030204" pitchFamily="18" charset="0"/>
                       </a:rPr>
-                      <m:t>=</m:t>
-                    </m:r>
-                    <m:r>
-                      <a:rPr lang="fr-FR" sz="1100" b="0" i="1" smtClean="0">
-                        <a:latin typeface="Cambria Math" panose="02040503050406030204" pitchFamily="18" charset="0"/>
-                        <a:ea typeface="Cambria Math" panose="02040503050406030204" pitchFamily="18" charset="0"/>
-                      </a:rPr>
-                      <m:t>−</m:t>
+                      <m:t>=−</m:t>
                     </m:r>
                     <m:d>
                       <m:dPr>
@@ -5606,7 +6026,7 @@
             </p:txBody>
           </p:sp>
         </mc:Choice>
-        <mc:Fallback>
+        <mc:Fallback xmlns="">
           <p:sp>
             <p:nvSpPr>
               <p:cNvPr id="91" name="ZoneTexte 90">
@@ -5630,7 +6050,7 @@
                 <a:avLst/>
               </a:prstGeom>
               <a:blipFill>
-                <a:blip r:embed="rId6"/>
+                <a:blip r:embed="rId7"/>
                 <a:stretch>
                   <a:fillRect t="-641" b="-3205"/>
                 </a:stretch>
@@ -5700,25 +6120,34 @@
                     <m:sSub>
                       <m:sSubPr>
                         <m:ctrlPr>
-                          <a:rPr lang="fr-FR" sz="1100" b="0" i="1" smtClean="0">
+                          <a:rPr lang="fr-FR" sz="1100" b="1" i="1" smtClean="0">
+                            <a:solidFill>
+                              <a:srgbClr val="C00000"/>
+                            </a:solidFill>
                             <a:latin typeface="Cambria Math" panose="02040503050406030204" pitchFamily="18" charset="0"/>
                           </a:rPr>
                         </m:ctrlPr>
                       </m:sSubPr>
                       <m:e>
                         <m:r>
-                          <a:rPr lang="fr-FR" sz="1100" b="0" i="1" smtClean="0">
-                            <a:latin typeface="Cambria Math" panose="02040503050406030204" pitchFamily="18" charset="0"/>
-                          </a:rPr>
-                          <m:t>𝐽</m:t>
+                          <a:rPr lang="fr-FR" sz="1100" b="1" i="1" smtClean="0">
+                            <a:solidFill>
+                              <a:srgbClr val="C00000"/>
+                            </a:solidFill>
+                            <a:latin typeface="Cambria Math" panose="02040503050406030204" pitchFamily="18" charset="0"/>
+                          </a:rPr>
+                          <m:t>𝑱</m:t>
                         </m:r>
                       </m:e>
                       <m:sub>
                         <m:r>
-                          <a:rPr lang="fr-FR" sz="1100" b="0" i="1" smtClean="0">
-                            <a:latin typeface="Cambria Math" panose="02040503050406030204" pitchFamily="18" charset="0"/>
-                          </a:rPr>
-                          <m:t>𝑒𝑞</m:t>
+                          <a:rPr lang="fr-FR" sz="1100" b="1" i="1" smtClean="0">
+                            <a:solidFill>
+                              <a:srgbClr val="C00000"/>
+                            </a:solidFill>
+                            <a:latin typeface="Cambria Math" panose="02040503050406030204" pitchFamily="18" charset="0"/>
+                          </a:rPr>
+                          <m:t>𝒆𝒒</m:t>
                         </m:r>
                       </m:sub>
                     </m:sSub>
@@ -5726,7 +6155,10 @@
                       <m:accPr>
                         <m:chr m:val="̇"/>
                         <m:ctrlPr>
-                          <a:rPr lang="fr-FR" sz="1100" b="0" i="1" smtClean="0">
+                          <a:rPr lang="fr-FR" sz="1100" b="1" i="1" smtClean="0">
+                            <a:solidFill>
+                              <a:srgbClr val="C00000"/>
+                            </a:solidFill>
                             <a:latin typeface="Cambria Math" panose="02040503050406030204" pitchFamily="18" charset="0"/>
                           </a:rPr>
                         </m:ctrlPr>
@@ -5735,32 +6167,44 @@
                         <m:sSub>
                           <m:sSubPr>
                             <m:ctrlPr>
-                              <a:rPr lang="fr-FR" sz="1100" b="0" i="1" smtClean="0">
+                              <a:rPr lang="fr-FR" sz="1100" b="1" i="1" smtClean="0">
+                                <a:solidFill>
+                                  <a:srgbClr val="C00000"/>
+                                </a:solidFill>
                                 <a:latin typeface="Cambria Math" panose="02040503050406030204" pitchFamily="18" charset="0"/>
                               </a:rPr>
                             </m:ctrlPr>
                           </m:sSubPr>
                           <m:e>
                             <m:r>
-                              <a:rPr lang="fr-FR" sz="1100" b="0" i="1" smtClean="0">
+                              <a:rPr lang="fr-FR" sz="1100" b="1" i="1" smtClean="0">
+                                <a:solidFill>
+                                  <a:srgbClr val="C00000"/>
+                                </a:solidFill>
                                 <a:latin typeface="Cambria Math" panose="02040503050406030204" pitchFamily="18" charset="0"/>
                               </a:rPr>
-                              <m:t>𝜔</m:t>
+                              <m:t>𝝎</m:t>
                             </m:r>
                           </m:e>
                           <m:sub>
                             <m:r>
-                              <a:rPr lang="fr-FR" sz="1100" b="0" i="1" smtClean="0">
+                              <a:rPr lang="fr-FR" sz="1100" b="1" i="1" smtClean="0">
+                                <a:solidFill>
+                                  <a:srgbClr val="C00000"/>
+                                </a:solidFill>
                                 <a:latin typeface="Cambria Math" panose="02040503050406030204" pitchFamily="18" charset="0"/>
                               </a:rPr>
-                              <m:t>𝑚</m:t>
+                              <m:t>𝒎</m:t>
                             </m:r>
                           </m:sub>
                         </m:sSub>
                       </m:e>
                     </m:acc>
                     <m:r>
-                      <a:rPr lang="fr-FR" sz="1100" b="0" i="1" smtClean="0">
+                      <a:rPr lang="fr-FR" sz="1100" b="1" i="1" smtClean="0">
+                        <a:solidFill>
+                          <a:srgbClr val="C00000"/>
+                        </a:solidFill>
                         <a:latin typeface="Cambria Math" panose="02040503050406030204" pitchFamily="18" charset="0"/>
                       </a:rPr>
                       <m:t>=</m:t>
@@ -5768,30 +6212,42 @@
                     <m:sSub>
                       <m:sSubPr>
                         <m:ctrlPr>
-                          <a:rPr lang="fr-FR" sz="1100" b="0" i="1" smtClean="0">
+                          <a:rPr lang="fr-FR" sz="1100" b="1" i="1" smtClean="0">
+                            <a:solidFill>
+                              <a:srgbClr val="C00000"/>
+                            </a:solidFill>
                             <a:latin typeface="Cambria Math" panose="02040503050406030204" pitchFamily="18" charset="0"/>
                           </a:rPr>
                         </m:ctrlPr>
                       </m:sSubPr>
                       <m:e>
                         <m:r>
-                          <a:rPr lang="fr-FR" sz="1100" b="0" i="1" smtClean="0">
-                            <a:latin typeface="Cambria Math" panose="02040503050406030204" pitchFamily="18" charset="0"/>
-                          </a:rPr>
-                          <m:t>𝐶</m:t>
+                          <a:rPr lang="fr-FR" sz="1100" b="1" i="1" smtClean="0">
+                            <a:solidFill>
+                              <a:srgbClr val="C00000"/>
+                            </a:solidFill>
+                            <a:latin typeface="Cambria Math" panose="02040503050406030204" pitchFamily="18" charset="0"/>
+                          </a:rPr>
+                          <m:t>𝑪</m:t>
                         </m:r>
                       </m:e>
                       <m:sub>
                         <m:r>
-                          <a:rPr lang="fr-FR" sz="1100" b="0" i="1" smtClean="0">
-                            <a:latin typeface="Cambria Math" panose="02040503050406030204" pitchFamily="18" charset="0"/>
-                          </a:rPr>
-                          <m:t>𝑚</m:t>
+                          <a:rPr lang="fr-FR" sz="1100" b="1" i="1" smtClean="0">
+                            <a:solidFill>
+                              <a:srgbClr val="C00000"/>
+                            </a:solidFill>
+                            <a:latin typeface="Cambria Math" panose="02040503050406030204" pitchFamily="18" charset="0"/>
+                          </a:rPr>
+                          <m:t>𝒎</m:t>
                         </m:r>
                       </m:sub>
                     </m:sSub>
                     <m:r>
-                      <a:rPr lang="fr-FR" sz="1100" b="0" i="1" smtClean="0">
+                      <a:rPr lang="fr-FR" sz="1100" b="1" i="1" smtClean="0">
+                        <a:solidFill>
+                          <a:srgbClr val="C00000"/>
+                        </a:solidFill>
                         <a:latin typeface="Cambria Math" panose="02040503050406030204" pitchFamily="18" charset="0"/>
                         <a:ea typeface="Cambria Math" panose="02040503050406030204" pitchFamily="18" charset="0"/>
                       </a:rPr>
@@ -5800,7 +6256,10 @@
                     <m:d>
                       <m:dPr>
                         <m:ctrlPr>
-                          <a:rPr lang="fr-FR" sz="1100" b="0" i="1" smtClean="0">
+                          <a:rPr lang="fr-FR" sz="1100" b="1" i="1" smtClean="0">
+                            <a:solidFill>
+                              <a:srgbClr val="C00000"/>
+                            </a:solidFill>
                             <a:latin typeface="Cambria Math" panose="02040503050406030204" pitchFamily="18" charset="0"/>
                             <a:ea typeface="Cambria Math" panose="02040503050406030204" pitchFamily="18" charset="0"/>
                           </a:rPr>
@@ -5810,7 +6269,10 @@
                         <m:sSub>
                           <m:sSubPr>
                             <m:ctrlPr>
-                              <a:rPr lang="fr-FR" sz="1100" b="0" i="1" smtClean="0">
+                              <a:rPr lang="fr-FR" sz="1100" b="1" i="1" smtClean="0">
+                                <a:solidFill>
+                                  <a:srgbClr val="C00000"/>
+                                </a:solidFill>
                                 <a:latin typeface="Cambria Math" panose="02040503050406030204" pitchFamily="18" charset="0"/>
                                 <a:ea typeface="Cambria Math" panose="02040503050406030204" pitchFamily="18" charset="0"/>
                               </a:rPr>
@@ -5818,25 +6280,34 @@
                           </m:sSubPr>
                           <m:e>
                             <m:r>
-                              <a:rPr lang="fr-FR" sz="1100" b="0" i="1" smtClean="0">
+                              <a:rPr lang="fr-FR" sz="1100" b="1" i="1" smtClean="0">
+                                <a:solidFill>
+                                  <a:srgbClr val="C00000"/>
+                                </a:solidFill>
                                 <a:latin typeface="Cambria Math" panose="02040503050406030204" pitchFamily="18" charset="0"/>
                                 <a:ea typeface="Cambria Math" panose="02040503050406030204" pitchFamily="18" charset="0"/>
                               </a:rPr>
-                              <m:t>𝑀</m:t>
+                              <m:t>𝑴</m:t>
                             </m:r>
                           </m:e>
                           <m:sub>
                             <m:r>
-                              <a:rPr lang="fr-FR" sz="1100" b="0" i="1" smtClean="0">
+                              <a:rPr lang="fr-FR" sz="1100" b="1" i="1" smtClean="0">
+                                <a:solidFill>
+                                  <a:srgbClr val="C00000"/>
+                                </a:solidFill>
                                 <a:latin typeface="Cambria Math" panose="02040503050406030204" pitchFamily="18" charset="0"/>
                                 <a:ea typeface="Cambria Math" panose="02040503050406030204" pitchFamily="18" charset="0"/>
                               </a:rPr>
-                              <m:t>𝑚</m:t>
+                              <m:t>𝒎</m:t>
                             </m:r>
                           </m:sub>
                         </m:sSub>
                         <m:r>
-                          <a:rPr lang="fr-FR" sz="1100" b="0" i="1" smtClean="0">
+                          <a:rPr lang="fr-FR" sz="1100" b="1" i="1" smtClean="0">
+                            <a:solidFill>
+                              <a:srgbClr val="C00000"/>
+                            </a:solidFill>
                             <a:latin typeface="Cambria Math" panose="02040503050406030204" pitchFamily="18" charset="0"/>
                             <a:ea typeface="Cambria Math" panose="02040503050406030204" pitchFamily="18" charset="0"/>
                           </a:rPr>
@@ -5845,7 +6316,10 @@
                         <m:sSub>
                           <m:sSubPr>
                             <m:ctrlPr>
-                              <a:rPr lang="fr-FR" sz="1100" b="0" i="1" smtClean="0">
+                              <a:rPr lang="fr-FR" sz="1100" b="1" i="1" smtClean="0">
+                                <a:solidFill>
+                                  <a:srgbClr val="C00000"/>
+                                </a:solidFill>
                                 <a:latin typeface="Cambria Math" panose="02040503050406030204" pitchFamily="18" charset="0"/>
                                 <a:ea typeface="Cambria Math" panose="02040503050406030204" pitchFamily="18" charset="0"/>
                               </a:rPr>
@@ -5853,41 +6327,46 @@
                           </m:sSubPr>
                           <m:e>
                             <m:r>
-                              <a:rPr lang="fr-FR" sz="1100" b="0" i="1" smtClean="0">
+                              <a:rPr lang="fr-FR" sz="1100" b="1" i="1" smtClean="0">
+                                <a:solidFill>
+                                  <a:srgbClr val="C00000"/>
+                                </a:solidFill>
                                 <a:latin typeface="Cambria Math" panose="02040503050406030204" pitchFamily="18" charset="0"/>
                                 <a:ea typeface="Cambria Math" panose="02040503050406030204" pitchFamily="18" charset="0"/>
                               </a:rPr>
-                              <m:t>𝑀</m:t>
+                              <m:t>𝑴</m:t>
                             </m:r>
                           </m:e>
                           <m:sub>
                             <m:r>
-                              <a:rPr lang="fr-FR" sz="1100" b="0" i="1" smtClean="0">
+                              <a:rPr lang="fr-FR" sz="1100" b="1" i="1" smtClean="0">
+                                <a:solidFill>
+                                  <a:srgbClr val="C00000"/>
+                                </a:solidFill>
                                 <a:latin typeface="Cambria Math" panose="02040503050406030204" pitchFamily="18" charset="0"/>
                                 <a:ea typeface="Cambria Math" panose="02040503050406030204" pitchFamily="18" charset="0"/>
                               </a:rPr>
-                              <m:t>𝑎</m:t>
+                              <m:t>𝒂</m:t>
                             </m:r>
                           </m:sub>
                         </m:sSub>
                       </m:e>
                     </m:d>
                     <m:r>
-                      <a:rPr lang="fr-FR" sz="1100" b="0" i="1" smtClean="0">
+                      <a:rPr lang="fr-FR" sz="1100" b="1" i="1" smtClean="0">
+                        <a:solidFill>
+                          <a:srgbClr val="C00000"/>
+                        </a:solidFill>
                         <a:latin typeface="Cambria Math" panose="02040503050406030204" pitchFamily="18" charset="0"/>
                         <a:ea typeface="Cambria Math" panose="02040503050406030204" pitchFamily="18" charset="0"/>
                       </a:rPr>
-                      <m:t>𝑔</m:t>
+                      <m:t>𝒈𝒌𝑹</m:t>
                     </m:r>
                     <m:r>
-                      <a:rPr lang="fr-FR" sz="1100" b="0" i="1" smtClean="0">
-                        <a:latin typeface="Cambria Math" panose="02040503050406030204" pitchFamily="18" charset="0"/>
-                        <a:ea typeface="Cambria Math" panose="02040503050406030204" pitchFamily="18" charset="0"/>
-                      </a:rPr>
-                      <m:t>𝑘𝑅</m:t>
-                    </m:r>
-                    <m:r>
-                      <a:rPr lang="fr-FR" sz="1100" b="0" i="1" smtClean="0">
+                      <a:rPr lang="fr-FR" sz="1100" b="1" i="1" smtClean="0">
+                        <a:solidFill>
+                          <a:srgbClr val="C00000"/>
+                        </a:solidFill>
                         <a:latin typeface="Cambria Math" panose="02040503050406030204" pitchFamily="18" charset="0"/>
                         <a:ea typeface="Cambria Math" panose="02040503050406030204" pitchFamily="18" charset="0"/>
                       </a:rPr>
@@ -5896,7 +6375,10 @@
                     <m:sSub>
                       <m:sSubPr>
                         <m:ctrlPr>
-                          <a:rPr lang="fr-FR" sz="1100" b="0" i="1" smtClean="0">
+                          <a:rPr lang="fr-FR" sz="1100" b="1" i="1" smtClean="0">
+                            <a:solidFill>
+                              <a:srgbClr val="C00000"/>
+                            </a:solidFill>
                             <a:latin typeface="Cambria Math" panose="02040503050406030204" pitchFamily="18" charset="0"/>
                             <a:ea typeface="Cambria Math" panose="02040503050406030204" pitchFamily="18" charset="0"/>
                           </a:rPr>
@@ -5904,26 +6386,32 @@
                       </m:sSubPr>
                       <m:e>
                         <m:r>
-                          <a:rPr lang="fr-FR" sz="1100" b="0" i="1" smtClean="0">
+                          <a:rPr lang="fr-FR" sz="1100" b="1" i="1" smtClean="0">
+                            <a:solidFill>
+                              <a:srgbClr val="C00000"/>
+                            </a:solidFill>
                             <a:latin typeface="Cambria Math" panose="02040503050406030204" pitchFamily="18" charset="0"/>
                             <a:ea typeface="Cambria Math" panose="02040503050406030204" pitchFamily="18" charset="0"/>
                           </a:rPr>
-                          <m:t>𝐶</m:t>
+                          <m:t>𝑪</m:t>
                         </m:r>
                       </m:e>
                       <m:sub>
                         <m:r>
-                          <a:rPr lang="fr-FR" sz="1100" b="0" i="1" smtClean="0">
+                          <a:rPr lang="fr-FR" sz="1100" b="1" i="1" smtClean="0">
+                            <a:solidFill>
+                              <a:srgbClr val="C00000"/>
+                            </a:solidFill>
                             <a:latin typeface="Cambria Math" panose="02040503050406030204" pitchFamily="18" charset="0"/>
                             <a:ea typeface="Cambria Math" panose="02040503050406030204" pitchFamily="18" charset="0"/>
                           </a:rPr>
-                          <m:t>𝑓</m:t>
+                          <m:t>𝒇</m:t>
                         </m:r>
                       </m:sub>
                     </m:sSub>
                   </m:oMath>
                 </a14:m>
-                <a:endParaRPr lang="fr-FR" sz="1100" i="1" dirty="0"/>
+                <a:endParaRPr lang="fr-FR" sz="1100" b="1" i="1" dirty="0"/>
               </a:p>
             </p:txBody>
           </p:sp>
@@ -5952,7 +6440,7 @@
                 <a:avLst/>
               </a:prstGeom>
               <a:blipFill>
-                <a:blip r:embed="rId7"/>
+                <a:blip r:embed="rId8"/>
                 <a:stretch>
                   <a:fillRect b="-11111"/>
                 </a:stretch>
@@ -5987,14 +6475,14 @@
         </p:nvGrpSpPr>
         <p:grpSpPr>
           <a:xfrm>
-            <a:off x="76893" y="5851500"/>
-            <a:ext cx="6323908" cy="3308919"/>
-            <a:chOff x="76893" y="5851500"/>
-            <a:chExt cx="6323908" cy="3308919"/>
+            <a:off x="76894" y="5684191"/>
+            <a:ext cx="6323907" cy="3859860"/>
+            <a:chOff x="76894" y="5684191"/>
+            <a:chExt cx="6323907" cy="3859860"/>
           </a:xfrm>
         </p:grpSpPr>
-        <mc:AlternateContent xmlns:mc="http://schemas.openxmlformats.org/markup-compatibility/2006">
-          <mc:Choice xmlns:a14="http://schemas.microsoft.com/office/drawing/2010/main" Requires="a14">
+        <mc:AlternateContent xmlns:mc="http://schemas.openxmlformats.org/markup-compatibility/2006" xmlns:a14="http://schemas.microsoft.com/office/drawing/2010/main">
+          <mc:Choice Requires="a14">
             <p:sp>
               <p:nvSpPr>
                 <p:cNvPr id="99" name="ZoneTexte 98">
@@ -6023,7 +6511,6 @@
                 </a:bodyPr>
                 <a:lstStyle/>
                 <a:p>
-                  <a:pPr/>
                   <a:r>
                     <a:rPr lang="fr-FR" sz="1100" b="1" dirty="0">
                       <a:solidFill>
@@ -6158,12 +6645,16 @@
                         <m:accPr>
                           <m:chr m:val="⃗"/>
                           <m:ctrlPr>
-                            <a:rPr lang="fr-FR" sz="1100" i="1" smtClean="0"/>
+                            <a:rPr lang="fr-FR" sz="1100" i="1" smtClean="0">
+                              <a:latin typeface="Cambria Math" panose="02040503050406030204" pitchFamily="18" charset="0"/>
+                            </a:rPr>
                           </m:ctrlPr>
                         </m:accPr>
                         <m:e>
                           <m:r>
-                            <a:rPr lang="fr-FR" sz="1100" b="0" i="1" smtClean="0"/>
+                            <a:rPr lang="fr-FR" sz="1100" b="0" i="1" smtClean="0">
+                              <a:latin typeface="Cambria Math" panose="02040503050406030204" pitchFamily="18" charset="0"/>
+                            </a:rPr>
                             <m:t>𝑧</m:t>
                           </m:r>
                         </m:e>
@@ -6197,63 +6688,87 @@
                       <m:sSub>
                         <m:sSubPr>
                           <m:ctrlPr>
-                            <a:rPr lang="fr-FR" sz="1100" b="0" i="1" smtClean="0"/>
+                            <a:rPr lang="fr-FR" sz="1100" b="0" i="1" smtClean="0">
+                              <a:latin typeface="Cambria Math" panose="02040503050406030204" pitchFamily="18" charset="0"/>
+                            </a:rPr>
                           </m:ctrlPr>
                         </m:sSubPr>
                         <m:e>
                           <m:r>
-                            <a:rPr lang="fr-FR" sz="1100" b="0" i="1" smtClean="0"/>
+                            <a:rPr lang="fr-FR" sz="1100" b="0" i="1" smtClean="0">
+                              <a:latin typeface="Cambria Math" panose="02040503050406030204" pitchFamily="18" charset="0"/>
+                            </a:rPr>
                             <m:t>𝐹</m:t>
                           </m:r>
                         </m:e>
                         <m:sub>
                           <m:r>
-                            <a:rPr lang="fr-FR" sz="1100" b="0" i="1" smtClean="0"/>
+                            <a:rPr lang="fr-FR" sz="1100" b="0" i="1" smtClean="0">
+                              <a:latin typeface="Cambria Math" panose="02040503050406030204" pitchFamily="18" charset="0"/>
+                            </a:rPr>
                             <m:t>𝑚</m:t>
                           </m:r>
                           <m:r>
-                            <a:rPr lang="fr-FR" sz="1100" b="0" i="1" smtClean="0"/>
+                            <a:rPr lang="fr-FR" sz="1100" b="0" i="1" smtClean="0">
+                              <a:latin typeface="Cambria Math" panose="02040503050406030204" pitchFamily="18" charset="0"/>
+                            </a:rPr>
                             <m:t>h</m:t>
                           </m:r>
                         </m:sub>
                       </m:sSub>
                       <m:r>
-                        <a:rPr lang="fr-FR" sz="1100" b="0" i="1" smtClean="0"/>
+                        <a:rPr lang="fr-FR" sz="1100" b="0" i="1" smtClean="0">
+                          <a:latin typeface="Cambria Math" panose="02040503050406030204" pitchFamily="18" charset="0"/>
+                        </a:rPr>
                         <m:t>−</m:t>
                       </m:r>
                       <m:sSub>
                         <m:sSubPr>
                           <m:ctrlPr>
-                            <a:rPr lang="fr-FR" sz="1100" b="0" i="1" smtClean="0"/>
+                            <a:rPr lang="fr-FR" sz="1100" b="0" i="1" smtClean="0">
+                              <a:latin typeface="Cambria Math" panose="02040503050406030204" pitchFamily="18" charset="0"/>
+                            </a:rPr>
                           </m:ctrlPr>
                         </m:sSubPr>
                         <m:e>
                           <m:r>
-                            <a:rPr lang="fr-FR" sz="1100" b="0" i="1" smtClean="0"/>
+                            <a:rPr lang="fr-FR" sz="1100" b="0" i="1" smtClean="0">
+                              <a:latin typeface="Cambria Math" panose="02040503050406030204" pitchFamily="18" charset="0"/>
+                            </a:rPr>
                             <m:t>𝐹</m:t>
                           </m:r>
                         </m:e>
                         <m:sub>
                           <m:r>
-                            <a:rPr lang="fr-FR" sz="1100" b="0" i="1" smtClean="0"/>
+                            <a:rPr lang="fr-FR" sz="1100" b="0" i="1" smtClean="0">
+                              <a:latin typeface="Cambria Math" panose="02040503050406030204" pitchFamily="18" charset="0"/>
+                            </a:rPr>
                             <m:t>𝑟</m:t>
                           </m:r>
                         </m:sub>
                       </m:sSub>
                       <m:r>
-                        <a:rPr lang="fr-FR" sz="1100" b="0" i="1" smtClean="0"/>
+                        <a:rPr lang="fr-FR" sz="1100" b="0" i="1" smtClean="0">
+                          <a:latin typeface="Cambria Math" panose="02040503050406030204" pitchFamily="18" charset="0"/>
+                        </a:rPr>
                         <m:t>−</m:t>
                       </m:r>
                       <m:r>
-                        <a:rPr lang="fr-FR" sz="1100" b="0" i="1" smtClean="0"/>
+                        <a:rPr lang="fr-FR" sz="1100" b="0" i="1" smtClean="0">
+                          <a:latin typeface="Cambria Math" panose="02040503050406030204" pitchFamily="18" charset="0"/>
+                        </a:rPr>
                         <m:t>𝑀𝑔</m:t>
                       </m:r>
                       <m:r>
-                        <a:rPr lang="fr-FR" sz="1100" b="0" i="1" smtClean="0"/>
+                        <a:rPr lang="fr-FR" sz="1100" b="0" i="1" smtClean="0">
+                          <a:latin typeface="Cambria Math" panose="02040503050406030204" pitchFamily="18" charset="0"/>
+                        </a:rPr>
                         <m:t>=</m:t>
                       </m:r>
                       <m:r>
-                        <a:rPr lang="fr-FR" sz="1100" b="0" i="1" smtClean="0"/>
+                        <a:rPr lang="fr-FR" sz="1100" b="0" i="1" smtClean="0">
+                          <a:latin typeface="Cambria Math" panose="02040503050406030204" pitchFamily="18" charset="0"/>
+                        </a:rPr>
                         <m:t>0</m:t>
                       </m:r>
                     </m:oMath>
@@ -6274,59 +6789,81 @@
                       <m:sSub>
                         <m:sSubPr>
                           <m:ctrlPr>
-                            <a:rPr lang="fr-FR" sz="1100" b="0" i="1" smtClean="0"/>
+                            <a:rPr lang="fr-FR" sz="1100" b="0" i="1" smtClean="0">
+                              <a:latin typeface="Cambria Math" panose="02040503050406030204" pitchFamily="18" charset="0"/>
+                            </a:rPr>
                           </m:ctrlPr>
                         </m:sSubPr>
                         <m:e>
                           <m:r>
-                            <a:rPr lang="fr-FR" sz="1100" b="0" i="1" smtClean="0"/>
+                            <a:rPr lang="fr-FR" sz="1100" b="0" i="1" smtClean="0">
+                              <a:latin typeface="Cambria Math" panose="02040503050406030204" pitchFamily="18" charset="0"/>
+                            </a:rPr>
                             <m:t>𝐹</m:t>
                           </m:r>
                         </m:e>
                         <m:sub>
                           <m:r>
-                            <a:rPr lang="fr-FR" sz="1100" b="0" i="1" smtClean="0"/>
+                            <a:rPr lang="fr-FR" sz="1100" b="0" i="1" smtClean="0">
+                              <a:latin typeface="Cambria Math" panose="02040503050406030204" pitchFamily="18" charset="0"/>
+                            </a:rPr>
                             <m:t>𝑚𝑏</m:t>
                           </m:r>
                         </m:sub>
                       </m:sSub>
                       <m:r>
-                        <a:rPr lang="fr-FR" sz="1100" b="0" i="1" smtClean="0"/>
+                        <a:rPr lang="fr-FR" sz="1100" b="0" i="1" smtClean="0">
+                          <a:latin typeface="Cambria Math" panose="02040503050406030204" pitchFamily="18" charset="0"/>
+                        </a:rPr>
                         <m:t>+</m:t>
                       </m:r>
                       <m:sSub>
                         <m:sSubPr>
                           <m:ctrlPr>
-                            <a:rPr lang="fr-FR" sz="1100" b="0" i="1" smtClean="0"/>
+                            <a:rPr lang="fr-FR" sz="1100" b="0" i="1" smtClean="0">
+                              <a:latin typeface="Cambria Math" panose="02040503050406030204" pitchFamily="18" charset="0"/>
+                            </a:rPr>
                           </m:ctrlPr>
                         </m:sSubPr>
                         <m:e>
                           <m:r>
-                            <a:rPr lang="fr-FR" sz="1100" b="0" i="1" smtClean="0"/>
+                            <a:rPr lang="fr-FR" sz="1100" b="0" i="1" smtClean="0">
+                              <a:latin typeface="Cambria Math" panose="02040503050406030204" pitchFamily="18" charset="0"/>
+                            </a:rPr>
                             <m:t>𝐹</m:t>
                           </m:r>
                         </m:e>
                         <m:sub>
                           <m:r>
-                            <a:rPr lang="fr-FR" sz="1100" b="0" i="1" smtClean="0"/>
+                            <a:rPr lang="fr-FR" sz="1100" b="0" i="1" smtClean="0">
+                              <a:latin typeface="Cambria Math" panose="02040503050406030204" pitchFamily="18" charset="0"/>
+                            </a:rPr>
                             <m:t>𝑟</m:t>
                           </m:r>
                         </m:sub>
                       </m:sSub>
                       <m:r>
-                        <a:rPr lang="fr-FR" sz="1100" b="0" i="1" smtClean="0"/>
+                        <a:rPr lang="fr-FR" sz="1100" b="0" i="1" smtClean="0">
+                          <a:latin typeface="Cambria Math" panose="02040503050406030204" pitchFamily="18" charset="0"/>
+                        </a:rPr>
                         <m:t>−</m:t>
                       </m:r>
                       <m:r>
-                        <a:rPr lang="fr-FR" sz="1100" b="0" i="1" smtClean="0"/>
+                        <a:rPr lang="fr-FR" sz="1100" b="0" i="1" smtClean="0">
+                          <a:latin typeface="Cambria Math" panose="02040503050406030204" pitchFamily="18" charset="0"/>
+                        </a:rPr>
                         <m:t>𝑀𝑔</m:t>
                       </m:r>
                       <m:r>
-                        <a:rPr lang="fr-FR" sz="1100" b="0" i="1" smtClean="0"/>
+                        <a:rPr lang="fr-FR" sz="1100" b="0" i="1" smtClean="0">
+                          <a:latin typeface="Cambria Math" panose="02040503050406030204" pitchFamily="18" charset="0"/>
+                        </a:rPr>
                         <m:t>=</m:t>
                       </m:r>
                       <m:r>
-                        <a:rPr lang="fr-FR" sz="1100" b="0" i="1" smtClean="0"/>
+                        <a:rPr lang="fr-FR" sz="1100" b="0" i="1" smtClean="0">
+                          <a:latin typeface="Cambria Math" panose="02040503050406030204" pitchFamily="18" charset="0"/>
+                        </a:rPr>
                         <m:t>0</m:t>
                       </m:r>
                     </m:oMath>
@@ -6353,122 +6890,168 @@
                       <m:sSub>
                         <m:sSubPr>
                           <m:ctrlPr>
-                            <a:rPr lang="fr-FR" sz="1100" b="0" i="1" smtClean="0"/>
+                            <a:rPr lang="fr-FR" sz="1100" b="0" i="1" smtClean="0">
+                              <a:latin typeface="Cambria Math" panose="02040503050406030204" pitchFamily="18" charset="0"/>
+                            </a:rPr>
                           </m:ctrlPr>
                         </m:sSubPr>
                         <m:e>
                           <m:r>
-                            <a:rPr lang="fr-FR" sz="1100" b="0" i="1" smtClean="0"/>
+                            <a:rPr lang="fr-FR" sz="1100" b="0" i="1" smtClean="0">
+                              <a:latin typeface="Cambria Math" panose="02040503050406030204" pitchFamily="18" charset="0"/>
+                            </a:rPr>
                             <m:t>𝐹</m:t>
                           </m:r>
                         </m:e>
                         <m:sub>
                           <m:r>
-                            <a:rPr lang="fr-FR" sz="1100" b="0" i="1" smtClean="0"/>
+                            <a:rPr lang="fr-FR" sz="1100" b="0" i="1" smtClean="0">
+                              <a:latin typeface="Cambria Math" panose="02040503050406030204" pitchFamily="18" charset="0"/>
+                            </a:rPr>
                             <m:t>𝑚</m:t>
                           </m:r>
                           <m:r>
-                            <a:rPr lang="fr-FR" sz="1100" b="0" i="1" smtClean="0"/>
+                            <a:rPr lang="fr-FR" sz="1100" b="0" i="1" smtClean="0">
+                              <a:latin typeface="Cambria Math" panose="02040503050406030204" pitchFamily="18" charset="0"/>
+                            </a:rPr>
                             <m:t>h</m:t>
                           </m:r>
                         </m:sub>
                       </m:sSub>
                       <m:r>
-                        <a:rPr lang="fr-FR" sz="1100" b="0" i="1" smtClean="0"/>
+                        <a:rPr lang="fr-FR" sz="1100" b="0" i="1" smtClean="0">
+                          <a:latin typeface="Cambria Math" panose="02040503050406030204" pitchFamily="18" charset="0"/>
+                        </a:rPr>
                         <m:t>+</m:t>
                       </m:r>
                       <m:sSub>
                         <m:sSubPr>
                           <m:ctrlPr>
-                            <a:rPr lang="fr-FR" sz="1100" b="0" i="1" smtClean="0"/>
+                            <a:rPr lang="fr-FR" sz="1100" b="0" i="1" smtClean="0">
+                              <a:latin typeface="Cambria Math" panose="02040503050406030204" pitchFamily="18" charset="0"/>
+                            </a:rPr>
                           </m:ctrlPr>
                         </m:sSubPr>
                         <m:e>
                           <m:r>
-                            <a:rPr lang="fr-FR" sz="1100" b="0" i="1" smtClean="0"/>
+                            <a:rPr lang="fr-FR" sz="1100" b="0" i="1" smtClean="0">
+                              <a:latin typeface="Cambria Math" panose="02040503050406030204" pitchFamily="18" charset="0"/>
+                            </a:rPr>
                             <m:t>𝐹</m:t>
                           </m:r>
                         </m:e>
                         <m:sub>
                           <m:r>
-                            <a:rPr lang="fr-FR" sz="1100" b="0" i="1" smtClean="0"/>
+                            <a:rPr lang="fr-FR" sz="1100" b="0" i="1" smtClean="0">
+                              <a:latin typeface="Cambria Math" panose="02040503050406030204" pitchFamily="18" charset="0"/>
+                            </a:rPr>
                             <m:t>𝑚𝑏</m:t>
                           </m:r>
                         </m:sub>
                       </m:sSub>
                       <m:r>
-                        <a:rPr lang="fr-FR" sz="1100" b="0" i="1" smtClean="0"/>
+                        <a:rPr lang="fr-FR" sz="1100" b="0" i="1" smtClean="0">
+                          <a:latin typeface="Cambria Math" panose="02040503050406030204" pitchFamily="18" charset="0"/>
+                        </a:rPr>
                         <m:t>=</m:t>
                       </m:r>
                       <m:r>
-                        <a:rPr lang="fr-FR" sz="1100" b="0" i="1" smtClean="0"/>
+                        <a:rPr lang="fr-FR" sz="1100" b="0" i="1" smtClean="0">
+                          <a:latin typeface="Cambria Math" panose="02040503050406030204" pitchFamily="18" charset="0"/>
+                        </a:rPr>
                         <m:t>2</m:t>
                       </m:r>
                       <m:r>
-                        <a:rPr lang="fr-FR" sz="1100" b="0" i="1" smtClean="0"/>
+                        <a:rPr lang="fr-FR" sz="1100" b="0" i="1" smtClean="0">
+                          <a:latin typeface="Cambria Math" panose="02040503050406030204" pitchFamily="18" charset="0"/>
+                        </a:rPr>
                         <m:t>𝑀𝑔</m:t>
                       </m:r>
                       <m:r>
-                        <a:rPr lang="fr-FR" sz="1100" b="0" i="1" smtClean="0"/>
+                        <a:rPr lang="fr-FR" sz="1100" b="0" i="1" smtClean="0">
+                          <a:latin typeface="Cambria Math" panose="02040503050406030204" pitchFamily="18" charset="0"/>
+                        </a:rPr>
                         <m:t>⇒</m:t>
                       </m:r>
                       <m:r>
-                        <a:rPr lang="fr-FR" sz="1100" b="0" i="1" smtClean="0"/>
+                        <a:rPr lang="fr-FR" sz="1100" b="0" i="1" smtClean="0">
+                          <a:latin typeface="Cambria Math" panose="02040503050406030204" pitchFamily="18" charset="0"/>
+                        </a:rPr>
                         <m:t>𝑀</m:t>
                       </m:r>
                       <m:r>
-                        <a:rPr lang="fr-FR" sz="1100" b="0" i="1" smtClean="0"/>
+                        <a:rPr lang="fr-FR" sz="1100" b="0" i="1" smtClean="0">
+                          <a:latin typeface="Cambria Math" panose="02040503050406030204" pitchFamily="18" charset="0"/>
+                        </a:rPr>
                         <m:t>=</m:t>
                       </m:r>
                       <m:f>
                         <m:fPr>
                           <m:ctrlPr>
-                            <a:rPr lang="fr-FR" sz="1100" b="0" i="1" smtClean="0"/>
+                            <a:rPr lang="fr-FR" sz="1100" b="0" i="1" smtClean="0">
+                              <a:latin typeface="Cambria Math" panose="02040503050406030204" pitchFamily="18" charset="0"/>
+                            </a:rPr>
                           </m:ctrlPr>
                         </m:fPr>
                         <m:num>
                           <m:sSub>
                             <m:sSubPr>
                               <m:ctrlPr>
-                                <a:rPr lang="fr-FR" sz="1100" i="1"/>
+                                <a:rPr lang="fr-FR" sz="1100" i="1">
+                                  <a:latin typeface="Cambria Math" panose="02040503050406030204" pitchFamily="18" charset="0"/>
+                                </a:rPr>
                               </m:ctrlPr>
                             </m:sSubPr>
                             <m:e>
                               <m:r>
-                                <a:rPr lang="fr-FR" sz="1100" i="1"/>
+                                <a:rPr lang="fr-FR" sz="1100" i="1">
+                                  <a:latin typeface="Cambria Math" panose="02040503050406030204" pitchFamily="18" charset="0"/>
+                                </a:rPr>
                                 <m:t>𝐹</m:t>
                               </m:r>
                             </m:e>
                             <m:sub>
                               <m:r>
-                                <a:rPr lang="fr-FR" sz="1100" i="1"/>
+                                <a:rPr lang="fr-FR" sz="1100" i="1">
+                                  <a:latin typeface="Cambria Math" panose="02040503050406030204" pitchFamily="18" charset="0"/>
+                                </a:rPr>
                                 <m:t>𝑚</m:t>
                               </m:r>
                               <m:r>
-                                <a:rPr lang="fr-FR" sz="1100" i="1"/>
+                                <a:rPr lang="fr-FR" sz="1100" i="1">
+                                  <a:latin typeface="Cambria Math" panose="02040503050406030204" pitchFamily="18" charset="0"/>
+                                </a:rPr>
                                 <m:t>h</m:t>
                               </m:r>
                             </m:sub>
                           </m:sSub>
                           <m:r>
-                            <a:rPr lang="fr-FR" sz="1100" i="1"/>
+                            <a:rPr lang="fr-FR" sz="1100" i="1">
+                              <a:latin typeface="Cambria Math" panose="02040503050406030204" pitchFamily="18" charset="0"/>
+                            </a:rPr>
                             <m:t>+</m:t>
                           </m:r>
                           <m:sSub>
                             <m:sSubPr>
                               <m:ctrlPr>
-                                <a:rPr lang="fr-FR" sz="1100" i="1"/>
+                                <a:rPr lang="fr-FR" sz="1100" i="1">
+                                  <a:latin typeface="Cambria Math" panose="02040503050406030204" pitchFamily="18" charset="0"/>
+                                </a:rPr>
                               </m:ctrlPr>
                             </m:sSubPr>
                             <m:e>
                               <m:r>
-                                <a:rPr lang="fr-FR" sz="1100" i="1"/>
+                                <a:rPr lang="fr-FR" sz="1100" i="1">
+                                  <a:latin typeface="Cambria Math" panose="02040503050406030204" pitchFamily="18" charset="0"/>
+                                </a:rPr>
                                 <m:t>𝐹</m:t>
                               </m:r>
                             </m:e>
                             <m:sub>
                               <m:r>
-                                <a:rPr lang="fr-FR" sz="1100" i="1"/>
+                                <a:rPr lang="fr-FR" sz="1100" i="1">
+                                  <a:latin typeface="Cambria Math" panose="02040503050406030204" pitchFamily="18" charset="0"/>
+                                </a:rPr>
                                 <m:t>𝑚𝑏</m:t>
                               </m:r>
                             </m:sub>
@@ -6476,11 +7059,15 @@
                         </m:num>
                         <m:den>
                           <m:r>
-                            <a:rPr lang="fr-FR" sz="1100" b="0" i="1" smtClean="0"/>
+                            <a:rPr lang="fr-FR" sz="1100" b="0" i="1" smtClean="0">
+                              <a:latin typeface="Cambria Math" panose="02040503050406030204" pitchFamily="18" charset="0"/>
+                            </a:rPr>
                             <m:t>2</m:t>
                           </m:r>
                           <m:r>
-                            <a:rPr lang="fr-FR" sz="1100" b="0" i="1" smtClean="0"/>
+                            <a:rPr lang="fr-FR" sz="1100" b="0" i="1" smtClean="0">
+                              <a:latin typeface="Cambria Math" panose="02040503050406030204" pitchFamily="18" charset="0"/>
+                            </a:rPr>
                             <m:t>𝑔</m:t>
                           </m:r>
                         </m:den>
@@ -6499,160 +7086,218 @@
                       <m:sSub>
                         <m:sSubPr>
                           <m:ctrlPr>
-                            <a:rPr lang="fr-FR" sz="1100" b="0" i="1" smtClean="0"/>
+                            <a:rPr lang="fr-FR" sz="1100" b="0" i="1" smtClean="0">
+                              <a:latin typeface="Cambria Math" panose="02040503050406030204" pitchFamily="18" charset="0"/>
+                            </a:rPr>
                           </m:ctrlPr>
                         </m:sSubPr>
                         <m:e>
                           <m:r>
-                            <a:rPr lang="fr-FR" sz="1100" b="0" i="1" smtClean="0"/>
+                            <a:rPr lang="fr-FR" sz="1100" b="0" i="1" smtClean="0">
+                              <a:latin typeface="Cambria Math" panose="02040503050406030204" pitchFamily="18" charset="0"/>
+                            </a:rPr>
                             <m:t>𝐹</m:t>
                           </m:r>
                         </m:e>
                         <m:sub>
                           <m:r>
-                            <a:rPr lang="fr-FR" sz="1100" b="0" i="1" smtClean="0"/>
+                            <a:rPr lang="fr-FR" sz="1100" b="0" i="1" smtClean="0">
+                              <a:latin typeface="Cambria Math" panose="02040503050406030204" pitchFamily="18" charset="0"/>
+                            </a:rPr>
                             <m:t>𝑚</m:t>
                           </m:r>
                           <m:r>
-                            <a:rPr lang="fr-FR" sz="1100" b="0" i="1" smtClean="0"/>
+                            <a:rPr lang="fr-FR" sz="1100" b="0" i="1" smtClean="0">
+                              <a:latin typeface="Cambria Math" panose="02040503050406030204" pitchFamily="18" charset="0"/>
+                            </a:rPr>
                             <m:t>h</m:t>
                           </m:r>
                         </m:sub>
                       </m:sSub>
                       <m:r>
-                        <a:rPr lang="fr-FR" sz="1100" b="0" i="1" smtClean="0"/>
+                        <a:rPr lang="fr-FR" sz="1100" b="0" i="1" smtClean="0">
+                          <a:latin typeface="Cambria Math" panose="02040503050406030204" pitchFamily="18" charset="0"/>
+                        </a:rPr>
                         <m:t>−</m:t>
                       </m:r>
                       <m:sSub>
                         <m:sSubPr>
                           <m:ctrlPr>
-                            <a:rPr lang="fr-FR" sz="1100" b="0" i="1" smtClean="0"/>
+                            <a:rPr lang="fr-FR" sz="1100" b="0" i="1" smtClean="0">
+                              <a:latin typeface="Cambria Math" panose="02040503050406030204" pitchFamily="18" charset="0"/>
+                            </a:rPr>
                           </m:ctrlPr>
                         </m:sSubPr>
                         <m:e>
                           <m:r>
-                            <a:rPr lang="fr-FR" sz="1100" b="0" i="1" smtClean="0"/>
+                            <a:rPr lang="fr-FR" sz="1100" b="0" i="1" smtClean="0">
+                              <a:latin typeface="Cambria Math" panose="02040503050406030204" pitchFamily="18" charset="0"/>
+                            </a:rPr>
                             <m:t>𝐹</m:t>
                           </m:r>
                         </m:e>
                         <m:sub>
                           <m:r>
-                            <a:rPr lang="fr-FR" sz="1100" b="0" i="1" smtClean="0"/>
+                            <a:rPr lang="fr-FR" sz="1100" b="0" i="1" smtClean="0">
+                              <a:latin typeface="Cambria Math" panose="02040503050406030204" pitchFamily="18" charset="0"/>
+                            </a:rPr>
                             <m:t>𝑚𝑏</m:t>
                           </m:r>
                         </m:sub>
                       </m:sSub>
                       <m:r>
-                        <a:rPr lang="fr-FR" sz="1100" b="0" i="1" smtClean="0"/>
+                        <a:rPr lang="fr-FR" sz="1100" b="0" i="1" smtClean="0">
+                          <a:latin typeface="Cambria Math" panose="02040503050406030204" pitchFamily="18" charset="0"/>
+                        </a:rPr>
                         <m:t>−</m:t>
                       </m:r>
                       <m:r>
-                        <a:rPr lang="fr-FR" sz="1100" b="0" i="1" smtClean="0"/>
+                        <a:rPr lang="fr-FR" sz="1100" b="0" i="1" smtClean="0">
+                          <a:latin typeface="Cambria Math" panose="02040503050406030204" pitchFamily="18" charset="0"/>
+                        </a:rPr>
                         <m:t>2</m:t>
                       </m:r>
                       <m:sSub>
                         <m:sSubPr>
                           <m:ctrlPr>
-                            <a:rPr lang="fr-FR" sz="1100" b="0" i="1" smtClean="0"/>
+                            <a:rPr lang="fr-FR" sz="1100" b="0" i="1" smtClean="0">
+                              <a:latin typeface="Cambria Math" panose="02040503050406030204" pitchFamily="18" charset="0"/>
+                            </a:rPr>
                           </m:ctrlPr>
                         </m:sSubPr>
                         <m:e>
                           <m:r>
-                            <a:rPr lang="fr-FR" sz="1100" b="0" i="1" smtClean="0"/>
+                            <a:rPr lang="fr-FR" sz="1100" b="0" i="1" smtClean="0">
+                              <a:latin typeface="Cambria Math" panose="02040503050406030204" pitchFamily="18" charset="0"/>
+                            </a:rPr>
                             <m:t>𝐹</m:t>
                           </m:r>
                         </m:e>
                         <m:sub>
                           <m:r>
-                            <a:rPr lang="fr-FR" sz="1100" b="0" i="1" smtClean="0"/>
+                            <a:rPr lang="fr-FR" sz="1100" b="0" i="1" smtClean="0">
+                              <a:latin typeface="Cambria Math" panose="02040503050406030204" pitchFamily="18" charset="0"/>
+                            </a:rPr>
                             <m:t>𝑟</m:t>
                           </m:r>
                         </m:sub>
                       </m:sSub>
                       <m:r>
-                        <a:rPr lang="fr-FR" sz="1100" b="0" i="1" smtClean="0"/>
+                        <a:rPr lang="fr-FR" sz="1100" b="0" i="1" smtClean="0">
+                          <a:latin typeface="Cambria Math" panose="02040503050406030204" pitchFamily="18" charset="0"/>
+                        </a:rPr>
                         <m:t>=</m:t>
                       </m:r>
                       <m:r>
-                        <a:rPr lang="fr-FR" sz="1100" b="0" i="1" smtClean="0"/>
+                        <a:rPr lang="fr-FR" sz="1100" b="0" i="1" smtClean="0">
+                          <a:latin typeface="Cambria Math" panose="02040503050406030204" pitchFamily="18" charset="0"/>
+                        </a:rPr>
                         <m:t>0</m:t>
                       </m:r>
                       <m:r>
-                        <a:rPr lang="fr-FR" sz="1100" b="0" i="1" smtClean="0"/>
+                        <a:rPr lang="fr-FR" sz="1100" b="0" i="1" smtClean="0">
+                          <a:latin typeface="Cambria Math" panose="02040503050406030204" pitchFamily="18" charset="0"/>
+                        </a:rPr>
                         <m:t>⇒</m:t>
                       </m:r>
                       <m:sSub>
                         <m:sSubPr>
                           <m:ctrlPr>
-                            <a:rPr lang="fr-FR" sz="1100" i="1"/>
+                            <a:rPr lang="fr-FR" sz="1100" i="1">
+                              <a:latin typeface="Cambria Math" panose="02040503050406030204" pitchFamily="18" charset="0"/>
+                            </a:rPr>
                           </m:ctrlPr>
                         </m:sSubPr>
                         <m:e>
                           <m:r>
-                            <a:rPr lang="fr-FR" sz="1100" i="1"/>
+                            <a:rPr lang="fr-FR" sz="1100" i="1">
+                              <a:latin typeface="Cambria Math" panose="02040503050406030204" pitchFamily="18" charset="0"/>
+                            </a:rPr>
                             <m:t>𝐹</m:t>
                           </m:r>
                         </m:e>
                         <m:sub>
                           <m:r>
-                            <a:rPr lang="fr-FR" sz="1100" i="1"/>
+                            <a:rPr lang="fr-FR" sz="1100" i="1">
+                              <a:latin typeface="Cambria Math" panose="02040503050406030204" pitchFamily="18" charset="0"/>
+                            </a:rPr>
                             <m:t>𝑟</m:t>
                           </m:r>
                         </m:sub>
                       </m:sSub>
                       <m:r>
-                        <a:rPr lang="fr-FR" sz="1100" b="0" i="1" smtClean="0"/>
+                        <a:rPr lang="fr-FR" sz="1100" b="0" i="1" smtClean="0">
+                          <a:latin typeface="Cambria Math" panose="02040503050406030204" pitchFamily="18" charset="0"/>
+                        </a:rPr>
                         <m:t>=</m:t>
                       </m:r>
                       <m:f>
                         <m:fPr>
                           <m:ctrlPr>
-                            <a:rPr lang="fr-FR" sz="1100" b="0" i="1" smtClean="0"/>
+                            <a:rPr lang="fr-FR" sz="1100" b="0" i="1" smtClean="0">
+                              <a:latin typeface="Cambria Math" panose="02040503050406030204" pitchFamily="18" charset="0"/>
+                            </a:rPr>
                           </m:ctrlPr>
                         </m:fPr>
                         <m:num>
                           <m:sSub>
                             <m:sSubPr>
                               <m:ctrlPr>
-                                <a:rPr lang="fr-FR" sz="1100" i="1"/>
+                                <a:rPr lang="fr-FR" sz="1100" i="1">
+                                  <a:latin typeface="Cambria Math" panose="02040503050406030204" pitchFamily="18" charset="0"/>
+                                </a:rPr>
                               </m:ctrlPr>
                             </m:sSubPr>
                             <m:e>
                               <m:r>
-                                <a:rPr lang="fr-FR" sz="1100" i="1"/>
+                                <a:rPr lang="fr-FR" sz="1100" i="1">
+                                  <a:latin typeface="Cambria Math" panose="02040503050406030204" pitchFamily="18" charset="0"/>
+                                </a:rPr>
                                 <m:t>𝐹</m:t>
                               </m:r>
                             </m:e>
                             <m:sub>
                               <m:r>
-                                <a:rPr lang="fr-FR" sz="1100" i="1"/>
+                                <a:rPr lang="fr-FR" sz="1100" i="1">
+                                  <a:latin typeface="Cambria Math" panose="02040503050406030204" pitchFamily="18" charset="0"/>
+                                </a:rPr>
                                 <m:t>𝑚</m:t>
                               </m:r>
                               <m:r>
-                                <a:rPr lang="fr-FR" sz="1100" i="1"/>
+                                <a:rPr lang="fr-FR" sz="1100" i="1">
+                                  <a:latin typeface="Cambria Math" panose="02040503050406030204" pitchFamily="18" charset="0"/>
+                                </a:rPr>
                                 <m:t>h</m:t>
                               </m:r>
                             </m:sub>
                           </m:sSub>
                           <m:r>
-                            <a:rPr lang="fr-FR" sz="1100" i="1"/>
+                            <a:rPr lang="fr-FR" sz="1100" i="1">
+                              <a:latin typeface="Cambria Math" panose="02040503050406030204" pitchFamily="18" charset="0"/>
+                            </a:rPr>
                             <m:t>−</m:t>
                           </m:r>
                           <m:sSub>
                             <m:sSubPr>
                               <m:ctrlPr>
-                                <a:rPr lang="fr-FR" sz="1100" i="1"/>
+                                <a:rPr lang="fr-FR" sz="1100" i="1">
+                                  <a:latin typeface="Cambria Math" panose="02040503050406030204" pitchFamily="18" charset="0"/>
+                                </a:rPr>
                               </m:ctrlPr>
                             </m:sSubPr>
                             <m:e>
                               <m:r>
-                                <a:rPr lang="fr-FR" sz="1100" i="1"/>
+                                <a:rPr lang="fr-FR" sz="1100" i="1">
+                                  <a:latin typeface="Cambria Math" panose="02040503050406030204" pitchFamily="18" charset="0"/>
+                                </a:rPr>
                                 <m:t>𝐹</m:t>
                               </m:r>
                             </m:e>
                             <m:sub>
                               <m:r>
-                                <a:rPr lang="fr-FR" sz="1100" i="1"/>
+                                <a:rPr lang="fr-FR" sz="1100" i="1">
+                                  <a:latin typeface="Cambria Math" panose="02040503050406030204" pitchFamily="18" charset="0"/>
+                                </a:rPr>
                                 <m:t>𝑚𝑏</m:t>
                               </m:r>
                             </m:sub>
@@ -6660,7 +7305,9 @@
                         </m:num>
                         <m:den>
                           <m:r>
-                            <a:rPr lang="fr-FR" sz="1100" b="0" i="1" smtClean="0"/>
+                            <a:rPr lang="fr-FR" sz="1100" b="0" i="1" smtClean="0">
+                              <a:latin typeface="Cambria Math" panose="02040503050406030204" pitchFamily="18" charset="0"/>
+                            </a:rPr>
                             <m:t>2</m:t>
                           </m:r>
                         </m:den>
@@ -6672,7 +7319,7 @@
               </p:txBody>
             </p:sp>
           </mc:Choice>
-          <mc:Fallback>
+          <mc:Fallback xmlns="">
             <p:sp>
               <p:nvSpPr>
                 <p:cNvPr id="99" name="ZoneTexte 98">
@@ -6696,7 +7343,7 @@
                   <a:avLst/>
                 </a:prstGeom>
                 <a:blipFill>
-                  <a:blip r:embed="rId8"/>
+                  <a:blip r:embed="rId9"/>
                   <a:stretch>
                     <a:fillRect l="-1622" t="-552"/>
                   </a:stretch>
@@ -6731,8 +7378,8 @@
           </p:nvSpPr>
           <p:spPr>
             <a:xfrm rot="16200000">
-              <a:off x="-1442448" y="7370841"/>
-              <a:ext cx="3308919" cy="270237"/>
+              <a:off x="-1717917" y="7479002"/>
+              <a:ext cx="3859860" cy="270237"/>
             </a:xfrm>
             <a:prstGeom prst="rect">
               <a:avLst/>
@@ -6790,7 +7437,7 @@
               </p:nvSpPr>
               <p:spPr>
                 <a:xfrm>
-                  <a:off x="3572930" y="6023259"/>
+                  <a:off x="3572930" y="6032884"/>
                   <a:ext cx="2821556" cy="3042115"/>
                 </a:xfrm>
                 <a:prstGeom prst="rect">
@@ -6823,6 +7470,7 @@
                           <a:solidFill>
                             <a:schemeClr val="tx1"/>
                           </a:solidFill>
+                          <a:latin typeface="Cambria Math" panose="02040503050406030204" pitchFamily="18" charset="0"/>
                         </a:rPr>
                         <m:t>𝐹</m:t>
                       </m:r>
@@ -6831,6 +7479,7 @@
                           <a:solidFill>
                             <a:schemeClr val="tx1"/>
                           </a:solidFill>
+                          <a:latin typeface="Cambria Math" panose="02040503050406030204" pitchFamily="18" charset="0"/>
                         </a:rPr>
                         <m:t>=</m:t>
                       </m:r>
@@ -6841,6 +7490,7 @@
                               <a:solidFill>
                                 <a:schemeClr val="tx1"/>
                               </a:solidFill>
+                              <a:latin typeface="Cambria Math" panose="02040503050406030204" pitchFamily="18" charset="0"/>
                             </a:rPr>
                           </m:ctrlPr>
                         </m:fPr>
@@ -6852,6 +7502,7 @@
                                   <a:solidFill>
                                     <a:schemeClr val="tx1"/>
                                   </a:solidFill>
+                                  <a:latin typeface="Cambria Math" panose="02040503050406030204" pitchFamily="18" charset="0"/>
                                 </a:rPr>
                               </m:ctrlPr>
                             </m:sSubPr>
@@ -6861,6 +7512,7 @@
                                   <a:solidFill>
                                     <a:schemeClr val="tx1"/>
                                   </a:solidFill>
+                                  <a:latin typeface="Cambria Math" panose="02040503050406030204" pitchFamily="18" charset="0"/>
                                 </a:rPr>
                                 <m:t>𝐶</m:t>
                               </m:r>
@@ -6871,6 +7523,7 @@
                                   <a:solidFill>
                                     <a:schemeClr val="tx1"/>
                                   </a:solidFill>
+                                  <a:latin typeface="Cambria Math" panose="02040503050406030204" pitchFamily="18" charset="0"/>
                                 </a:rPr>
                                 <m:t>𝑚</m:t>
                               </m:r>
@@ -6883,6 +7536,7 @@
                               <a:solidFill>
                                 <a:schemeClr val="tx1"/>
                               </a:solidFill>
+                              <a:latin typeface="Cambria Math" panose="02040503050406030204" pitchFamily="18" charset="0"/>
                             </a:rPr>
                             <m:t>𝑘𝑅</m:t>
                           </m:r>
@@ -6907,6 +7561,7 @@
                               <a:solidFill>
                                 <a:schemeClr val="tx1"/>
                               </a:solidFill>
+                              <a:latin typeface="Cambria Math" panose="02040503050406030204" pitchFamily="18" charset="0"/>
                             </a:rPr>
                           </m:ctrlPr>
                         </m:sSubPr>
@@ -6916,6 +7571,7 @@
                               <a:solidFill>
                                 <a:schemeClr val="tx1"/>
                               </a:solidFill>
+                              <a:latin typeface="Cambria Math" panose="02040503050406030204" pitchFamily="18" charset="0"/>
                             </a:rPr>
                             <m:t>𝐶</m:t>
                           </m:r>
@@ -6926,6 +7582,7 @@
                               <a:solidFill>
                                 <a:schemeClr val="tx1"/>
                               </a:solidFill>
+                              <a:latin typeface="Cambria Math" panose="02040503050406030204" pitchFamily="18" charset="0"/>
                             </a:rPr>
                             <m:t>𝑚</m:t>
                           </m:r>
@@ -6936,6 +7593,7 @@
                           <a:solidFill>
                             <a:schemeClr val="tx1"/>
                           </a:solidFill>
+                          <a:latin typeface="Cambria Math" panose="02040503050406030204" pitchFamily="18" charset="0"/>
                         </a:rPr>
                         <m:t>=</m:t>
                       </m:r>
@@ -6944,6 +7602,7 @@
                           <a:solidFill>
                             <a:schemeClr val="tx1"/>
                           </a:solidFill>
+                          <a:latin typeface="Cambria Math" panose="02040503050406030204" pitchFamily="18" charset="0"/>
                         </a:rPr>
                         <m:t>𝑘𝑖</m:t>
                       </m:r>
@@ -6964,6 +7623,7 @@
                           <a:solidFill>
                             <a:schemeClr val="tx1"/>
                           </a:solidFill>
+                          <a:latin typeface="Cambria Math" panose="02040503050406030204" pitchFamily="18" charset="0"/>
                         </a:rPr>
                         <m:t>𝑘</m:t>
                       </m:r>
@@ -7034,6 +7694,7 @@
                               <a:solidFill>
                                 <a:schemeClr val="tx1"/>
                               </a:solidFill>
+                              <a:latin typeface="Cambria Math" panose="02040503050406030204" pitchFamily="18" charset="0"/>
                             </a:rPr>
                           </m:ctrlPr>
                         </m:sSubPr>
@@ -7043,6 +7704,7 @@
                               <a:solidFill>
                                 <a:schemeClr val="tx1"/>
                               </a:solidFill>
+                              <a:latin typeface="Cambria Math" panose="02040503050406030204" pitchFamily="18" charset="0"/>
                             </a:rPr>
                             <m:t>𝑖</m:t>
                           </m:r>
@@ -7053,6 +7715,7 @@
                               <a:solidFill>
                                 <a:schemeClr val="tx1"/>
                               </a:solidFill>
+                              <a:latin typeface="Cambria Math" panose="02040503050406030204" pitchFamily="18" charset="0"/>
                             </a:rPr>
                             <m:t>𝑏</m:t>
                           </m:r>
@@ -7063,6 +7726,7 @@
                           <a:solidFill>
                             <a:schemeClr val="tx1"/>
                           </a:solidFill>
+                          <a:latin typeface="Cambria Math" panose="02040503050406030204" pitchFamily="18" charset="0"/>
                         </a:rPr>
                         <m:t>=</m:t>
                       </m:r>
@@ -7071,6 +7735,7 @@
                           <a:solidFill>
                             <a:schemeClr val="tx1"/>
                           </a:solidFill>
+                          <a:latin typeface="Cambria Math" panose="02040503050406030204" pitchFamily="18" charset="0"/>
                         </a:rPr>
                         <m:t>1</m:t>
                       </m:r>
@@ -7079,6 +7744,7 @@
                           <a:solidFill>
                             <a:schemeClr val="tx1"/>
                           </a:solidFill>
+                          <a:latin typeface="Cambria Math" panose="02040503050406030204" pitchFamily="18" charset="0"/>
                         </a:rPr>
                         <m:t>,</m:t>
                       </m:r>
@@ -7087,6 +7753,7 @@
                           <a:solidFill>
                             <a:schemeClr val="tx1"/>
                           </a:solidFill>
+                          <a:latin typeface="Cambria Math" panose="02040503050406030204" pitchFamily="18" charset="0"/>
                         </a:rPr>
                         <m:t>1</m:t>
                       </m:r>
@@ -7095,6 +7762,7 @@
                           <a:solidFill>
                             <a:schemeClr val="tx1"/>
                           </a:solidFill>
+                          <a:latin typeface="Cambria Math" panose="02040503050406030204" pitchFamily="18" charset="0"/>
                         </a:rPr>
                         <m:t> </m:t>
                       </m:r>
@@ -7106,6 +7774,7 @@
                           <a:solidFill>
                             <a:schemeClr val="tx1"/>
                           </a:solidFill>
+                          <a:latin typeface="Cambria Math" panose="02040503050406030204" pitchFamily="18" charset="0"/>
                         </a:rPr>
                         <m:t>A</m:t>
                       </m:r>
@@ -7131,6 +7800,7 @@
                               <a:solidFill>
                                 <a:schemeClr val="tx1"/>
                               </a:solidFill>
+                              <a:latin typeface="Cambria Math" panose="02040503050406030204" pitchFamily="18" charset="0"/>
                             </a:rPr>
                           </m:ctrlPr>
                         </m:sSubPr>
@@ -7140,6 +7810,7 @@
                               <a:solidFill>
                                 <a:schemeClr val="tx1"/>
                               </a:solidFill>
+                              <a:latin typeface="Cambria Math" panose="02040503050406030204" pitchFamily="18" charset="0"/>
                             </a:rPr>
                             <m:t>𝐶</m:t>
                           </m:r>
@@ -7150,6 +7821,7 @@
                               <a:solidFill>
                                 <a:schemeClr val="tx1"/>
                               </a:solidFill>
+                              <a:latin typeface="Cambria Math" panose="02040503050406030204" pitchFamily="18" charset="0"/>
                             </a:rPr>
                             <m:t>𝑚𝑏</m:t>
                           </m:r>
@@ -7160,6 +7832,7 @@
                           <a:solidFill>
                             <a:schemeClr val="tx1"/>
                           </a:solidFill>
+                          <a:latin typeface="Cambria Math" panose="02040503050406030204" pitchFamily="18" charset="0"/>
                         </a:rPr>
                         <m:t>=</m:t>
                       </m:r>
@@ -7168,6 +7841,7 @@
                           <a:solidFill>
                             <a:schemeClr val="tx1"/>
                           </a:solidFill>
+                          <a:latin typeface="Cambria Math" panose="02040503050406030204" pitchFamily="18" charset="0"/>
                         </a:rPr>
                         <m:t>0</m:t>
                       </m:r>
@@ -7176,6 +7850,7 @@
                           <a:solidFill>
                             <a:schemeClr val="tx1"/>
                           </a:solidFill>
+                          <a:latin typeface="Cambria Math" panose="02040503050406030204" pitchFamily="18" charset="0"/>
                         </a:rPr>
                         <m:t>,</m:t>
                       </m:r>
@@ -7184,6 +7859,7 @@
                           <a:solidFill>
                             <a:schemeClr val="tx1"/>
                           </a:solidFill>
+                          <a:latin typeface="Cambria Math" panose="02040503050406030204" pitchFamily="18" charset="0"/>
                         </a:rPr>
                         <m:t>0331</m:t>
                       </m:r>
@@ -7192,6 +7868,7 @@
                           <a:solidFill>
                             <a:schemeClr val="tx1"/>
                           </a:solidFill>
+                          <a:latin typeface="Cambria Math" panose="02040503050406030204" pitchFamily="18" charset="0"/>
                         </a:rPr>
                         <m:t> </m:t>
                       </m:r>
@@ -7203,6 +7880,7 @@
                           <a:solidFill>
                             <a:schemeClr val="tx1"/>
                           </a:solidFill>
+                          <a:latin typeface="Cambria Math" panose="02040503050406030204" pitchFamily="18" charset="0"/>
                         </a:rPr>
                         <m:t>Nm</m:t>
                       </m:r>
@@ -7228,6 +7906,7 @@
                               <a:solidFill>
                                 <a:schemeClr val="tx1"/>
                               </a:solidFill>
+                              <a:latin typeface="Cambria Math" panose="02040503050406030204" pitchFamily="18" charset="0"/>
                             </a:rPr>
                           </m:ctrlPr>
                         </m:sSubPr>
@@ -7237,6 +7916,7 @@
                               <a:solidFill>
                                 <a:schemeClr val="tx1"/>
                               </a:solidFill>
+                              <a:latin typeface="Cambria Math" panose="02040503050406030204" pitchFamily="18" charset="0"/>
                             </a:rPr>
                             <m:t>𝐹</m:t>
                           </m:r>
@@ -7247,6 +7927,7 @@
                               <a:solidFill>
                                 <a:schemeClr val="tx1"/>
                               </a:solidFill>
+                              <a:latin typeface="Cambria Math" panose="02040503050406030204" pitchFamily="18" charset="0"/>
                             </a:rPr>
                             <m:t>𝑚𝑏</m:t>
                           </m:r>
@@ -7257,6 +7938,7 @@
                           <a:solidFill>
                             <a:schemeClr val="tx1"/>
                           </a:solidFill>
+                          <a:latin typeface="Cambria Math" panose="02040503050406030204" pitchFamily="18" charset="0"/>
                         </a:rPr>
                         <m:t>=</m:t>
                       </m:r>
@@ -7265,6 +7947,7 @@
                           <a:solidFill>
                             <a:schemeClr val="tx1"/>
                           </a:solidFill>
+                          <a:latin typeface="Cambria Math" panose="02040503050406030204" pitchFamily="18" charset="0"/>
                         </a:rPr>
                         <m:t>31</m:t>
                       </m:r>
@@ -7273,6 +7956,7 @@
                           <a:solidFill>
                             <a:schemeClr val="tx1"/>
                           </a:solidFill>
+                          <a:latin typeface="Cambria Math" panose="02040503050406030204" pitchFamily="18" charset="0"/>
                         </a:rPr>
                         <m:t>,</m:t>
                       </m:r>
@@ -7281,6 +7965,7 @@
                           <a:solidFill>
                             <a:schemeClr val="tx1"/>
                           </a:solidFill>
+                          <a:latin typeface="Cambria Math" panose="02040503050406030204" pitchFamily="18" charset="0"/>
                         </a:rPr>
                         <m:t>79</m:t>
                       </m:r>
@@ -7289,6 +7974,7 @@
                           <a:solidFill>
                             <a:schemeClr val="tx1"/>
                           </a:solidFill>
+                          <a:latin typeface="Cambria Math" panose="02040503050406030204" pitchFamily="18" charset="0"/>
                         </a:rPr>
                         <m:t> </m:t>
                       </m:r>
@@ -7300,6 +7986,7 @@
                           <a:solidFill>
                             <a:schemeClr val="tx1"/>
                           </a:solidFill>
+                          <a:latin typeface="Cambria Math" panose="02040503050406030204" pitchFamily="18" charset="0"/>
                         </a:rPr>
                         <m:t>N</m:t>
                       </m:r>
@@ -7339,6 +8026,7 @@
                               <a:solidFill>
                                 <a:schemeClr val="tx1"/>
                               </a:solidFill>
+                              <a:latin typeface="Cambria Math" panose="02040503050406030204" pitchFamily="18" charset="0"/>
                             </a:rPr>
                           </m:ctrlPr>
                         </m:sSubPr>
@@ -7348,6 +8036,7 @@
                               <a:solidFill>
                                 <a:schemeClr val="tx1"/>
                               </a:solidFill>
+                              <a:latin typeface="Cambria Math" panose="02040503050406030204" pitchFamily="18" charset="0"/>
                             </a:rPr>
                             <m:t>𝑖</m:t>
                           </m:r>
@@ -7358,6 +8047,7 @@
                               <a:solidFill>
                                 <a:schemeClr val="tx1"/>
                               </a:solidFill>
+                              <a:latin typeface="Cambria Math" panose="02040503050406030204" pitchFamily="18" charset="0"/>
                             </a:rPr>
                             <m:t>h</m:t>
                           </m:r>
@@ -7368,6 +8058,7 @@
                           <a:solidFill>
                             <a:schemeClr val="tx1"/>
                           </a:solidFill>
+                          <a:latin typeface="Cambria Math" panose="02040503050406030204" pitchFamily="18" charset="0"/>
                         </a:rPr>
                         <m:t>=</m:t>
                       </m:r>
@@ -7376,6 +8067,7 @@
                           <a:solidFill>
                             <a:schemeClr val="tx1"/>
                           </a:solidFill>
+                          <a:latin typeface="Cambria Math" panose="02040503050406030204" pitchFamily="18" charset="0"/>
                         </a:rPr>
                         <m:t>2</m:t>
                       </m:r>
@@ -7384,6 +8076,7 @@
                           <a:solidFill>
                             <a:schemeClr val="tx1"/>
                           </a:solidFill>
+                          <a:latin typeface="Cambria Math" panose="02040503050406030204" pitchFamily="18" charset="0"/>
                         </a:rPr>
                         <m:t>,</m:t>
                       </m:r>
@@ -7392,6 +8085,7 @@
                           <a:solidFill>
                             <a:schemeClr val="tx1"/>
                           </a:solidFill>
+                          <a:latin typeface="Cambria Math" panose="02040503050406030204" pitchFamily="18" charset="0"/>
                         </a:rPr>
                         <m:t>7</m:t>
                       </m:r>
@@ -7400,6 +8094,7 @@
                           <a:solidFill>
                             <a:schemeClr val="tx1"/>
                           </a:solidFill>
+                          <a:latin typeface="Cambria Math" panose="02040503050406030204" pitchFamily="18" charset="0"/>
                         </a:rPr>
                         <m:t> </m:t>
                       </m:r>
@@ -7411,6 +8106,7 @@
                           <a:solidFill>
                             <a:schemeClr val="tx1"/>
                           </a:solidFill>
+                          <a:latin typeface="Cambria Math" panose="02040503050406030204" pitchFamily="18" charset="0"/>
                         </a:rPr>
                         <m:t>A</m:t>
                       </m:r>
@@ -7436,6 +8132,7 @@
                               <a:solidFill>
                                 <a:schemeClr val="tx1"/>
                               </a:solidFill>
+                              <a:latin typeface="Cambria Math" panose="02040503050406030204" pitchFamily="18" charset="0"/>
                             </a:rPr>
                           </m:ctrlPr>
                         </m:sSubPr>
@@ -7445,6 +8142,7 @@
                               <a:solidFill>
                                 <a:schemeClr val="tx1"/>
                               </a:solidFill>
+                              <a:latin typeface="Cambria Math" panose="02040503050406030204" pitchFamily="18" charset="0"/>
                             </a:rPr>
                             <m:t>𝐶</m:t>
                           </m:r>
@@ -7455,6 +8153,7 @@
                               <a:solidFill>
                                 <a:schemeClr val="tx1"/>
                               </a:solidFill>
+                              <a:latin typeface="Cambria Math" panose="02040503050406030204" pitchFamily="18" charset="0"/>
                             </a:rPr>
                             <m:t>𝑚</m:t>
                           </m:r>
@@ -7463,6 +8162,7 @@
                               <a:solidFill>
                                 <a:schemeClr val="tx1"/>
                               </a:solidFill>
+                              <a:latin typeface="Cambria Math" panose="02040503050406030204" pitchFamily="18" charset="0"/>
                             </a:rPr>
                             <m:t>h</m:t>
                           </m:r>
@@ -7473,6 +8173,7 @@
                           <a:solidFill>
                             <a:schemeClr val="tx1"/>
                           </a:solidFill>
+                          <a:latin typeface="Cambria Math" panose="02040503050406030204" pitchFamily="18" charset="0"/>
                         </a:rPr>
                         <m:t>=</m:t>
                       </m:r>
@@ -7481,6 +8182,7 @@
                           <a:solidFill>
                             <a:schemeClr val="tx1"/>
                           </a:solidFill>
+                          <a:latin typeface="Cambria Math" panose="02040503050406030204" pitchFamily="18" charset="0"/>
                         </a:rPr>
                         <m:t>0</m:t>
                       </m:r>
@@ -7489,6 +8191,7 @@
                           <a:solidFill>
                             <a:schemeClr val="tx1"/>
                           </a:solidFill>
+                          <a:latin typeface="Cambria Math" panose="02040503050406030204" pitchFamily="18" charset="0"/>
                         </a:rPr>
                         <m:t>,</m:t>
                       </m:r>
@@ -7497,6 +8200,7 @@
                           <a:solidFill>
                             <a:schemeClr val="tx1"/>
                           </a:solidFill>
+                          <a:latin typeface="Cambria Math" panose="02040503050406030204" pitchFamily="18" charset="0"/>
                         </a:rPr>
                         <m:t>0813</m:t>
                       </m:r>
@@ -7505,6 +8209,7 @@
                           <a:solidFill>
                             <a:schemeClr val="tx1"/>
                           </a:solidFill>
+                          <a:latin typeface="Cambria Math" panose="02040503050406030204" pitchFamily="18" charset="0"/>
                         </a:rPr>
                         <m:t> </m:t>
                       </m:r>
@@ -7516,6 +8221,7 @@
                           <a:solidFill>
                             <a:schemeClr val="tx1"/>
                           </a:solidFill>
+                          <a:latin typeface="Cambria Math" panose="02040503050406030204" pitchFamily="18" charset="0"/>
                         </a:rPr>
                         <m:t>Nm</m:t>
                       </m:r>
@@ -7541,6 +8247,7 @@
                               <a:solidFill>
                                 <a:schemeClr val="tx1"/>
                               </a:solidFill>
+                              <a:latin typeface="Cambria Math" panose="02040503050406030204" pitchFamily="18" charset="0"/>
                             </a:rPr>
                           </m:ctrlPr>
                         </m:sSubPr>
@@ -7550,6 +8257,7 @@
                               <a:solidFill>
                                 <a:schemeClr val="tx1"/>
                               </a:solidFill>
+                              <a:latin typeface="Cambria Math" panose="02040503050406030204" pitchFamily="18" charset="0"/>
                             </a:rPr>
                             <m:t>𝐹</m:t>
                           </m:r>
@@ -7560,6 +8268,7 @@
                               <a:solidFill>
                                 <a:schemeClr val="tx1"/>
                               </a:solidFill>
+                              <a:latin typeface="Cambria Math" panose="02040503050406030204" pitchFamily="18" charset="0"/>
                             </a:rPr>
                             <m:t>𝑚</m:t>
                           </m:r>
@@ -7568,6 +8277,7 @@
                               <a:solidFill>
                                 <a:schemeClr val="tx1"/>
                               </a:solidFill>
+                              <a:latin typeface="Cambria Math" panose="02040503050406030204" pitchFamily="18" charset="0"/>
                             </a:rPr>
                             <m:t>h</m:t>
                           </m:r>
@@ -7578,6 +8288,7 @@
                           <a:solidFill>
                             <a:schemeClr val="tx1"/>
                           </a:solidFill>
+                          <a:latin typeface="Cambria Math" panose="02040503050406030204" pitchFamily="18" charset="0"/>
                         </a:rPr>
                         <m:t>=</m:t>
                       </m:r>
@@ -7586,6 +8297,7 @@
                           <a:solidFill>
                             <a:schemeClr val="tx1"/>
                           </a:solidFill>
+                          <a:latin typeface="Cambria Math" panose="02040503050406030204" pitchFamily="18" charset="0"/>
                         </a:rPr>
                         <m:t>78</m:t>
                       </m:r>
@@ -7594,6 +8306,7 @@
                           <a:solidFill>
                             <a:schemeClr val="tx1"/>
                           </a:solidFill>
+                          <a:latin typeface="Cambria Math" panose="02040503050406030204" pitchFamily="18" charset="0"/>
                         </a:rPr>
                         <m:t> </m:t>
                       </m:r>
@@ -7605,6 +8318,7 @@
                           <a:solidFill>
                             <a:schemeClr val="tx1"/>
                           </a:solidFill>
+                          <a:latin typeface="Cambria Math" panose="02040503050406030204" pitchFamily="18" charset="0"/>
                         </a:rPr>
                         <m:t>N</m:t>
                       </m:r>
@@ -7643,69 +8357,73 @@
                   <a14:m>
                     <m:oMath xmlns:m="http://schemas.openxmlformats.org/officeDocument/2006/math">
                       <m:r>
-                        <a:rPr lang="fr-FR" sz="1100" b="0" i="1" smtClean="0">
+                        <a:rPr lang="fr-FR" sz="1100" b="1" i="1" smtClean="0">
                           <a:solidFill>
-                            <a:schemeClr val="tx1"/>
+                            <a:srgbClr val="C00000"/>
                           </a:solidFill>
+                          <a:latin typeface="Cambria Math" panose="02040503050406030204" pitchFamily="18" charset="0"/>
                         </a:rPr>
-                        <m:t>𝑀</m:t>
+                        <m:t>𝑴</m:t>
                       </m:r>
                       <m:r>
-                        <a:rPr lang="fr-FR" sz="1100" b="0" i="1" smtClean="0">
+                        <a:rPr lang="fr-FR" sz="1100" b="1" i="1" smtClean="0">
                           <a:solidFill>
-                            <a:schemeClr val="tx1"/>
+                            <a:srgbClr val="C00000"/>
                           </a:solidFill>
+                          <a:latin typeface="Cambria Math" panose="02040503050406030204" pitchFamily="18" charset="0"/>
                         </a:rPr>
                         <m:t>=</m:t>
                       </m:r>
                       <m:r>
-                        <a:rPr lang="fr-FR" sz="1100" b="0" i="1" smtClean="0">
+                        <a:rPr lang="fr-FR" sz="1100" b="1" i="1" smtClean="0">
                           <a:solidFill>
-                            <a:schemeClr val="tx1"/>
+                            <a:srgbClr val="C00000"/>
                           </a:solidFill>
+                          <a:latin typeface="Cambria Math" panose="02040503050406030204" pitchFamily="18" charset="0"/>
                         </a:rPr>
-                        <m:t>5</m:t>
+                        <m:t>𝟓</m:t>
                       </m:r>
                       <m:r>
-                        <a:rPr lang="fr-FR" sz="1100" b="0" i="1" smtClean="0">
+                        <a:rPr lang="fr-FR" sz="1100" b="1" i="1" smtClean="0">
                           <a:solidFill>
-                            <a:schemeClr val="tx1"/>
+                            <a:srgbClr val="C00000"/>
                           </a:solidFill>
+                          <a:latin typeface="Cambria Math" panose="02040503050406030204" pitchFamily="18" charset="0"/>
                         </a:rPr>
                         <m:t>,</m:t>
                       </m:r>
                       <m:r>
-                        <a:rPr lang="fr-FR" sz="1100" b="0" i="1" smtClean="0">
+                        <a:rPr lang="fr-FR" sz="1100" b="1" i="1" smtClean="0">
                           <a:solidFill>
-                            <a:schemeClr val="tx1"/>
+                            <a:srgbClr val="C00000"/>
                           </a:solidFill>
+                          <a:latin typeface="Cambria Math" panose="02040503050406030204" pitchFamily="18" charset="0"/>
                         </a:rPr>
-                        <m:t>59</m:t>
+                        <m:t>𝟓𝟗</m:t>
                       </m:r>
                       <m:r>
-                        <a:rPr lang="fr-FR" sz="1100" b="0" i="1" smtClean="0">
+                        <a:rPr lang="fr-FR" sz="1100" b="1" i="1" smtClean="0">
                           <a:solidFill>
-                            <a:schemeClr val="tx1"/>
+                            <a:srgbClr val="C00000"/>
                           </a:solidFill>
+                          <a:latin typeface="Cambria Math" panose="02040503050406030204" pitchFamily="18" charset="0"/>
                         </a:rPr>
                         <m:t> </m:t>
                       </m:r>
                       <m:r>
-                        <m:rPr>
-                          <m:sty m:val="p"/>
-                        </m:rPr>
-                        <a:rPr lang="fr-FR" sz="1100" b="0" i="0" smtClean="0">
+                        <a:rPr lang="fr-FR" sz="1100" b="1" i="0" smtClean="0">
                           <a:solidFill>
-                            <a:schemeClr val="tx1"/>
+                            <a:srgbClr val="C00000"/>
                           </a:solidFill>
+                          <a:latin typeface="Cambria Math" panose="02040503050406030204" pitchFamily="18" charset="0"/>
                         </a:rPr>
-                        <m:t>kg</m:t>
+                        <m:t>𝐤𝐠</m:t>
                       </m:r>
                     </m:oMath>
                   </a14:m>
-                  <a:endParaRPr lang="fr-FR" sz="1100" b="0" i="0" dirty="0">
+                  <a:endParaRPr lang="fr-FR" sz="1100" b="1" i="0" dirty="0">
                     <a:solidFill>
-                      <a:schemeClr val="tx1"/>
+                      <a:srgbClr val="C00000"/>
                     </a:solidFill>
                   </a:endParaRPr>
                 </a:p>
@@ -7719,91 +8437,97 @@
                       <m:sSub>
                         <m:sSubPr>
                           <m:ctrlPr>
-                            <a:rPr lang="fr-FR" sz="1100" b="0" i="1" smtClean="0">
+                            <a:rPr lang="fr-FR" sz="1100" b="1" i="1" smtClean="0">
                               <a:solidFill>
-                                <a:schemeClr val="tx1"/>
+                                <a:srgbClr val="C00000"/>
                               </a:solidFill>
+                              <a:latin typeface="Cambria Math" panose="02040503050406030204" pitchFamily="18" charset="0"/>
                             </a:rPr>
                           </m:ctrlPr>
                         </m:sSubPr>
                         <m:e>
                           <m:r>
-                            <a:rPr lang="fr-FR" sz="1100" b="0" i="1" smtClean="0">
+                            <a:rPr lang="fr-FR" sz="1100" b="1" i="1" smtClean="0">
                               <a:solidFill>
-                                <a:schemeClr val="tx1"/>
+                                <a:srgbClr val="C00000"/>
                               </a:solidFill>
+                              <a:latin typeface="Cambria Math" panose="02040503050406030204" pitchFamily="18" charset="0"/>
                             </a:rPr>
-                            <m:t>𝐹</m:t>
+                            <m:t>𝑭</m:t>
                           </m:r>
                         </m:e>
                         <m:sub>
                           <m:r>
-                            <a:rPr lang="fr-FR" sz="1100" b="0" i="1" smtClean="0">
+                            <a:rPr lang="fr-FR" sz="1100" b="1" i="1" smtClean="0">
                               <a:solidFill>
-                                <a:schemeClr val="tx1"/>
+                                <a:srgbClr val="C00000"/>
                               </a:solidFill>
+                              <a:latin typeface="Cambria Math" panose="02040503050406030204" pitchFamily="18" charset="0"/>
                             </a:rPr>
-                            <m:t>𝑟</m:t>
+                            <m:t>𝒓</m:t>
                           </m:r>
                         </m:sub>
                       </m:sSub>
                       <m:r>
-                        <a:rPr lang="fr-FR" sz="1100" b="0" i="1" smtClean="0">
+                        <a:rPr lang="fr-FR" sz="1100" b="1" i="1" smtClean="0">
                           <a:solidFill>
-                            <a:schemeClr val="tx1"/>
+                            <a:srgbClr val="C00000"/>
                           </a:solidFill>
+                          <a:latin typeface="Cambria Math" panose="02040503050406030204" pitchFamily="18" charset="0"/>
                         </a:rPr>
                         <m:t>=</m:t>
                       </m:r>
                       <m:r>
-                        <a:rPr lang="fr-FR" sz="1100" b="0" i="1" smtClean="0">
+                        <a:rPr lang="fr-FR" sz="1100" b="1" i="1" smtClean="0">
                           <a:solidFill>
-                            <a:schemeClr val="tx1"/>
+                            <a:srgbClr val="C00000"/>
                           </a:solidFill>
+                          <a:latin typeface="Cambria Math" panose="02040503050406030204" pitchFamily="18" charset="0"/>
                         </a:rPr>
-                        <m:t>20</m:t>
+                        <m:t>𝟐𝟎</m:t>
                       </m:r>
                       <m:r>
-                        <a:rPr lang="fr-FR" sz="1100" b="0" i="1" smtClean="0">
+                        <a:rPr lang="fr-FR" sz="1100" b="1" i="1" smtClean="0">
                           <a:solidFill>
-                            <a:schemeClr val="tx1"/>
+                            <a:srgbClr val="C00000"/>
                           </a:solidFill>
+                          <a:latin typeface="Cambria Math" panose="02040503050406030204" pitchFamily="18" charset="0"/>
                         </a:rPr>
                         <m:t> à </m:t>
                       </m:r>
                       <m:r>
-                        <a:rPr lang="fr-FR" sz="1100" b="0" i="1" smtClean="0">
+                        <a:rPr lang="fr-FR" sz="1100" b="1" i="1" smtClean="0">
                           <a:solidFill>
-                            <a:schemeClr val="tx1"/>
+                            <a:srgbClr val="C00000"/>
                           </a:solidFill>
+                          <a:latin typeface="Cambria Math" panose="02040503050406030204" pitchFamily="18" charset="0"/>
                         </a:rPr>
-                        <m:t>23</m:t>
+                        <m:t>𝟐𝟑</m:t>
                       </m:r>
                       <m:r>
-                        <a:rPr lang="fr-FR" sz="1100" b="0" i="1" smtClean="0">
+                        <a:rPr lang="fr-FR" sz="1100" b="1" i="1" smtClean="0">
                           <a:solidFill>
-                            <a:schemeClr val="tx1"/>
+                            <a:srgbClr val="C00000"/>
                           </a:solidFill>
+                          <a:latin typeface="Cambria Math" panose="02040503050406030204" pitchFamily="18" charset="0"/>
                         </a:rPr>
                         <m:t> </m:t>
                       </m:r>
                       <m:r>
-                        <m:rPr>
-                          <m:sty m:val="p"/>
-                        </m:rPr>
-                        <a:rPr lang="fr-FR" sz="1100" b="0" i="0" smtClean="0">
+                        <a:rPr lang="fr-FR" sz="1100" b="1" i="0" smtClean="0">
                           <a:solidFill>
-                            <a:schemeClr val="tx1"/>
+                            <a:srgbClr val="C00000"/>
                           </a:solidFill>
+                          <a:latin typeface="Cambria Math" panose="02040503050406030204" pitchFamily="18" charset="0"/>
                         </a:rPr>
-                        <m:t>N</m:t>
+                        <m:t>𝐍</m:t>
                       </m:r>
                     </m:oMath>
                   </a14:m>
                   <a:r>
-                    <a:rPr lang="fr-FR" sz="1100" dirty="0">
+                    <a:rPr lang="fr-FR" sz="1100" b="1" dirty="0">
                       <a:solidFill>
-                        <a:schemeClr val="tx1"/>
+                        <a:srgbClr val="C00000"/>
                       </a:solidFill>
                     </a:rPr>
                     <a:t> et </a:t>
@@ -7813,90 +8537,96 @@
                       <m:sSub>
                         <m:sSubPr>
                           <m:ctrlPr>
-                            <a:rPr lang="fr-FR" sz="1100" b="0" i="1" smtClean="0">
+                            <a:rPr lang="fr-FR" sz="1100" b="1" i="1" smtClean="0">
                               <a:solidFill>
-                                <a:schemeClr val="tx1"/>
+                                <a:srgbClr val="C00000"/>
                               </a:solidFill>
+                              <a:latin typeface="Cambria Math" panose="02040503050406030204" pitchFamily="18" charset="0"/>
                             </a:rPr>
                           </m:ctrlPr>
                         </m:sSubPr>
                         <m:e>
                           <m:r>
-                            <a:rPr lang="fr-FR" sz="1100" b="0" i="1" smtClean="0">
+                            <a:rPr lang="fr-FR" sz="1100" b="1" i="1" smtClean="0">
                               <a:solidFill>
-                                <a:schemeClr val="tx1"/>
+                                <a:srgbClr val="C00000"/>
                               </a:solidFill>
+                              <a:latin typeface="Cambria Math" panose="02040503050406030204" pitchFamily="18" charset="0"/>
                             </a:rPr>
-                            <m:t>𝐶</m:t>
+                            <m:t>𝑪</m:t>
                           </m:r>
                         </m:e>
                         <m:sub>
                           <m:r>
-                            <a:rPr lang="fr-FR" sz="1100" b="0" i="1" smtClean="0">
+                            <a:rPr lang="fr-FR" sz="1100" b="1" i="1" smtClean="0">
                               <a:solidFill>
-                                <a:schemeClr val="tx1"/>
+                                <a:srgbClr val="C00000"/>
                               </a:solidFill>
+                              <a:latin typeface="Cambria Math" panose="02040503050406030204" pitchFamily="18" charset="0"/>
                             </a:rPr>
-                            <m:t>𝑟𝑚</m:t>
+                            <m:t>𝒓𝒎</m:t>
                           </m:r>
                         </m:sub>
                       </m:sSub>
                       <m:r>
-                        <a:rPr lang="fr-FR" sz="1100" b="0" i="1" smtClean="0">
+                        <a:rPr lang="fr-FR" sz="1100" b="1" i="1" smtClean="0">
                           <a:solidFill>
-                            <a:schemeClr val="tx1"/>
+                            <a:srgbClr val="C00000"/>
                           </a:solidFill>
+                          <a:latin typeface="Cambria Math" panose="02040503050406030204" pitchFamily="18" charset="0"/>
                         </a:rPr>
                         <m:t>=</m:t>
                       </m:r>
                       <m:r>
-                        <a:rPr lang="fr-FR" sz="1100" b="0" i="0" smtClean="0">
+                        <a:rPr lang="fr-FR" sz="1100" b="1" i="0" smtClean="0">
                           <a:solidFill>
-                            <a:schemeClr val="tx1"/>
+                            <a:srgbClr val="C00000"/>
                           </a:solidFill>
+                          <a:latin typeface="Cambria Math" panose="02040503050406030204" pitchFamily="18" charset="0"/>
                         </a:rPr>
-                        <m:t>0</m:t>
+                        <m:t>𝟎</m:t>
                       </m:r>
                       <m:r>
-                        <a:rPr lang="fr-FR" sz="1100" b="0" i="0" smtClean="0">
+                        <a:rPr lang="fr-FR" sz="1100" b="1" i="0" smtClean="0">
                           <a:solidFill>
-                            <a:schemeClr val="tx1"/>
+                            <a:srgbClr val="C00000"/>
                           </a:solidFill>
+                          <a:latin typeface="Cambria Math" panose="02040503050406030204" pitchFamily="18" charset="0"/>
                         </a:rPr>
                         <m:t>,</m:t>
                       </m:r>
                       <m:r>
-                        <a:rPr lang="fr-FR" sz="1100" b="0" i="0" smtClean="0">
+                        <a:rPr lang="fr-FR" sz="1100" b="1" i="0" smtClean="0">
                           <a:solidFill>
-                            <a:schemeClr val="tx1"/>
+                            <a:srgbClr val="C00000"/>
                           </a:solidFill>
+                          <a:latin typeface="Cambria Math" panose="02040503050406030204" pitchFamily="18" charset="0"/>
                         </a:rPr>
-                        <m:t>024</m:t>
+                        <m:t>𝟎𝟐𝟒</m:t>
                       </m:r>
                       <m:r>
-                        <a:rPr lang="fr-FR" sz="1100" b="0" i="0" smtClean="0">
+                        <a:rPr lang="fr-FR" sz="1100" b="1" i="0" smtClean="0">
                           <a:solidFill>
-                            <a:schemeClr val="tx1"/>
+                            <a:srgbClr val="C00000"/>
                           </a:solidFill>
+                          <a:latin typeface="Cambria Math" panose="02040503050406030204" pitchFamily="18" charset="0"/>
                         </a:rPr>
                         <m:t> </m:t>
                       </m:r>
                       <m:r>
-                        <m:rPr>
-                          <m:sty m:val="p"/>
-                        </m:rPr>
-                        <a:rPr lang="fr-FR" sz="1100" b="0" i="0" smtClean="0">
+                        <a:rPr lang="fr-FR" sz="1100" b="1" i="0" smtClean="0">
                           <a:solidFill>
-                            <a:schemeClr val="tx1"/>
+                            <a:srgbClr val="C00000"/>
                           </a:solidFill>
+                          <a:latin typeface="Cambria Math" panose="02040503050406030204" pitchFamily="18" charset="0"/>
                         </a:rPr>
-                        <m:t>Nm</m:t>
+                        <m:t>𝐍𝐦</m:t>
                       </m:r>
                     </m:oMath>
                   </a14:m>
-                  <a:endParaRPr lang="ar-AE" sz="1100" dirty="0">
+                  <a:endParaRPr lang="ar-AE" sz="1100" b="1" dirty="0">
                     <a:solidFill>
-                      <a:schemeClr val="tx1"/>
+                      <a:srgbClr val="C00000"/>
                     </a:solidFill>
                   </a:endParaRPr>
                 </a:p>
@@ -7931,14 +8661,14 @@
               </p:nvSpPr>
               <p:spPr>
                 <a:xfrm>
-                  <a:off x="3572930" y="6023259"/>
+                  <a:off x="3572930" y="6032884"/>
                   <a:ext cx="2821556" cy="3042115"/>
                 </a:xfrm>
                 <a:prstGeom prst="rect">
                   <a:avLst/>
                 </a:prstGeom>
                 <a:blipFill>
-                  <a:blip r:embed="rId9"/>
+                  <a:blip r:embed="rId10"/>
                   <a:stretch>
                     <a:fillRect/>
                   </a:stretch>
@@ -7973,8 +8703,8 @@
           </p:nvSpPr>
           <p:spPr>
             <a:xfrm>
-              <a:off x="347131" y="5851500"/>
-              <a:ext cx="6053670" cy="3308919"/>
+              <a:off x="347131" y="5684191"/>
+              <a:ext cx="6053670" cy="3859859"/>
             </a:xfrm>
             <a:prstGeom prst="rect">
               <a:avLst/>
@@ -8118,6 +8848,1932 @@
           <a:p>
             <a:pPr algn="ctr"/>
             <a:endParaRPr lang="fr-FR"/>
+          </a:p>
+        </p:txBody>
+      </p:sp>
+      <p:pic>
+        <p:nvPicPr>
+          <p:cNvPr id="4" name="Image 3" descr="Une image contenant ligne, diagramme, texte, Tracé&#10;&#10;Description générée automatiquement">
+            <a:extLst>
+              <a:ext uri="{FF2B5EF4-FFF2-40B4-BE49-F238E27FC236}">
+                <a16:creationId xmlns:a16="http://schemas.microsoft.com/office/drawing/2014/main" id="{C471BC9D-F342-A3C4-8E16-07E755D816A7}"/>
+              </a:ext>
+            </a:extLst>
+          </p:cNvPr>
+          <p:cNvPicPr>
+            <a:picLocks noChangeAspect="1"/>
+          </p:cNvPicPr>
+          <p:nvPr/>
+        </p:nvPicPr>
+        <p:blipFill rotWithShape="1">
+          <a:blip r:embed="rId11">
+            <a:extLst>
+              <a:ext uri="{28A0092B-C50C-407E-A947-70E740481C1C}">
+                <a14:useLocalDpi xmlns:a14="http://schemas.microsoft.com/office/drawing/2010/main" val="0"/>
+              </a:ext>
+            </a:extLst>
+          </a:blip>
+          <a:srcRect l="8716" t="10282" r="8390" b="6325"/>
+          <a:stretch/>
+        </p:blipFill>
+        <p:spPr>
+          <a:xfrm>
+            <a:off x="10816707" y="6865065"/>
+            <a:ext cx="1908000" cy="1439591"/>
+          </a:xfrm>
+          <a:prstGeom prst="rect">
+            <a:avLst/>
+          </a:prstGeom>
+        </p:spPr>
+      </p:pic>
+      <p:pic>
+        <p:nvPicPr>
+          <p:cNvPr id="8" name="Image 7" descr="Une image contenant ligne, diagramme, texte, Tracé&#10;&#10;Description générée automatiquement">
+            <a:extLst>
+              <a:ext uri="{FF2B5EF4-FFF2-40B4-BE49-F238E27FC236}">
+                <a16:creationId xmlns:a16="http://schemas.microsoft.com/office/drawing/2014/main" id="{E8993F76-2D72-264D-A4F3-D0CCCFA76F8D}"/>
+              </a:ext>
+            </a:extLst>
+          </p:cNvPr>
+          <p:cNvPicPr>
+            <a:picLocks noChangeAspect="1"/>
+          </p:cNvPicPr>
+          <p:nvPr/>
+        </p:nvPicPr>
+        <p:blipFill rotWithShape="1">
+          <a:blip r:embed="rId12">
+            <a:extLst>
+              <a:ext uri="{28A0092B-C50C-407E-A947-70E740481C1C}">
+                <a14:useLocalDpi xmlns:a14="http://schemas.microsoft.com/office/drawing/2010/main" val="0"/>
+              </a:ext>
+            </a:extLst>
+          </a:blip>
+          <a:srcRect l="6539" t="11190" r="7825" b="5418"/>
+          <a:stretch/>
+        </p:blipFill>
+        <p:spPr>
+          <a:xfrm>
+            <a:off x="6834755" y="6888106"/>
+            <a:ext cx="1908000" cy="1393508"/>
+          </a:xfrm>
+          <a:prstGeom prst="rect">
+            <a:avLst/>
+          </a:prstGeom>
+        </p:spPr>
+      </p:pic>
+      <p:pic>
+        <p:nvPicPr>
+          <p:cNvPr id="10" name="Image 9" descr="Une image contenant ligne, texte, Tracé, diagramme&#10;&#10;Description générée automatiquement">
+            <a:extLst>
+              <a:ext uri="{FF2B5EF4-FFF2-40B4-BE49-F238E27FC236}">
+                <a16:creationId xmlns:a16="http://schemas.microsoft.com/office/drawing/2014/main" id="{E05266A5-4CD8-6B89-BEB2-CA7E3B05B3D3}"/>
+              </a:ext>
+            </a:extLst>
+          </p:cNvPr>
+          <p:cNvPicPr>
+            <a:picLocks noChangeAspect="1"/>
+          </p:cNvPicPr>
+          <p:nvPr/>
+        </p:nvPicPr>
+        <p:blipFill rotWithShape="1">
+          <a:blip r:embed="rId13">
+            <a:extLst>
+              <a:ext uri="{28A0092B-C50C-407E-A947-70E740481C1C}">
+                <a14:useLocalDpi xmlns:a14="http://schemas.microsoft.com/office/drawing/2010/main" val="0"/>
+              </a:ext>
+            </a:extLst>
+          </a:blip>
+          <a:srcRect l="7397" t="11040" r="9544" b="5568"/>
+          <a:stretch/>
+        </p:blipFill>
+        <p:spPr>
+          <a:xfrm>
+            <a:off x="8825731" y="6866498"/>
+            <a:ext cx="1908000" cy="1436725"/>
+          </a:xfrm>
+          <a:prstGeom prst="rect">
+            <a:avLst/>
+          </a:prstGeom>
+        </p:spPr>
+      </p:pic>
+      <p:grpSp>
+        <p:nvGrpSpPr>
+          <p:cNvPr id="19" name="Groupe 18">
+            <a:extLst>
+              <a:ext uri="{FF2B5EF4-FFF2-40B4-BE49-F238E27FC236}">
+                <a16:creationId xmlns:a16="http://schemas.microsoft.com/office/drawing/2014/main" id="{278D3A6A-8E2C-3AFE-6AF4-1F14E36F5333}"/>
+              </a:ext>
+            </a:extLst>
+          </p:cNvPr>
+          <p:cNvGrpSpPr/>
+          <p:nvPr/>
+        </p:nvGrpSpPr>
+        <p:grpSpPr>
+          <a:xfrm>
+            <a:off x="6959598" y="8463582"/>
+            <a:ext cx="1503371" cy="978868"/>
+            <a:chOff x="6959599" y="6202040"/>
+            <a:chExt cx="1456216" cy="948165"/>
+          </a:xfrm>
+        </p:grpSpPr>
+        <p:pic>
+          <p:nvPicPr>
+            <p:cNvPr id="13" name="Image 12">
+              <a:extLst>
+                <a:ext uri="{FF2B5EF4-FFF2-40B4-BE49-F238E27FC236}">
+                  <a16:creationId xmlns:a16="http://schemas.microsoft.com/office/drawing/2014/main" id="{DA136697-D0E0-BD74-46FD-BC9FAE51F648}"/>
+                </a:ext>
+              </a:extLst>
+            </p:cNvPr>
+            <p:cNvPicPr>
+              <a:picLocks noChangeAspect="1"/>
+            </p:cNvPicPr>
+            <p:nvPr/>
+          </p:nvPicPr>
+          <p:blipFill>
+            <a:blip r:embed="rId14"/>
+            <a:stretch>
+              <a:fillRect/>
+            </a:stretch>
+          </p:blipFill>
+          <p:spPr>
+            <a:xfrm>
+              <a:off x="6959599" y="6202040"/>
+              <a:ext cx="1456216" cy="948165"/>
+            </a:xfrm>
+            <a:prstGeom prst="rect">
+              <a:avLst/>
+            </a:prstGeom>
+          </p:spPr>
+        </p:pic>
+        <p:cxnSp>
+          <p:nvCxnSpPr>
+            <p:cNvPr id="15" name="Connecteur droit 14">
+              <a:extLst>
+                <a:ext uri="{FF2B5EF4-FFF2-40B4-BE49-F238E27FC236}">
+                  <a16:creationId xmlns:a16="http://schemas.microsoft.com/office/drawing/2014/main" id="{28A737C3-3259-802F-151B-78DB8C528E23}"/>
+                </a:ext>
+              </a:extLst>
+            </p:cNvPr>
+            <p:cNvCxnSpPr/>
+            <p:nvPr/>
+          </p:nvCxnSpPr>
+          <p:spPr>
+            <a:xfrm>
+              <a:off x="7162800" y="6824133"/>
+              <a:ext cx="954000" cy="0"/>
+            </a:xfrm>
+            <a:prstGeom prst="line">
+              <a:avLst/>
+            </a:prstGeom>
+            <a:ln>
+              <a:solidFill>
+                <a:srgbClr val="00B0F0"/>
+              </a:solidFill>
+            </a:ln>
+          </p:spPr>
+          <p:style>
+            <a:lnRef idx="2">
+              <a:schemeClr val="accent1"/>
+            </a:lnRef>
+            <a:fillRef idx="0">
+              <a:schemeClr val="accent1"/>
+            </a:fillRef>
+            <a:effectRef idx="1">
+              <a:schemeClr val="accent1"/>
+            </a:effectRef>
+            <a:fontRef idx="minor">
+              <a:schemeClr val="tx1"/>
+            </a:fontRef>
+          </p:style>
+        </p:cxnSp>
+        <p:cxnSp>
+          <p:nvCxnSpPr>
+            <p:cNvPr id="16" name="Connecteur droit 15">
+              <a:extLst>
+                <a:ext uri="{FF2B5EF4-FFF2-40B4-BE49-F238E27FC236}">
+                  <a16:creationId xmlns:a16="http://schemas.microsoft.com/office/drawing/2014/main" id="{19508CD2-635B-9910-CE18-A2005594B81B}"/>
+                </a:ext>
+              </a:extLst>
+            </p:cNvPr>
+            <p:cNvCxnSpPr>
+              <a:cxnSpLocks/>
+            </p:cNvCxnSpPr>
+            <p:nvPr/>
+          </p:nvCxnSpPr>
+          <p:spPr>
+            <a:xfrm>
+              <a:off x="8115300" y="6824133"/>
+              <a:ext cx="0" cy="232834"/>
+            </a:xfrm>
+            <a:prstGeom prst="line">
+              <a:avLst/>
+            </a:prstGeom>
+            <a:ln>
+              <a:solidFill>
+                <a:srgbClr val="00B0F0"/>
+              </a:solidFill>
+            </a:ln>
+          </p:spPr>
+          <p:style>
+            <a:lnRef idx="2">
+              <a:schemeClr val="accent1"/>
+            </a:lnRef>
+            <a:fillRef idx="0">
+              <a:schemeClr val="accent1"/>
+            </a:fillRef>
+            <a:effectRef idx="1">
+              <a:schemeClr val="accent1"/>
+            </a:effectRef>
+            <a:fontRef idx="minor">
+              <a:schemeClr val="tx1"/>
+            </a:fontRef>
+          </p:style>
+        </p:cxnSp>
+      </p:grpSp>
+      <p:pic>
+        <p:nvPicPr>
+          <p:cNvPr id="5" name="Image 4">
+            <a:extLst>
+              <a:ext uri="{FF2B5EF4-FFF2-40B4-BE49-F238E27FC236}">
+                <a16:creationId xmlns:a16="http://schemas.microsoft.com/office/drawing/2014/main" id="{1A47990B-E936-BACD-B4A8-D9210ACD3E73}"/>
+              </a:ext>
+            </a:extLst>
+          </p:cNvPr>
+          <p:cNvPicPr>
+            <a:picLocks noChangeAspect="1"/>
+          </p:cNvPicPr>
+          <p:nvPr/>
+        </p:nvPicPr>
+        <p:blipFill>
+          <a:blip r:embed="rId15"/>
+          <a:stretch>
+            <a:fillRect/>
+          </a:stretch>
+        </p:blipFill>
+        <p:spPr>
+          <a:xfrm>
+            <a:off x="6876410" y="3526774"/>
+            <a:ext cx="3333719" cy="1940912"/>
+          </a:xfrm>
+          <a:prstGeom prst="rect">
+            <a:avLst/>
+          </a:prstGeom>
+        </p:spPr>
+      </p:pic>
+      <p:grpSp>
+        <p:nvGrpSpPr>
+          <p:cNvPr id="3" name="Groupe 2">
+            <a:extLst>
+              <a:ext uri="{FF2B5EF4-FFF2-40B4-BE49-F238E27FC236}">
+                <a16:creationId xmlns:a16="http://schemas.microsoft.com/office/drawing/2014/main" id="{9503F55D-7FAE-AD54-36CF-50A424D81D64}"/>
+              </a:ext>
+            </a:extLst>
+          </p:cNvPr>
+          <p:cNvGrpSpPr/>
+          <p:nvPr/>
+        </p:nvGrpSpPr>
+        <p:grpSpPr>
+          <a:xfrm>
+            <a:off x="6511993" y="1876893"/>
+            <a:ext cx="6212714" cy="3644432"/>
+            <a:chOff x="76894" y="5684191"/>
+            <a:chExt cx="6323907" cy="3859860"/>
+          </a:xfrm>
+        </p:grpSpPr>
+        <mc:AlternateContent xmlns:mc="http://schemas.openxmlformats.org/markup-compatibility/2006">
+          <mc:Choice xmlns:a14="http://schemas.microsoft.com/office/drawing/2010/main" Requires="a14">
+            <p:sp>
+              <p:nvSpPr>
+                <p:cNvPr id="6" name="ZoneTexte 5">
+                  <a:extLst>
+                    <a:ext uri="{FF2B5EF4-FFF2-40B4-BE49-F238E27FC236}">
+                      <a16:creationId xmlns:a16="http://schemas.microsoft.com/office/drawing/2014/main" id="{5BAB31A8-A494-A862-CBEC-A6AC2F5E92AE}"/>
+                    </a:ext>
+                  </a:extLst>
+                </p:cNvPr>
+                <p:cNvSpPr txBox="1"/>
+                <p:nvPr/>
+              </p:nvSpPr>
+              <p:spPr>
+                <a:xfrm>
+                  <a:off x="364065" y="5851500"/>
+                  <a:ext cx="6032166" cy="1467509"/>
+                </a:xfrm>
+                <a:prstGeom prst="rect">
+                  <a:avLst/>
+                </a:prstGeom>
+                <a:noFill/>
+              </p:spPr>
+              <p:txBody>
+                <a:bodyPr wrap="square" lIns="36000" tIns="36000" rIns="36000" bIns="36000">
+                  <a:spAutoFit/>
+                </a:bodyPr>
+                <a:lstStyle/>
+                <a:p>
+                  <a:r>
+                    <a:rPr lang="fr-FR" sz="1100" b="1" dirty="0">
+                      <a:solidFill>
+                        <a:schemeClr val="accent1">
+                          <a:lumMod val="50000"/>
+                        </a:schemeClr>
+                      </a:solidFill>
+                    </a:rPr>
+                    <a:t>Idée principale</a:t>
+                  </a:r>
+                </a:p>
+                <a:p>
+                  <a:pPr marL="171450" indent="-171450">
+                    <a:buFont typeface="Wingdings" panose="05000000000000000000" pitchFamily="2" charset="2"/>
+                    <a:buChar char="§"/>
+                  </a:pPr>
+                  <a:r>
+                    <a:rPr lang="fr-FR" sz="1100" b="1" dirty="0">
+                      <a:solidFill>
+                        <a:schemeClr val="accent1">
+                          <a:lumMod val="50000"/>
+                        </a:schemeClr>
+                      </a:solidFill>
+                    </a:rPr>
+                    <a:t>Le TEC donne :</a:t>
+                  </a:r>
+                  <a:r>
+                    <a:rPr lang="fr-FR" sz="1100" b="1" dirty="0"/>
+                    <a:t> </a:t>
+                  </a:r>
+                  <a14:m>
+                    <m:oMath xmlns:m="http://schemas.openxmlformats.org/officeDocument/2006/math">
+                      <m:sSub>
+                        <m:sSubPr>
+                          <m:ctrlPr>
+                            <a:rPr lang="fr-FR" sz="1100" b="0" i="1" smtClean="0">
+                              <a:latin typeface="Cambria Math" panose="02040503050406030204" pitchFamily="18" charset="0"/>
+                            </a:rPr>
+                          </m:ctrlPr>
+                        </m:sSubPr>
+                        <m:e>
+                          <m:r>
+                            <a:rPr lang="fr-FR" sz="1100" b="0" i="1" smtClean="0">
+                              <a:latin typeface="Cambria Math" panose="02040503050406030204" pitchFamily="18" charset="0"/>
+                            </a:rPr>
+                            <m:t>𝐽</m:t>
+                          </m:r>
+                        </m:e>
+                        <m:sub>
+                          <m:r>
+                            <a:rPr lang="fr-FR" sz="1100" b="0" i="1" smtClean="0">
+                              <a:latin typeface="Cambria Math" panose="02040503050406030204" pitchFamily="18" charset="0"/>
+                            </a:rPr>
+                            <m:t>𝑒𝑞</m:t>
+                          </m:r>
+                        </m:sub>
+                      </m:sSub>
+                      <m:acc>
+                        <m:accPr>
+                          <m:chr m:val="̇"/>
+                          <m:ctrlPr>
+                            <a:rPr lang="fr-FR" sz="1100" b="0" i="1" smtClean="0">
+                              <a:latin typeface="Cambria Math" panose="02040503050406030204" pitchFamily="18" charset="0"/>
+                            </a:rPr>
+                          </m:ctrlPr>
+                        </m:accPr>
+                        <m:e>
+                          <m:sSub>
+                            <m:sSubPr>
+                              <m:ctrlPr>
+                                <a:rPr lang="fr-FR" sz="1100" b="0" i="1" smtClean="0">
+                                  <a:latin typeface="Cambria Math" panose="02040503050406030204" pitchFamily="18" charset="0"/>
+                                </a:rPr>
+                              </m:ctrlPr>
+                            </m:sSubPr>
+                            <m:e>
+                              <m:r>
+                                <a:rPr lang="fr-FR" sz="1100" b="0" i="1" smtClean="0">
+                                  <a:latin typeface="Cambria Math" panose="02040503050406030204" pitchFamily="18" charset="0"/>
+                                </a:rPr>
+                                <m:t>𝜔</m:t>
+                              </m:r>
+                            </m:e>
+                            <m:sub>
+                              <m:r>
+                                <a:rPr lang="fr-FR" sz="1100" b="0" i="1" smtClean="0">
+                                  <a:latin typeface="Cambria Math" panose="02040503050406030204" pitchFamily="18" charset="0"/>
+                                </a:rPr>
+                                <m:t>𝑚</m:t>
+                              </m:r>
+                            </m:sub>
+                          </m:sSub>
+                        </m:e>
+                      </m:acc>
+                      <m:r>
+                        <a:rPr lang="fr-FR" sz="1100" b="0" i="1" smtClean="0">
+                          <a:latin typeface="Cambria Math" panose="02040503050406030204" pitchFamily="18" charset="0"/>
+                        </a:rPr>
+                        <m:t>=</m:t>
+                      </m:r>
+                      <m:sSub>
+                        <m:sSubPr>
+                          <m:ctrlPr>
+                            <a:rPr lang="fr-FR" sz="1100" b="0" i="1" smtClean="0">
+                              <a:latin typeface="Cambria Math" panose="02040503050406030204" pitchFamily="18" charset="0"/>
+                            </a:rPr>
+                          </m:ctrlPr>
+                        </m:sSubPr>
+                        <m:e>
+                          <m:r>
+                            <a:rPr lang="fr-FR" sz="1100" b="0" i="1" smtClean="0">
+                              <a:latin typeface="Cambria Math" panose="02040503050406030204" pitchFamily="18" charset="0"/>
+                            </a:rPr>
+                            <m:t>𝐶</m:t>
+                          </m:r>
+                        </m:e>
+                        <m:sub>
+                          <m:r>
+                            <a:rPr lang="fr-FR" sz="1100" b="0" i="1" smtClean="0">
+                              <a:latin typeface="Cambria Math" panose="02040503050406030204" pitchFamily="18" charset="0"/>
+                            </a:rPr>
+                            <m:t>𝑚</m:t>
+                          </m:r>
+                        </m:sub>
+                      </m:sSub>
+                      <m:r>
+                        <a:rPr lang="fr-FR" sz="1100" b="0" i="1" smtClean="0">
+                          <a:latin typeface="Cambria Math" panose="02040503050406030204" pitchFamily="18" charset="0"/>
+                          <a:ea typeface="Cambria Math" panose="02040503050406030204" pitchFamily="18" charset="0"/>
+                        </a:rPr>
+                        <m:t>−</m:t>
+                      </m:r>
+                      <m:d>
+                        <m:dPr>
+                          <m:ctrlPr>
+                            <a:rPr lang="fr-FR" sz="1100" b="0" i="1" smtClean="0">
+                              <a:latin typeface="Cambria Math" panose="02040503050406030204" pitchFamily="18" charset="0"/>
+                              <a:ea typeface="Cambria Math" panose="02040503050406030204" pitchFamily="18" charset="0"/>
+                            </a:rPr>
+                          </m:ctrlPr>
+                        </m:dPr>
+                        <m:e>
+                          <m:sSub>
+                            <m:sSubPr>
+                              <m:ctrlPr>
+                                <a:rPr lang="fr-FR" sz="1100" b="0" i="1" smtClean="0">
+                                  <a:latin typeface="Cambria Math" panose="02040503050406030204" pitchFamily="18" charset="0"/>
+                                  <a:ea typeface="Cambria Math" panose="02040503050406030204" pitchFamily="18" charset="0"/>
+                                </a:rPr>
+                              </m:ctrlPr>
+                            </m:sSubPr>
+                            <m:e>
+                              <m:r>
+                                <a:rPr lang="fr-FR" sz="1100" b="0" i="1" smtClean="0">
+                                  <a:latin typeface="Cambria Math" panose="02040503050406030204" pitchFamily="18" charset="0"/>
+                                  <a:ea typeface="Cambria Math" panose="02040503050406030204" pitchFamily="18" charset="0"/>
+                                </a:rPr>
+                                <m:t>𝑀</m:t>
+                              </m:r>
+                            </m:e>
+                            <m:sub>
+                              <m:r>
+                                <a:rPr lang="fr-FR" sz="1100" b="0" i="1" smtClean="0">
+                                  <a:latin typeface="Cambria Math" panose="02040503050406030204" pitchFamily="18" charset="0"/>
+                                  <a:ea typeface="Cambria Math" panose="02040503050406030204" pitchFamily="18" charset="0"/>
+                                </a:rPr>
+                                <m:t>𝑚</m:t>
+                              </m:r>
+                            </m:sub>
+                          </m:sSub>
+                          <m:r>
+                            <a:rPr lang="fr-FR" sz="1100" b="0" i="1" smtClean="0">
+                              <a:latin typeface="Cambria Math" panose="02040503050406030204" pitchFamily="18" charset="0"/>
+                              <a:ea typeface="Cambria Math" panose="02040503050406030204" pitchFamily="18" charset="0"/>
+                            </a:rPr>
+                            <m:t>+</m:t>
+                          </m:r>
+                          <m:sSub>
+                            <m:sSubPr>
+                              <m:ctrlPr>
+                                <a:rPr lang="fr-FR" sz="1100" b="0" i="1" smtClean="0">
+                                  <a:latin typeface="Cambria Math" panose="02040503050406030204" pitchFamily="18" charset="0"/>
+                                  <a:ea typeface="Cambria Math" panose="02040503050406030204" pitchFamily="18" charset="0"/>
+                                </a:rPr>
+                              </m:ctrlPr>
+                            </m:sSubPr>
+                            <m:e>
+                              <m:r>
+                                <a:rPr lang="fr-FR" sz="1100" b="0" i="1" smtClean="0">
+                                  <a:latin typeface="Cambria Math" panose="02040503050406030204" pitchFamily="18" charset="0"/>
+                                  <a:ea typeface="Cambria Math" panose="02040503050406030204" pitchFamily="18" charset="0"/>
+                                </a:rPr>
+                                <m:t>𝑀</m:t>
+                              </m:r>
+                            </m:e>
+                            <m:sub>
+                              <m:r>
+                                <a:rPr lang="fr-FR" sz="1100" b="0" i="1" smtClean="0">
+                                  <a:latin typeface="Cambria Math" panose="02040503050406030204" pitchFamily="18" charset="0"/>
+                                  <a:ea typeface="Cambria Math" panose="02040503050406030204" pitchFamily="18" charset="0"/>
+                                </a:rPr>
+                                <m:t>𝑎</m:t>
+                              </m:r>
+                            </m:sub>
+                          </m:sSub>
+                        </m:e>
+                      </m:d>
+                      <m:r>
+                        <a:rPr lang="fr-FR" sz="1100" b="0" i="1" smtClean="0">
+                          <a:latin typeface="Cambria Math" panose="02040503050406030204" pitchFamily="18" charset="0"/>
+                          <a:ea typeface="Cambria Math" panose="02040503050406030204" pitchFamily="18" charset="0"/>
+                        </a:rPr>
+                        <m:t>𝑔𝑘𝑅</m:t>
+                      </m:r>
+                      <m:r>
+                        <a:rPr lang="fr-FR" sz="1100" b="0" i="1" smtClean="0">
+                          <a:latin typeface="Cambria Math" panose="02040503050406030204" pitchFamily="18" charset="0"/>
+                          <a:ea typeface="Cambria Math" panose="02040503050406030204" pitchFamily="18" charset="0"/>
+                        </a:rPr>
+                        <m:t>+</m:t>
+                      </m:r>
+                      <m:sSub>
+                        <m:sSubPr>
+                          <m:ctrlPr>
+                            <a:rPr lang="fr-FR" sz="1100" b="0" i="1" smtClean="0">
+                              <a:latin typeface="Cambria Math" panose="02040503050406030204" pitchFamily="18" charset="0"/>
+                              <a:ea typeface="Cambria Math" panose="02040503050406030204" pitchFamily="18" charset="0"/>
+                            </a:rPr>
+                          </m:ctrlPr>
+                        </m:sSubPr>
+                        <m:e>
+                          <m:r>
+                            <a:rPr lang="fr-FR" sz="1100" b="0" i="1" smtClean="0">
+                              <a:latin typeface="Cambria Math" panose="02040503050406030204" pitchFamily="18" charset="0"/>
+                              <a:ea typeface="Cambria Math" panose="02040503050406030204" pitchFamily="18" charset="0"/>
+                            </a:rPr>
+                            <m:t>𝐶</m:t>
+                          </m:r>
+                        </m:e>
+                        <m:sub>
+                          <m:r>
+                            <a:rPr lang="fr-FR" sz="1100" b="0" i="1" smtClean="0">
+                              <a:latin typeface="Cambria Math" panose="02040503050406030204" pitchFamily="18" charset="0"/>
+                              <a:ea typeface="Cambria Math" panose="02040503050406030204" pitchFamily="18" charset="0"/>
+                            </a:rPr>
+                            <m:t>𝑓</m:t>
+                          </m:r>
+                        </m:sub>
+                      </m:sSub>
+                    </m:oMath>
+                  </a14:m>
+                  <a:r>
+                    <a:rPr lang="fr-FR" sz="1100" i="1" dirty="0"/>
+                    <a:t>. </a:t>
+                  </a:r>
+                  <a:r>
+                    <a:rPr lang="fr-FR" sz="1100" dirty="0"/>
+                    <a:t>Si on connait le terme </a:t>
+                  </a:r>
+                  <a14:m>
+                    <m:oMath xmlns:m="http://schemas.openxmlformats.org/officeDocument/2006/math">
+                      <m:d>
+                        <m:dPr>
+                          <m:ctrlPr>
+                            <a:rPr lang="fr-FR" sz="1100" i="1">
+                              <a:latin typeface="Cambria Math" panose="02040503050406030204" pitchFamily="18" charset="0"/>
+                              <a:ea typeface="Cambria Math" panose="02040503050406030204" pitchFamily="18" charset="0"/>
+                            </a:rPr>
+                          </m:ctrlPr>
+                        </m:dPr>
+                        <m:e>
+                          <m:sSub>
+                            <m:sSubPr>
+                              <m:ctrlPr>
+                                <a:rPr lang="fr-FR" sz="1100" i="1">
+                                  <a:latin typeface="Cambria Math" panose="02040503050406030204" pitchFamily="18" charset="0"/>
+                                  <a:ea typeface="Cambria Math" panose="02040503050406030204" pitchFamily="18" charset="0"/>
+                                </a:rPr>
+                              </m:ctrlPr>
+                            </m:sSubPr>
+                            <m:e>
+                              <m:r>
+                                <a:rPr lang="fr-FR" sz="1100" i="1">
+                                  <a:latin typeface="Cambria Math" panose="02040503050406030204" pitchFamily="18" charset="0"/>
+                                  <a:ea typeface="Cambria Math" panose="02040503050406030204" pitchFamily="18" charset="0"/>
+                                </a:rPr>
+                                <m:t>𝑀</m:t>
+                              </m:r>
+                            </m:e>
+                            <m:sub>
+                              <m:r>
+                                <a:rPr lang="fr-FR" sz="1100" i="1">
+                                  <a:latin typeface="Cambria Math" panose="02040503050406030204" pitchFamily="18" charset="0"/>
+                                  <a:ea typeface="Cambria Math" panose="02040503050406030204" pitchFamily="18" charset="0"/>
+                                </a:rPr>
+                                <m:t>𝑚</m:t>
+                              </m:r>
+                            </m:sub>
+                          </m:sSub>
+                          <m:r>
+                            <a:rPr lang="fr-FR" sz="1100" i="1">
+                              <a:latin typeface="Cambria Math" panose="02040503050406030204" pitchFamily="18" charset="0"/>
+                              <a:ea typeface="Cambria Math" panose="02040503050406030204" pitchFamily="18" charset="0"/>
+                            </a:rPr>
+                            <m:t>+</m:t>
+                          </m:r>
+                          <m:sSub>
+                            <m:sSubPr>
+                              <m:ctrlPr>
+                                <a:rPr lang="fr-FR" sz="1100" i="1">
+                                  <a:latin typeface="Cambria Math" panose="02040503050406030204" pitchFamily="18" charset="0"/>
+                                  <a:ea typeface="Cambria Math" panose="02040503050406030204" pitchFamily="18" charset="0"/>
+                                </a:rPr>
+                              </m:ctrlPr>
+                            </m:sSubPr>
+                            <m:e>
+                              <m:r>
+                                <a:rPr lang="fr-FR" sz="1100" i="1">
+                                  <a:latin typeface="Cambria Math" panose="02040503050406030204" pitchFamily="18" charset="0"/>
+                                  <a:ea typeface="Cambria Math" panose="02040503050406030204" pitchFamily="18" charset="0"/>
+                                </a:rPr>
+                                <m:t>𝑀</m:t>
+                              </m:r>
+                            </m:e>
+                            <m:sub>
+                              <m:r>
+                                <a:rPr lang="fr-FR" sz="1100" i="1">
+                                  <a:latin typeface="Cambria Math" panose="02040503050406030204" pitchFamily="18" charset="0"/>
+                                  <a:ea typeface="Cambria Math" panose="02040503050406030204" pitchFamily="18" charset="0"/>
+                                </a:rPr>
+                                <m:t>𝑎</m:t>
+                              </m:r>
+                            </m:sub>
+                          </m:sSub>
+                        </m:e>
+                      </m:d>
+                      <m:r>
+                        <a:rPr lang="fr-FR" sz="1100" i="1">
+                          <a:latin typeface="Cambria Math" panose="02040503050406030204" pitchFamily="18" charset="0"/>
+                          <a:ea typeface="Cambria Math" panose="02040503050406030204" pitchFamily="18" charset="0"/>
+                        </a:rPr>
+                        <m:t>𝑔𝑘𝑅</m:t>
+                      </m:r>
+                    </m:oMath>
+                  </a14:m>
+                  <a:r>
+                    <a:rPr lang="fr-FR" sz="1100" dirty="0"/>
+                    <a:t>, en régime permanent (à vitesse constante), on a </a:t>
+                  </a:r>
+                  <a14:m>
+                    <m:oMath xmlns:m="http://schemas.openxmlformats.org/officeDocument/2006/math">
+                      <m:sSub>
+                        <m:sSubPr>
+                          <m:ctrlPr>
+                            <a:rPr lang="fr-FR" sz="1100" i="1">
+                              <a:latin typeface="Cambria Math" panose="02040503050406030204" pitchFamily="18" charset="0"/>
+                            </a:rPr>
+                          </m:ctrlPr>
+                        </m:sSubPr>
+                        <m:e>
+                          <m:r>
+                            <a:rPr lang="fr-FR" sz="1100" i="1">
+                              <a:latin typeface="Cambria Math" panose="02040503050406030204" pitchFamily="18" charset="0"/>
+                            </a:rPr>
+                            <m:t>𝐶</m:t>
+                          </m:r>
+                        </m:e>
+                        <m:sub>
+                          <m:r>
+                            <a:rPr lang="fr-FR" sz="1100" i="1">
+                              <a:latin typeface="Cambria Math" panose="02040503050406030204" pitchFamily="18" charset="0"/>
+                            </a:rPr>
+                            <m:t>𝑚</m:t>
+                          </m:r>
+                        </m:sub>
+                      </m:sSub>
+                      <m:r>
+                        <a:rPr lang="fr-FR" sz="1100" b="0" i="1" smtClean="0">
+                          <a:latin typeface="Cambria Math" panose="02040503050406030204" pitchFamily="18" charset="0"/>
+                        </a:rPr>
+                        <m:t>=</m:t>
+                      </m:r>
+                      <m:d>
+                        <m:dPr>
+                          <m:ctrlPr>
+                            <a:rPr lang="fr-FR" sz="1100" i="1">
+                              <a:latin typeface="Cambria Math" panose="02040503050406030204" pitchFamily="18" charset="0"/>
+                              <a:ea typeface="Cambria Math" panose="02040503050406030204" pitchFamily="18" charset="0"/>
+                            </a:rPr>
+                          </m:ctrlPr>
+                        </m:dPr>
+                        <m:e>
+                          <m:sSub>
+                            <m:sSubPr>
+                              <m:ctrlPr>
+                                <a:rPr lang="fr-FR" sz="1100" i="1">
+                                  <a:latin typeface="Cambria Math" panose="02040503050406030204" pitchFamily="18" charset="0"/>
+                                  <a:ea typeface="Cambria Math" panose="02040503050406030204" pitchFamily="18" charset="0"/>
+                                </a:rPr>
+                              </m:ctrlPr>
+                            </m:sSubPr>
+                            <m:e>
+                              <m:r>
+                                <a:rPr lang="fr-FR" sz="1100" i="1">
+                                  <a:latin typeface="Cambria Math" panose="02040503050406030204" pitchFamily="18" charset="0"/>
+                                  <a:ea typeface="Cambria Math" panose="02040503050406030204" pitchFamily="18" charset="0"/>
+                                </a:rPr>
+                                <m:t>𝑀</m:t>
+                              </m:r>
+                            </m:e>
+                            <m:sub>
+                              <m:r>
+                                <a:rPr lang="fr-FR" sz="1100" i="1">
+                                  <a:latin typeface="Cambria Math" panose="02040503050406030204" pitchFamily="18" charset="0"/>
+                                  <a:ea typeface="Cambria Math" panose="02040503050406030204" pitchFamily="18" charset="0"/>
+                                </a:rPr>
+                                <m:t>𝑚</m:t>
+                              </m:r>
+                            </m:sub>
+                          </m:sSub>
+                          <m:r>
+                            <a:rPr lang="fr-FR" sz="1100" i="1">
+                              <a:latin typeface="Cambria Math" panose="02040503050406030204" pitchFamily="18" charset="0"/>
+                              <a:ea typeface="Cambria Math" panose="02040503050406030204" pitchFamily="18" charset="0"/>
+                            </a:rPr>
+                            <m:t>+</m:t>
+                          </m:r>
+                          <m:sSub>
+                            <m:sSubPr>
+                              <m:ctrlPr>
+                                <a:rPr lang="fr-FR" sz="1100" i="1">
+                                  <a:latin typeface="Cambria Math" panose="02040503050406030204" pitchFamily="18" charset="0"/>
+                                  <a:ea typeface="Cambria Math" panose="02040503050406030204" pitchFamily="18" charset="0"/>
+                                </a:rPr>
+                              </m:ctrlPr>
+                            </m:sSubPr>
+                            <m:e>
+                              <m:r>
+                                <a:rPr lang="fr-FR" sz="1100" i="1">
+                                  <a:latin typeface="Cambria Math" panose="02040503050406030204" pitchFamily="18" charset="0"/>
+                                  <a:ea typeface="Cambria Math" panose="02040503050406030204" pitchFamily="18" charset="0"/>
+                                </a:rPr>
+                                <m:t>𝑀</m:t>
+                              </m:r>
+                            </m:e>
+                            <m:sub>
+                              <m:r>
+                                <a:rPr lang="fr-FR" sz="1100" i="1">
+                                  <a:latin typeface="Cambria Math" panose="02040503050406030204" pitchFamily="18" charset="0"/>
+                                  <a:ea typeface="Cambria Math" panose="02040503050406030204" pitchFamily="18" charset="0"/>
+                                </a:rPr>
+                                <m:t>𝑎</m:t>
+                              </m:r>
+                            </m:sub>
+                          </m:sSub>
+                        </m:e>
+                      </m:d>
+                      <m:r>
+                        <a:rPr lang="fr-FR" sz="1100" i="1">
+                          <a:latin typeface="Cambria Math" panose="02040503050406030204" pitchFamily="18" charset="0"/>
+                          <a:ea typeface="Cambria Math" panose="02040503050406030204" pitchFamily="18" charset="0"/>
+                        </a:rPr>
+                        <m:t>𝑔𝑘𝑅</m:t>
+                      </m:r>
+                      <m:r>
+                        <a:rPr lang="fr-FR" sz="1100" b="0" i="1" smtClean="0">
+                          <a:latin typeface="Cambria Math" panose="02040503050406030204" pitchFamily="18" charset="0"/>
+                          <a:ea typeface="Cambria Math" panose="02040503050406030204" pitchFamily="18" charset="0"/>
+                        </a:rPr>
+                        <m:t>−</m:t>
+                      </m:r>
+                      <m:sSub>
+                        <m:sSubPr>
+                          <m:ctrlPr>
+                            <a:rPr lang="fr-FR" sz="1100" i="1">
+                              <a:latin typeface="Cambria Math" panose="02040503050406030204" pitchFamily="18" charset="0"/>
+                              <a:ea typeface="Cambria Math" panose="02040503050406030204" pitchFamily="18" charset="0"/>
+                            </a:rPr>
+                          </m:ctrlPr>
+                        </m:sSubPr>
+                        <m:e>
+                          <m:r>
+                            <a:rPr lang="fr-FR" sz="1100" i="1">
+                              <a:latin typeface="Cambria Math" panose="02040503050406030204" pitchFamily="18" charset="0"/>
+                              <a:ea typeface="Cambria Math" panose="02040503050406030204" pitchFamily="18" charset="0"/>
+                            </a:rPr>
+                            <m:t>𝐶</m:t>
+                          </m:r>
+                        </m:e>
+                        <m:sub>
+                          <m:r>
+                            <a:rPr lang="fr-FR" sz="1100" i="1">
+                              <a:latin typeface="Cambria Math" panose="02040503050406030204" pitchFamily="18" charset="0"/>
+                              <a:ea typeface="Cambria Math" panose="02040503050406030204" pitchFamily="18" charset="0"/>
+                            </a:rPr>
+                            <m:t>𝑓</m:t>
+                          </m:r>
+                        </m:sub>
+                      </m:sSub>
+                    </m:oMath>
+                  </a14:m>
+                  <a:endParaRPr lang="fr-FR" sz="1100" dirty="0"/>
+                </a:p>
+                <a:p>
+                  <a:pPr marL="171450" indent="-171450">
+                    <a:buFont typeface="Wingdings" panose="05000000000000000000" pitchFamily="2" charset="2"/>
+                    <a:buChar char="§"/>
+                  </a:pPr>
+                  <a:r>
+                    <a:rPr lang="fr-FR" sz="1100" dirty="0"/>
+                    <a:t>Protocole expérimental : </a:t>
+                  </a:r>
+                </a:p>
+                <a:p>
+                  <a:pPr marL="269875" lvl="1" indent="-171450">
+                    <a:buFont typeface="Wingdings" panose="05000000000000000000" pitchFamily="2" charset="2"/>
+                    <a:buChar char="§"/>
+                  </a:pPr>
+                  <a:r>
+                    <a:rPr lang="fr-FR" sz="1100" dirty="0"/>
+                    <a:t>Pour plusieurs vitesses (commande : asservissement de vitesse) on mesure le courant en régime permanent. </a:t>
+                  </a:r>
+                </a:p>
+                <a:p>
+                  <a:pPr marL="269875" lvl="1" indent="-171450">
+                    <a:buFont typeface="Wingdings" panose="05000000000000000000" pitchFamily="2" charset="2"/>
+                    <a:buChar char="§"/>
+                  </a:pPr>
+                  <a:r>
+                    <a:rPr lang="fr-FR" sz="1100" dirty="0"/>
+                    <a:t>A l’aide de la constante de couple on trace </a:t>
+                  </a:r>
+                  <a14:m>
+                    <m:oMath xmlns:m="http://schemas.openxmlformats.org/officeDocument/2006/math">
+                      <m:sSub>
+                        <m:sSubPr>
+                          <m:ctrlPr>
+                            <a:rPr lang="fr-FR" sz="1100" b="0" i="1" smtClean="0">
+                              <a:latin typeface="Cambria Math" panose="02040503050406030204" pitchFamily="18" charset="0"/>
+                            </a:rPr>
+                          </m:ctrlPr>
+                        </m:sSubPr>
+                        <m:e>
+                          <m:r>
+                            <a:rPr lang="fr-FR" sz="1100" b="0" i="1" smtClean="0">
+                              <a:latin typeface="Cambria Math" panose="02040503050406030204" pitchFamily="18" charset="0"/>
+                            </a:rPr>
+                            <m:t>𝐶</m:t>
+                          </m:r>
+                        </m:e>
+                        <m:sub>
+                          <m:r>
+                            <a:rPr lang="fr-FR" sz="1100" b="0" i="1" smtClean="0">
+                              <a:latin typeface="Cambria Math" panose="02040503050406030204" pitchFamily="18" charset="0"/>
+                            </a:rPr>
+                            <m:t>𝑓</m:t>
+                          </m:r>
+                        </m:sub>
+                      </m:sSub>
+                    </m:oMath>
+                  </a14:m>
+                  <a:r>
+                    <a:rPr lang="fr-FR" sz="1100" dirty="0"/>
+                    <a:t> en fonction de </a:t>
+                  </a:r>
+                  <a14:m>
+                    <m:oMath xmlns:m="http://schemas.openxmlformats.org/officeDocument/2006/math">
+                      <m:sSub>
+                        <m:sSubPr>
+                          <m:ctrlPr>
+                            <a:rPr lang="fr-FR" sz="1100" b="0" i="1" smtClean="0">
+                              <a:latin typeface="Cambria Math" panose="02040503050406030204" pitchFamily="18" charset="0"/>
+                            </a:rPr>
+                          </m:ctrlPr>
+                        </m:sSubPr>
+                        <m:e>
+                          <m:r>
+                            <a:rPr lang="fr-FR" sz="1100" b="0" i="1" smtClean="0">
+                              <a:latin typeface="Cambria Math" panose="02040503050406030204" pitchFamily="18" charset="0"/>
+                            </a:rPr>
+                            <m:t>𝜔</m:t>
+                          </m:r>
+                        </m:e>
+                        <m:sub>
+                          <m:r>
+                            <a:rPr lang="fr-FR" sz="1100" b="0" i="1" smtClean="0">
+                              <a:latin typeface="Cambria Math" panose="02040503050406030204" pitchFamily="18" charset="0"/>
+                            </a:rPr>
+                            <m:t>𝑚</m:t>
+                          </m:r>
+                        </m:sub>
+                      </m:sSub>
+                    </m:oMath>
+                  </a14:m>
+                  <a:endParaRPr lang="fr-FR" sz="1100" dirty="0"/>
+                </a:p>
+                <a:p>
+                  <a:pPr marL="269875" lvl="1" indent="-171450">
+                    <a:buFont typeface="Wingdings" panose="05000000000000000000" pitchFamily="2" charset="2"/>
+                    <a:buChar char="§"/>
+                  </a:pPr>
+                  <a:r>
+                    <a:rPr lang="fr-FR" sz="1100" dirty="0">
+                      <a:solidFill>
+                        <a:schemeClr val="accent1">
+                          <a:lumMod val="50000"/>
+                        </a:schemeClr>
+                      </a:solidFill>
+                    </a:rPr>
+                    <a:t>En fonction de l’allure de la courbe, on en déduit un modèle de frottement.</a:t>
+                  </a:r>
+                  <a:endParaRPr lang="fr-FR" sz="1100" dirty="0"/>
+                </a:p>
+              </p:txBody>
+            </p:sp>
+          </mc:Choice>
+          <mc:Fallback>
+            <p:sp>
+              <p:nvSpPr>
+                <p:cNvPr id="6" name="ZoneTexte 5">
+                  <a:extLst>
+                    <a:ext uri="{FF2B5EF4-FFF2-40B4-BE49-F238E27FC236}">
+                      <a16:creationId xmlns:a16="http://schemas.microsoft.com/office/drawing/2014/main" id="{5BAB31A8-A494-A862-CBEC-A6AC2F5E92AE}"/>
+                    </a:ext>
+                  </a:extLst>
+                </p:cNvPr>
+                <p:cNvSpPr txBox="1">
+                  <a:spLocks noRot="1" noChangeAspect="1" noMove="1" noResize="1" noEditPoints="1" noAdjustHandles="1" noChangeArrowheads="1" noChangeShapeType="1" noTextEdit="1"/>
+                </p:cNvSpPr>
+                <p:nvPr/>
+              </p:nvSpPr>
+              <p:spPr>
+                <a:xfrm>
+                  <a:off x="364065" y="5851500"/>
+                  <a:ext cx="6032166" cy="1467509"/>
+                </a:xfrm>
+                <a:prstGeom prst="rect">
+                  <a:avLst/>
+                </a:prstGeom>
+                <a:blipFill>
+                  <a:blip r:embed="rId16"/>
+                  <a:stretch>
+                    <a:fillRect l="-926" t="-1322" r="-720" b="-8370"/>
+                  </a:stretch>
+                </a:blipFill>
+              </p:spPr>
+              <p:txBody>
+                <a:bodyPr/>
+                <a:lstStyle/>
+                <a:p>
+                  <a:r>
+                    <a:rPr lang="fr-FR">
+                      <a:noFill/>
+                    </a:rPr>
+                    <a:t> </a:t>
+                  </a:r>
+                </a:p>
+              </p:txBody>
+            </p:sp>
+          </mc:Fallback>
+        </mc:AlternateContent>
+        <p:sp>
+          <p:nvSpPr>
+            <p:cNvPr id="7" name="Rectangle 6">
+              <a:extLst>
+                <a:ext uri="{FF2B5EF4-FFF2-40B4-BE49-F238E27FC236}">
+                  <a16:creationId xmlns:a16="http://schemas.microsoft.com/office/drawing/2014/main" id="{FB22E13D-161B-39F8-1356-C7272E51EA12}"/>
+                </a:ext>
+              </a:extLst>
+            </p:cNvPr>
+            <p:cNvSpPr/>
+            <p:nvPr/>
+          </p:nvSpPr>
+          <p:spPr>
+            <a:xfrm rot="16200000">
+              <a:off x="-1717917" y="7479002"/>
+              <a:ext cx="3859860" cy="270237"/>
+            </a:xfrm>
+            <a:prstGeom prst="rect">
+              <a:avLst/>
+            </a:prstGeom>
+            <a:solidFill>
+              <a:schemeClr val="accent1"/>
+            </a:solidFill>
+            <a:ln>
+              <a:solidFill>
+                <a:schemeClr val="accent1"/>
+              </a:solidFill>
+            </a:ln>
+          </p:spPr>
+          <p:style>
+            <a:lnRef idx="2">
+              <a:schemeClr val="accent1">
+                <a:shade val="15000"/>
+              </a:schemeClr>
+            </a:lnRef>
+            <a:fillRef idx="1">
+              <a:schemeClr val="accent1"/>
+            </a:fillRef>
+            <a:effectRef idx="0">
+              <a:schemeClr val="accent1"/>
+            </a:effectRef>
+            <a:fontRef idx="minor">
+              <a:schemeClr val="lt1"/>
+            </a:fontRef>
+          </p:style>
+          <p:txBody>
+            <a:bodyPr rtlCol="0" anchor="ctr"/>
+            <a:lstStyle/>
+            <a:p>
+              <a:pPr algn="ctr"/>
+              <a:r>
+                <a:rPr lang="fr-FR" sz="1400" b="1" dirty="0"/>
+                <a:t>Détermination du modèle de frottement</a:t>
+              </a:r>
+            </a:p>
+          </p:txBody>
+        </p:sp>
+        <p:sp>
+          <p:nvSpPr>
+            <p:cNvPr id="11" name="Rectangle 10">
+              <a:extLst>
+                <a:ext uri="{FF2B5EF4-FFF2-40B4-BE49-F238E27FC236}">
+                  <a16:creationId xmlns:a16="http://schemas.microsoft.com/office/drawing/2014/main" id="{3EA0DA5E-24F4-8AD6-B73B-D217A2F07510}"/>
+                </a:ext>
+              </a:extLst>
+            </p:cNvPr>
+            <p:cNvSpPr/>
+            <p:nvPr/>
+          </p:nvSpPr>
+          <p:spPr>
+            <a:xfrm>
+              <a:off x="347131" y="5684191"/>
+              <a:ext cx="6053670" cy="3859860"/>
+            </a:xfrm>
+            <a:prstGeom prst="rect">
+              <a:avLst/>
+            </a:prstGeom>
+            <a:noFill/>
+            <a:ln>
+              <a:solidFill>
+                <a:schemeClr val="accent1"/>
+              </a:solidFill>
+            </a:ln>
+          </p:spPr>
+          <p:style>
+            <a:lnRef idx="2">
+              <a:schemeClr val="accent1">
+                <a:shade val="15000"/>
+              </a:schemeClr>
+            </a:lnRef>
+            <a:fillRef idx="1">
+              <a:schemeClr val="accent1"/>
+            </a:fillRef>
+            <a:effectRef idx="0">
+              <a:schemeClr val="accent1"/>
+            </a:effectRef>
+            <a:fontRef idx="minor">
+              <a:schemeClr val="lt1"/>
+            </a:fontRef>
+          </p:style>
+          <p:txBody>
+            <a:bodyPr rtlCol="0" anchor="ctr"/>
+            <a:lstStyle/>
+            <a:p>
+              <a:pPr algn="ctr"/>
+              <a:endParaRPr lang="fr-FR"/>
+            </a:p>
+          </p:txBody>
+        </p:sp>
+      </p:grpSp>
+      <p:sp>
+        <p:nvSpPr>
+          <p:cNvPr id="12" name="Flèche : droite 11">
+            <a:extLst>
+              <a:ext uri="{FF2B5EF4-FFF2-40B4-BE49-F238E27FC236}">
+                <a16:creationId xmlns:a16="http://schemas.microsoft.com/office/drawing/2014/main" id="{C371C95E-ADFF-BBF1-8D6F-8302EA130210}"/>
+              </a:ext>
+            </a:extLst>
+          </p:cNvPr>
+          <p:cNvSpPr/>
+          <p:nvPr/>
+        </p:nvSpPr>
+        <p:spPr>
+          <a:xfrm>
+            <a:off x="10390061" y="4346060"/>
+            <a:ext cx="296334" cy="203200"/>
+          </a:xfrm>
+          <a:prstGeom prst="rightArrow">
+            <a:avLst/>
+          </a:prstGeom>
+          <a:solidFill>
+            <a:schemeClr val="accent2">
+              <a:lumMod val="20000"/>
+              <a:lumOff val="80000"/>
+            </a:schemeClr>
+          </a:solidFill>
+          <a:ln>
+            <a:solidFill>
+              <a:schemeClr val="accent2">
+                <a:lumMod val="50000"/>
+              </a:schemeClr>
+            </a:solidFill>
+          </a:ln>
+        </p:spPr>
+        <p:style>
+          <a:lnRef idx="2">
+            <a:schemeClr val="accent1">
+              <a:shade val="15000"/>
+            </a:schemeClr>
+          </a:lnRef>
+          <a:fillRef idx="1">
+            <a:schemeClr val="accent1"/>
+          </a:fillRef>
+          <a:effectRef idx="0">
+            <a:schemeClr val="accent1"/>
+          </a:effectRef>
+          <a:fontRef idx="minor">
+            <a:schemeClr val="lt1"/>
+          </a:fontRef>
+        </p:style>
+        <p:txBody>
+          <a:bodyPr rtlCol="0" anchor="ctr"/>
+          <a:lstStyle/>
+          <a:p>
+            <a:pPr algn="ctr"/>
+            <a:endParaRPr lang="fr-FR"/>
+          </a:p>
+        </p:txBody>
+      </p:sp>
+      <mc:AlternateContent xmlns:mc="http://schemas.openxmlformats.org/markup-compatibility/2006">
+        <mc:Choice xmlns:a14="http://schemas.microsoft.com/office/drawing/2010/main" Requires="a14">
+          <p:sp>
+            <p:nvSpPr>
+              <p:cNvPr id="14" name="ZoneTexte 13">
+                <a:extLst>
+                  <a:ext uri="{FF2B5EF4-FFF2-40B4-BE49-F238E27FC236}">
+                    <a16:creationId xmlns:a16="http://schemas.microsoft.com/office/drawing/2014/main" id="{924E87C9-DEFB-BD25-FAE8-49DE8E9FE324}"/>
+                  </a:ext>
+                </a:extLst>
+              </p:cNvPr>
+              <p:cNvSpPr txBox="1"/>
+              <p:nvPr/>
+            </p:nvSpPr>
+            <p:spPr>
+              <a:xfrm>
+                <a:off x="10744854" y="4117089"/>
+                <a:ext cx="1921280" cy="661143"/>
+              </a:xfrm>
+              <a:prstGeom prst="rect">
+                <a:avLst/>
+              </a:prstGeom>
+              <a:noFill/>
+            </p:spPr>
+            <p:txBody>
+              <a:bodyPr wrap="square" rtlCol="0">
+                <a:spAutoFit/>
+              </a:bodyPr>
+              <a:lstStyle/>
+              <a:p>
+                <a:r>
+                  <a:rPr lang="fr-FR" sz="1200" dirty="0">
+                    <a:solidFill>
+                      <a:srgbClr val="C00000"/>
+                    </a:solidFill>
+                  </a:rPr>
+                  <a:t>Choix : Couple de frottement contant.</a:t>
+                </a:r>
+              </a:p>
+              <a:p>
+                <a14:m>
+                  <m:oMath xmlns:m="http://schemas.openxmlformats.org/officeDocument/2006/math">
+                    <m:sSub>
+                      <m:sSubPr>
+                        <m:ctrlPr>
+                          <a:rPr lang="fr-FR" sz="1200" b="0" i="1" smtClean="0">
+                            <a:solidFill>
+                              <a:srgbClr val="C00000"/>
+                            </a:solidFill>
+                            <a:latin typeface="Cambria Math" panose="02040503050406030204" pitchFamily="18" charset="0"/>
+                          </a:rPr>
+                        </m:ctrlPr>
+                      </m:sSubPr>
+                      <m:e>
+                        <m:r>
+                          <a:rPr lang="fr-FR" sz="1200" b="0" i="1" smtClean="0">
+                            <a:solidFill>
+                              <a:srgbClr val="C00000"/>
+                            </a:solidFill>
+                            <a:latin typeface="Cambria Math" panose="02040503050406030204" pitchFamily="18" charset="0"/>
+                          </a:rPr>
+                          <m:t>𝐶</m:t>
+                        </m:r>
+                      </m:e>
+                      <m:sub>
+                        <m:r>
+                          <a:rPr lang="fr-FR" sz="1200" b="0" i="1" smtClean="0">
+                            <a:solidFill>
+                              <a:srgbClr val="C00000"/>
+                            </a:solidFill>
+                            <a:latin typeface="Cambria Math" panose="02040503050406030204" pitchFamily="18" charset="0"/>
+                          </a:rPr>
+                          <m:t>𝑓</m:t>
+                        </m:r>
+                      </m:sub>
+                    </m:sSub>
+                    <m:r>
+                      <a:rPr lang="fr-FR" sz="1200" b="0" i="1" smtClean="0">
+                        <a:solidFill>
+                          <a:srgbClr val="C00000"/>
+                        </a:solidFill>
+                        <a:latin typeface="Cambria Math" panose="02040503050406030204" pitchFamily="18" charset="0"/>
+                      </a:rPr>
+                      <m:t>=±</m:t>
+                    </m:r>
+                    <m:r>
+                      <a:rPr lang="fr-FR" sz="1200" b="0" i="1" smtClean="0">
+                        <a:solidFill>
+                          <a:srgbClr val="C00000"/>
+                        </a:solidFill>
+                        <a:latin typeface="Cambria Math" panose="02040503050406030204" pitchFamily="18" charset="0"/>
+                      </a:rPr>
+                      <m:t>0</m:t>
+                    </m:r>
+                    <m:r>
+                      <a:rPr lang="fr-FR" sz="1200" b="0" i="1" smtClean="0">
+                        <a:solidFill>
+                          <a:srgbClr val="C00000"/>
+                        </a:solidFill>
+                        <a:latin typeface="Cambria Math" panose="02040503050406030204" pitchFamily="18" charset="0"/>
+                      </a:rPr>
+                      <m:t>,</m:t>
+                    </m:r>
+                    <m:r>
+                      <a:rPr lang="fr-FR" sz="1200" b="0" i="1" smtClean="0">
+                        <a:solidFill>
+                          <a:srgbClr val="C00000"/>
+                        </a:solidFill>
+                        <a:latin typeface="Cambria Math" panose="02040503050406030204" pitchFamily="18" charset="0"/>
+                      </a:rPr>
+                      <m:t>0327</m:t>
+                    </m:r>
+                    <m:r>
+                      <a:rPr lang="fr-FR" sz="1200" b="0" i="0" smtClean="0">
+                        <a:solidFill>
+                          <a:srgbClr val="C00000"/>
+                        </a:solidFill>
+                        <a:latin typeface="Cambria Math" panose="02040503050406030204" pitchFamily="18" charset="0"/>
+                      </a:rPr>
+                      <m:t> </m:t>
+                    </m:r>
+                    <m:r>
+                      <m:rPr>
+                        <m:sty m:val="p"/>
+                      </m:rPr>
+                      <a:rPr lang="fr-FR" sz="1200" b="0" i="0" smtClean="0">
+                        <a:solidFill>
+                          <a:srgbClr val="C00000"/>
+                        </a:solidFill>
+                        <a:latin typeface="Cambria Math" panose="02040503050406030204" pitchFamily="18" charset="0"/>
+                      </a:rPr>
+                      <m:t>Nm</m:t>
+                    </m:r>
+                  </m:oMath>
+                </a14:m>
+                <a:r>
+                  <a:rPr lang="fr-FR" sz="1200" dirty="0">
+                    <a:solidFill>
+                      <a:srgbClr val="C00000"/>
+                    </a:solidFill>
+                  </a:rPr>
+                  <a:t> </a:t>
+                </a:r>
+              </a:p>
+            </p:txBody>
+          </p:sp>
+        </mc:Choice>
+        <mc:Fallback>
+          <p:sp>
+            <p:nvSpPr>
+              <p:cNvPr id="14" name="ZoneTexte 13">
+                <a:extLst>
+                  <a:ext uri="{FF2B5EF4-FFF2-40B4-BE49-F238E27FC236}">
+                    <a16:creationId xmlns:a16="http://schemas.microsoft.com/office/drawing/2014/main" id="{924E87C9-DEFB-BD25-FAE8-49DE8E9FE324}"/>
+                  </a:ext>
+                </a:extLst>
+              </p:cNvPr>
+              <p:cNvSpPr txBox="1">
+                <a:spLocks noRot="1" noChangeAspect="1" noMove="1" noResize="1" noEditPoints="1" noAdjustHandles="1" noChangeArrowheads="1" noChangeShapeType="1" noTextEdit="1"/>
+              </p:cNvSpPr>
+              <p:nvPr/>
+            </p:nvSpPr>
+            <p:spPr>
+              <a:xfrm>
+                <a:off x="10744854" y="4117089"/>
+                <a:ext cx="1921280" cy="661143"/>
+              </a:xfrm>
+              <a:prstGeom prst="rect">
+                <a:avLst/>
+              </a:prstGeom>
+              <a:blipFill>
+                <a:blip r:embed="rId17"/>
+                <a:stretch>
+                  <a:fillRect l="-317"/>
+                </a:stretch>
+              </a:blipFill>
+            </p:spPr>
+            <p:txBody>
+              <a:bodyPr/>
+              <a:lstStyle/>
+              <a:p>
+                <a:r>
+                  <a:rPr lang="fr-FR">
+                    <a:noFill/>
+                  </a:rPr>
+                  <a:t> </a:t>
+                </a:r>
+              </a:p>
+            </p:txBody>
+          </p:sp>
+        </mc:Fallback>
+      </mc:AlternateContent>
+      <p:grpSp>
+        <p:nvGrpSpPr>
+          <p:cNvPr id="23" name="Groupe 22">
+            <a:extLst>
+              <a:ext uri="{FF2B5EF4-FFF2-40B4-BE49-F238E27FC236}">
+                <a16:creationId xmlns:a16="http://schemas.microsoft.com/office/drawing/2014/main" id="{A7C41BEC-E64C-6141-146E-5F2DDBE79825}"/>
+              </a:ext>
+            </a:extLst>
+          </p:cNvPr>
+          <p:cNvGrpSpPr/>
+          <p:nvPr/>
+        </p:nvGrpSpPr>
+        <p:grpSpPr>
+          <a:xfrm>
+            <a:off x="6517644" y="5679295"/>
+            <a:ext cx="6323907" cy="3859860"/>
+            <a:chOff x="76894" y="5684191"/>
+            <a:chExt cx="6323907" cy="3859860"/>
+          </a:xfrm>
+        </p:grpSpPr>
+        <mc:AlternateContent xmlns:mc="http://schemas.openxmlformats.org/markup-compatibility/2006">
+          <mc:Choice xmlns:a14="http://schemas.microsoft.com/office/drawing/2010/main" Requires="a14">
+            <p:sp>
+              <p:nvSpPr>
+                <p:cNvPr id="24" name="ZoneTexte 23">
+                  <a:extLst>
+                    <a:ext uri="{FF2B5EF4-FFF2-40B4-BE49-F238E27FC236}">
+                      <a16:creationId xmlns:a16="http://schemas.microsoft.com/office/drawing/2014/main" id="{4B97BFCE-F04D-FB7C-D735-E8ADA94306FA}"/>
+                    </a:ext>
+                  </a:extLst>
+                </p:cNvPr>
+                <p:cNvSpPr txBox="1"/>
+                <p:nvPr/>
+              </p:nvSpPr>
+              <p:spPr>
+                <a:xfrm>
+                  <a:off x="364065" y="5743550"/>
+                  <a:ext cx="5835916" cy="1088366"/>
+                </a:xfrm>
+                <a:prstGeom prst="rect">
+                  <a:avLst/>
+                </a:prstGeom>
+                <a:noFill/>
+              </p:spPr>
+              <p:txBody>
+                <a:bodyPr wrap="square" lIns="36000" tIns="36000" rIns="36000" bIns="36000">
+                  <a:spAutoFit/>
+                </a:bodyPr>
+                <a:lstStyle/>
+                <a:p>
+                  <a:r>
+                    <a:rPr lang="fr-FR" sz="1100" b="1" dirty="0">
+                      <a:solidFill>
+                        <a:schemeClr val="accent1">
+                          <a:lumMod val="50000"/>
+                        </a:schemeClr>
+                      </a:solidFill>
+                    </a:rPr>
+                    <a:t>Tracer d’un profil de vitesse </a:t>
+                  </a:r>
+                </a:p>
+                <a:p>
+                  <a:pPr marL="171450" indent="-171450">
+                    <a:buFont typeface="Wingdings" panose="05000000000000000000" pitchFamily="2" charset="2"/>
+                    <a:buChar char="q"/>
+                  </a:pPr>
+                  <a:r>
+                    <a:rPr lang="fr-FR" sz="1100" b="1" dirty="0">
+                      <a:solidFill>
+                        <a:schemeClr val="accent1">
+                          <a:lumMod val="50000"/>
+                        </a:schemeClr>
+                      </a:solidFill>
+                    </a:rPr>
+                    <a:t>Sens : Montée</a:t>
+                  </a:r>
+                </a:p>
+                <a:p>
+                  <a:pPr marL="171450" indent="-171450">
+                    <a:buFont typeface="Wingdings" panose="05000000000000000000" pitchFamily="2" charset="2"/>
+                    <a:buChar char="q"/>
+                  </a:pPr>
+                  <a:r>
+                    <a:rPr lang="fr-FR" sz="1100" b="1" dirty="0">
+                      <a:solidFill>
+                        <a:schemeClr val="accent1">
+                          <a:lumMod val="50000"/>
+                        </a:schemeClr>
+                      </a:solidFill>
+                    </a:rPr>
+                    <a:t>Masses supplémentaires : 3 kg</a:t>
+                  </a:r>
+                </a:p>
+                <a:p>
+                  <a:pPr marL="171450" indent="-171450">
+                    <a:buFont typeface="Wingdings" panose="05000000000000000000" pitchFamily="2" charset="2"/>
+                    <a:buChar char="q"/>
+                  </a:pPr>
+                  <a:r>
+                    <a:rPr lang="fr-FR" sz="1100" b="1" dirty="0">
+                      <a:solidFill>
+                        <a:schemeClr val="accent1">
+                          <a:lumMod val="50000"/>
+                        </a:schemeClr>
+                      </a:solidFill>
+                    </a:rPr>
+                    <a:t>Distance : 300 mm</a:t>
+                  </a:r>
+                </a:p>
+                <a:p>
+                  <a:pPr marL="171450" indent="-171450">
+                    <a:buFont typeface="Wingdings" panose="05000000000000000000" pitchFamily="2" charset="2"/>
+                    <a:buChar char="q"/>
+                  </a:pPr>
+                  <a:r>
+                    <a:rPr lang="fr-FR" sz="1100" b="1" dirty="0">
+                      <a:solidFill>
+                        <a:schemeClr val="accent1">
+                          <a:lumMod val="50000"/>
+                        </a:schemeClr>
+                      </a:solidFill>
+                    </a:rPr>
+                    <a:t>Vitesse moteur : </a:t>
+                  </a:r>
+                  <a14:m>
+                    <m:oMath xmlns:m="http://schemas.openxmlformats.org/officeDocument/2006/math">
+                      <m:r>
+                        <a:rPr lang="fr-FR" sz="1100" b="1" i="1" smtClean="0">
+                          <a:solidFill>
+                            <a:schemeClr val="accent1">
+                              <a:lumMod val="50000"/>
+                            </a:schemeClr>
+                          </a:solidFill>
+                          <a:latin typeface="Cambria Math" panose="02040503050406030204" pitchFamily="18" charset="0"/>
+                        </a:rPr>
+                        <m:t>𝟑𝟎𝟎𝟎</m:t>
+                      </m:r>
+                      <m:r>
+                        <a:rPr lang="fr-FR" sz="1100" b="1" i="1" smtClean="0">
+                          <a:solidFill>
+                            <a:schemeClr val="accent1">
+                              <a:lumMod val="50000"/>
+                            </a:schemeClr>
+                          </a:solidFill>
+                          <a:latin typeface="Cambria Math" panose="02040503050406030204" pitchFamily="18" charset="0"/>
+                        </a:rPr>
+                        <m:t> </m:t>
+                      </m:r>
+                      <m:r>
+                        <a:rPr lang="fr-FR" sz="1100" b="1" i="0" smtClean="0">
+                          <a:solidFill>
+                            <a:schemeClr val="accent1">
+                              <a:lumMod val="50000"/>
+                            </a:schemeClr>
+                          </a:solidFill>
+                          <a:latin typeface="Cambria Math" panose="02040503050406030204" pitchFamily="18" charset="0"/>
+                        </a:rPr>
+                        <m:t>𝐭𝐫</m:t>
+                      </m:r>
+                      <m:r>
+                        <m:rPr>
+                          <m:lit/>
+                        </m:rPr>
+                        <a:rPr lang="fr-FR" sz="1100" b="1" i="0" smtClean="0">
+                          <a:solidFill>
+                            <a:schemeClr val="accent1">
+                              <a:lumMod val="50000"/>
+                            </a:schemeClr>
+                          </a:solidFill>
+                          <a:latin typeface="Cambria Math" panose="02040503050406030204" pitchFamily="18" charset="0"/>
+                        </a:rPr>
+                        <m:t>/</m:t>
+                      </m:r>
+                      <m:r>
+                        <a:rPr lang="fr-FR" sz="1100" b="1" i="0" smtClean="0">
+                          <a:solidFill>
+                            <a:schemeClr val="accent1">
+                              <a:lumMod val="50000"/>
+                            </a:schemeClr>
+                          </a:solidFill>
+                          <a:latin typeface="Cambria Math" panose="02040503050406030204" pitchFamily="18" charset="0"/>
+                        </a:rPr>
+                        <m:t>𝐦𝐢𝐧</m:t>
+                      </m:r>
+                    </m:oMath>
+                  </a14:m>
+                  <a:endParaRPr lang="fr-FR" sz="1100" b="1" dirty="0">
+                    <a:solidFill>
+                      <a:schemeClr val="accent1">
+                        <a:lumMod val="50000"/>
+                      </a:schemeClr>
+                    </a:solidFill>
+                  </a:endParaRPr>
+                </a:p>
+                <a:p>
+                  <a:pPr marL="171450" indent="-171450">
+                    <a:buFont typeface="Wingdings" panose="05000000000000000000" pitchFamily="2" charset="2"/>
+                    <a:buChar char="q"/>
+                  </a:pPr>
+                  <a:r>
+                    <a:rPr lang="fr-FR" sz="1100" b="1" dirty="0">
+                      <a:solidFill>
+                        <a:schemeClr val="accent1">
+                          <a:lumMod val="50000"/>
+                        </a:schemeClr>
+                      </a:solidFill>
+                    </a:rPr>
+                    <a:t>Accélération moteur :  </a:t>
+                  </a:r>
+                </a:p>
+              </p:txBody>
+            </p:sp>
+          </mc:Choice>
+          <mc:Fallback>
+            <p:sp>
+              <p:nvSpPr>
+                <p:cNvPr id="24" name="ZoneTexte 23">
+                  <a:extLst>
+                    <a:ext uri="{FF2B5EF4-FFF2-40B4-BE49-F238E27FC236}">
+                      <a16:creationId xmlns:a16="http://schemas.microsoft.com/office/drawing/2014/main" id="{4B97BFCE-F04D-FB7C-D735-E8ADA94306FA}"/>
+                    </a:ext>
+                  </a:extLst>
+                </p:cNvPr>
+                <p:cNvSpPr txBox="1">
+                  <a:spLocks noRot="1" noChangeAspect="1" noMove="1" noResize="1" noEditPoints="1" noAdjustHandles="1" noChangeArrowheads="1" noChangeShapeType="1" noTextEdit="1"/>
+                </p:cNvSpPr>
+                <p:nvPr/>
+              </p:nvSpPr>
+              <p:spPr>
+                <a:xfrm>
+                  <a:off x="364065" y="5743550"/>
+                  <a:ext cx="5835916" cy="1088366"/>
+                </a:xfrm>
+                <a:prstGeom prst="rect">
+                  <a:avLst/>
+                </a:prstGeom>
+                <a:blipFill>
+                  <a:blip r:embed="rId18"/>
+                  <a:stretch>
+                    <a:fillRect l="-835" t="-1117" b="-3911"/>
+                  </a:stretch>
+                </a:blipFill>
+              </p:spPr>
+              <p:txBody>
+                <a:bodyPr/>
+                <a:lstStyle/>
+                <a:p>
+                  <a:r>
+                    <a:rPr lang="fr-FR">
+                      <a:noFill/>
+                    </a:rPr>
+                    <a:t> </a:t>
+                  </a:r>
+                </a:p>
+              </p:txBody>
+            </p:sp>
+          </mc:Fallback>
+        </mc:AlternateContent>
+        <p:sp>
+          <p:nvSpPr>
+            <p:cNvPr id="25" name="Rectangle 24">
+              <a:extLst>
+                <a:ext uri="{FF2B5EF4-FFF2-40B4-BE49-F238E27FC236}">
+                  <a16:creationId xmlns:a16="http://schemas.microsoft.com/office/drawing/2014/main" id="{F3553133-822E-CD3B-F595-B093D2D4B17D}"/>
+                </a:ext>
+              </a:extLst>
+            </p:cNvPr>
+            <p:cNvSpPr/>
+            <p:nvPr/>
+          </p:nvSpPr>
+          <p:spPr>
+            <a:xfrm rot="16200000">
+              <a:off x="-1717917" y="7479002"/>
+              <a:ext cx="3859860" cy="270237"/>
+            </a:xfrm>
+            <a:prstGeom prst="rect">
+              <a:avLst/>
+            </a:prstGeom>
+            <a:solidFill>
+              <a:schemeClr val="accent1"/>
+            </a:solidFill>
+            <a:ln>
+              <a:solidFill>
+                <a:schemeClr val="accent1"/>
+              </a:solidFill>
+            </a:ln>
+          </p:spPr>
+          <p:style>
+            <a:lnRef idx="2">
+              <a:schemeClr val="accent1">
+                <a:shade val="15000"/>
+              </a:schemeClr>
+            </a:lnRef>
+            <a:fillRef idx="1">
+              <a:schemeClr val="accent1"/>
+            </a:fillRef>
+            <a:effectRef idx="0">
+              <a:schemeClr val="accent1"/>
+            </a:effectRef>
+            <a:fontRef idx="minor">
+              <a:schemeClr val="lt1"/>
+            </a:fontRef>
+          </p:style>
+          <p:txBody>
+            <a:bodyPr rtlCol="0" anchor="ctr"/>
+            <a:lstStyle/>
+            <a:p>
+              <a:pPr algn="ctr"/>
+              <a:r>
+                <a:rPr lang="fr-FR" sz="1400" b="1" dirty="0"/>
+                <a:t>Validation du choix du moteur</a:t>
+              </a:r>
+            </a:p>
+          </p:txBody>
+        </p:sp>
+        <p:sp>
+          <p:nvSpPr>
+            <p:cNvPr id="27" name="Rectangle 26">
+              <a:extLst>
+                <a:ext uri="{FF2B5EF4-FFF2-40B4-BE49-F238E27FC236}">
+                  <a16:creationId xmlns:a16="http://schemas.microsoft.com/office/drawing/2014/main" id="{B7556252-70BE-A442-0454-0449B2D319A5}"/>
+                </a:ext>
+              </a:extLst>
+            </p:cNvPr>
+            <p:cNvSpPr/>
+            <p:nvPr/>
+          </p:nvSpPr>
+          <p:spPr>
+            <a:xfrm>
+              <a:off x="347131" y="5684191"/>
+              <a:ext cx="6053670" cy="3859859"/>
+            </a:xfrm>
+            <a:prstGeom prst="rect">
+              <a:avLst/>
+            </a:prstGeom>
+            <a:noFill/>
+            <a:ln>
+              <a:solidFill>
+                <a:schemeClr val="accent1"/>
+              </a:solidFill>
+            </a:ln>
+          </p:spPr>
+          <p:style>
+            <a:lnRef idx="2">
+              <a:schemeClr val="accent1">
+                <a:shade val="15000"/>
+              </a:schemeClr>
+            </a:lnRef>
+            <a:fillRef idx="1">
+              <a:schemeClr val="accent1"/>
+            </a:fillRef>
+            <a:effectRef idx="0">
+              <a:schemeClr val="accent1"/>
+            </a:effectRef>
+            <a:fontRef idx="minor">
+              <a:schemeClr val="lt1"/>
+            </a:fontRef>
+          </p:style>
+          <p:txBody>
+            <a:bodyPr rtlCol="0" anchor="ctr"/>
+            <a:lstStyle/>
+            <a:p>
+              <a:pPr algn="ctr"/>
+              <a:endParaRPr lang="fr-FR"/>
+            </a:p>
+          </p:txBody>
+        </p:sp>
+      </p:grpSp>
+      <p:sp>
+        <p:nvSpPr>
+          <p:cNvPr id="28" name="Flèche : droite 27">
+            <a:extLst>
+              <a:ext uri="{FF2B5EF4-FFF2-40B4-BE49-F238E27FC236}">
+                <a16:creationId xmlns:a16="http://schemas.microsoft.com/office/drawing/2014/main" id="{D9C973BB-9243-A8B0-8C4D-CA4AECF13DC3}"/>
+              </a:ext>
+            </a:extLst>
+          </p:cNvPr>
+          <p:cNvSpPr/>
+          <p:nvPr/>
+        </p:nvSpPr>
+        <p:spPr>
+          <a:xfrm>
+            <a:off x="8594588" y="8798770"/>
+            <a:ext cx="296334" cy="203200"/>
+          </a:xfrm>
+          <a:prstGeom prst="rightArrow">
+            <a:avLst/>
+          </a:prstGeom>
+          <a:solidFill>
+            <a:schemeClr val="accent2">
+              <a:lumMod val="20000"/>
+              <a:lumOff val="80000"/>
+            </a:schemeClr>
+          </a:solidFill>
+          <a:ln>
+            <a:solidFill>
+              <a:schemeClr val="accent2">
+                <a:lumMod val="50000"/>
+              </a:schemeClr>
+            </a:solidFill>
+          </a:ln>
+        </p:spPr>
+        <p:style>
+          <a:lnRef idx="2">
+            <a:schemeClr val="accent1">
+              <a:shade val="15000"/>
+            </a:schemeClr>
+          </a:lnRef>
+          <a:fillRef idx="1">
+            <a:schemeClr val="accent1"/>
+          </a:fillRef>
+          <a:effectRef idx="0">
+            <a:schemeClr val="accent1"/>
+          </a:effectRef>
+          <a:fontRef idx="minor">
+            <a:schemeClr val="lt1"/>
+          </a:fontRef>
+        </p:style>
+        <p:txBody>
+          <a:bodyPr rtlCol="0" anchor="ctr"/>
+          <a:lstStyle/>
+          <a:p>
+            <a:pPr algn="ctr"/>
+            <a:endParaRPr lang="fr-FR"/>
+          </a:p>
+        </p:txBody>
+      </p:sp>
+      <p:sp>
+        <p:nvSpPr>
+          <p:cNvPr id="29" name="ZoneTexte 28">
+            <a:extLst>
+              <a:ext uri="{FF2B5EF4-FFF2-40B4-BE49-F238E27FC236}">
+                <a16:creationId xmlns:a16="http://schemas.microsoft.com/office/drawing/2014/main" id="{1FDB425A-D7BA-DFDB-EBD2-4F500C0FB1E8}"/>
+              </a:ext>
+            </a:extLst>
+          </p:cNvPr>
+          <p:cNvSpPr txBox="1"/>
+          <p:nvPr/>
+        </p:nvSpPr>
+        <p:spPr>
+          <a:xfrm>
+            <a:off x="8927864" y="8303223"/>
+            <a:ext cx="3633979" cy="1200329"/>
+          </a:xfrm>
+          <a:prstGeom prst="rect">
+            <a:avLst/>
+          </a:prstGeom>
+          <a:noFill/>
+        </p:spPr>
+        <p:txBody>
+          <a:bodyPr wrap="square" rtlCol="0">
+            <a:spAutoFit/>
+          </a:bodyPr>
+          <a:lstStyle/>
+          <a:p>
+            <a:pPr marL="171450" indent="-171450">
+              <a:buFont typeface="Wingdings" panose="05000000000000000000" pitchFamily="2" charset="2"/>
+              <a:buChar char="q"/>
+            </a:pPr>
+            <a:r>
+              <a:rPr lang="fr-FR" sz="900" dirty="0">
+                <a:solidFill>
+                  <a:srgbClr val="C00000"/>
+                </a:solidFill>
+              </a:rPr>
+              <a:t>Puissance maximale en régime transitoire</a:t>
+            </a:r>
+          </a:p>
+          <a:p>
+            <a:pPr marL="628650" lvl="1" indent="-171450">
+              <a:buFont typeface="Wingdings" panose="05000000000000000000" pitchFamily="2" charset="2"/>
+              <a:buChar char="q"/>
+            </a:pPr>
+            <a:r>
+              <a:rPr lang="fr-FR" sz="900" dirty="0">
+                <a:solidFill>
+                  <a:srgbClr val="C00000"/>
+                </a:solidFill>
+              </a:rPr>
+              <a:t>Expérimental : </a:t>
+            </a:r>
+            <a:r>
+              <a:rPr lang="fr-FR" sz="800" dirty="0">
+                <a:solidFill>
+                  <a:srgbClr val="C00000"/>
+                </a:solidFill>
+              </a:rPr>
+              <a:t>40</a:t>
+            </a:r>
+            <a:r>
+              <a:rPr lang="fr-FR" sz="900" dirty="0">
+                <a:solidFill>
+                  <a:srgbClr val="C00000"/>
+                </a:solidFill>
+              </a:rPr>
+              <a:t> W,</a:t>
+            </a:r>
+          </a:p>
+          <a:p>
+            <a:pPr marL="628650" lvl="1" indent="-171450">
+              <a:buFont typeface="Wingdings" panose="05000000000000000000" pitchFamily="2" charset="2"/>
+              <a:buChar char="q"/>
+            </a:pPr>
+            <a:r>
+              <a:rPr lang="fr-FR" sz="900" dirty="0">
+                <a:solidFill>
+                  <a:srgbClr val="C00000"/>
+                </a:solidFill>
+              </a:rPr>
+              <a:t>Simulation 52 W</a:t>
+            </a:r>
+          </a:p>
+          <a:p>
+            <a:pPr marL="628650" lvl="1" indent="-171450">
+              <a:buFont typeface="Wingdings" panose="05000000000000000000" pitchFamily="2" charset="2"/>
+              <a:buChar char="q"/>
+            </a:pPr>
+            <a:r>
+              <a:rPr lang="fr-FR" sz="900" dirty="0">
+                <a:solidFill>
+                  <a:srgbClr val="C00000"/>
+                </a:solidFill>
+              </a:rPr>
+              <a:t>Moteur : 150 W</a:t>
+            </a:r>
+          </a:p>
+          <a:p>
+            <a:pPr marL="171450" indent="-171450">
+              <a:buFont typeface="Wingdings" panose="05000000000000000000" pitchFamily="2" charset="2"/>
+              <a:buChar char="q"/>
+            </a:pPr>
+            <a:r>
+              <a:rPr lang="fr-FR" sz="900" dirty="0">
+                <a:solidFill>
+                  <a:srgbClr val="C00000"/>
+                </a:solidFill>
+              </a:rPr>
+              <a:t>Puissance maximale en régime permanent</a:t>
+            </a:r>
+          </a:p>
+          <a:p>
+            <a:pPr marL="628650" lvl="1" indent="-171450">
+              <a:buFont typeface="Wingdings" panose="05000000000000000000" pitchFamily="2" charset="2"/>
+              <a:buChar char="q"/>
+            </a:pPr>
+            <a:r>
+              <a:rPr lang="fr-FR" sz="900" dirty="0">
+                <a:solidFill>
+                  <a:srgbClr val="C00000"/>
+                </a:solidFill>
+              </a:rPr>
+              <a:t>Expérimental : 40 W,</a:t>
+            </a:r>
+          </a:p>
+          <a:p>
+            <a:pPr marL="628650" lvl="1" indent="-171450">
+              <a:buFont typeface="Wingdings" panose="05000000000000000000" pitchFamily="2" charset="2"/>
+              <a:buChar char="q"/>
+            </a:pPr>
+            <a:r>
+              <a:rPr lang="fr-FR" sz="900" dirty="0">
+                <a:solidFill>
+                  <a:srgbClr val="C00000"/>
+                </a:solidFill>
+              </a:rPr>
+              <a:t>Simulation 40 W</a:t>
+            </a:r>
+          </a:p>
+          <a:p>
+            <a:pPr marL="628650" lvl="1" indent="-171450">
+              <a:buFont typeface="Wingdings" panose="05000000000000000000" pitchFamily="2" charset="2"/>
+              <a:buChar char="q"/>
+            </a:pPr>
+            <a:r>
+              <a:rPr lang="fr-FR" sz="900" dirty="0">
+                <a:solidFill>
+                  <a:srgbClr val="C00000"/>
+                </a:solidFill>
+              </a:rPr>
+              <a:t>Moteur : dans la zone de fonctionnement</a:t>
+            </a:r>
           </a:p>
         </p:txBody>
       </p:sp>
@@ -8447,4 +11103,319 @@
     </a:ext>
   </a:extLst>
 </a:theme>
+</file>
+
+<file path=ppt/theme/theme2.xml><?xml version="1.0" encoding="utf-8"?>
+<a:theme xmlns:a="http://schemas.openxmlformats.org/drawingml/2006/main" name="Thème Office">
+  <a:themeElements>
+    <a:clrScheme name="Office">
+      <a:dk1>
+        <a:sysClr val="windowText" lastClr="000000"/>
+      </a:dk1>
+      <a:lt1>
+        <a:sysClr val="window" lastClr="FFFFFF"/>
+      </a:lt1>
+      <a:dk2>
+        <a:srgbClr val="0E2841"/>
+      </a:dk2>
+      <a:lt2>
+        <a:srgbClr val="E8E8E8"/>
+      </a:lt2>
+      <a:accent1>
+        <a:srgbClr val="156082"/>
+      </a:accent1>
+      <a:accent2>
+        <a:srgbClr val="E97132"/>
+      </a:accent2>
+      <a:accent3>
+        <a:srgbClr val="196B24"/>
+      </a:accent3>
+      <a:accent4>
+        <a:srgbClr val="0F9ED5"/>
+      </a:accent4>
+      <a:accent5>
+        <a:srgbClr val="A02B93"/>
+      </a:accent5>
+      <a:accent6>
+        <a:srgbClr val="4EA72E"/>
+      </a:accent6>
+      <a:hlink>
+        <a:srgbClr val="467886"/>
+      </a:hlink>
+      <a:folHlink>
+        <a:srgbClr val="96607D"/>
+      </a:folHlink>
+    </a:clrScheme>
+    <a:fontScheme name="Office">
+      <a:majorFont>
+        <a:latin typeface="Aptos Display" panose="02110004020202020204"/>
+        <a:ea typeface=""/>
+        <a:cs typeface=""/>
+        <a:font script="Jpan" typeface="游ゴシック Light"/>
+        <a:font script="Hang" typeface="맑은 고딕"/>
+        <a:font script="Hans" typeface="等线 Light"/>
+        <a:font script="Hant" typeface="新細明體"/>
+        <a:font script="Arab" typeface="Times New Roman"/>
+        <a:font script="Hebr" typeface="Times New Roman"/>
+        <a:font script="Thai" typeface="Angsana New"/>
+        <a:font script="Ethi" typeface="Nyala"/>
+        <a:font script="Beng" typeface="Vrinda"/>
+        <a:font script="Gujr" typeface="Shruti"/>
+        <a:font script="Khmr" typeface="MoolBoran"/>
+        <a:font script="Knda" typeface="Tunga"/>
+        <a:font script="Guru" typeface="Raavi"/>
+        <a:font script="Cans" typeface="Euphemia"/>
+        <a:font script="Cher" typeface="Plantagenet Cherokee"/>
+        <a:font script="Yiii" typeface="Microsoft Yi Baiti"/>
+        <a:font script="Tibt" typeface="Microsoft Himalaya"/>
+        <a:font script="Thaa" typeface="MV Boli"/>
+        <a:font script="Deva" typeface="Mangal"/>
+        <a:font script="Telu" typeface="Gautami"/>
+        <a:font script="Taml" typeface="Latha"/>
+        <a:font script="Syrc" typeface="Estrangelo Edessa"/>
+        <a:font script="Orya" typeface="Kalinga"/>
+        <a:font script="Mlym" typeface="Kartika"/>
+        <a:font script="Laoo" typeface="DokChampa"/>
+        <a:font script="Sinh" typeface="Iskoola Pota"/>
+        <a:font script="Mong" typeface="Mongolian Baiti"/>
+        <a:font script="Viet" typeface="Times New Roman"/>
+        <a:font script="Uigh" typeface="Microsoft Uighur"/>
+        <a:font script="Geor" typeface="Sylfaen"/>
+        <a:font script="Armn" typeface="Arial"/>
+        <a:font script="Bugi" typeface="Leelawadee UI"/>
+        <a:font script="Bopo" typeface="Microsoft JhengHei"/>
+        <a:font script="Java" typeface="Javanese Text"/>
+        <a:font script="Lisu" typeface="Segoe UI"/>
+        <a:font script="Mymr" typeface="Myanmar Text"/>
+        <a:font script="Nkoo" typeface="Ebrima"/>
+        <a:font script="Olck" typeface="Nirmala UI"/>
+        <a:font script="Osma" typeface="Ebrima"/>
+        <a:font script="Phag" typeface="Phagspa"/>
+        <a:font script="Syrn" typeface="Estrangelo Edessa"/>
+        <a:font script="Syrj" typeface="Estrangelo Edessa"/>
+        <a:font script="Syre" typeface="Estrangelo Edessa"/>
+        <a:font script="Sora" typeface="Nirmala UI"/>
+        <a:font script="Tale" typeface="Microsoft Tai Le"/>
+        <a:font script="Talu" typeface="Microsoft New Tai Lue"/>
+        <a:font script="Tfng" typeface="Ebrima"/>
+      </a:majorFont>
+      <a:minorFont>
+        <a:latin typeface="Aptos" panose="02110004020202020204"/>
+        <a:ea typeface=""/>
+        <a:cs typeface=""/>
+        <a:font script="Jpan" typeface="游ゴシック"/>
+        <a:font script="Hang" typeface="맑은 고딕"/>
+        <a:font script="Hans" typeface="等线"/>
+        <a:font script="Hant" typeface="新細明體"/>
+        <a:font script="Arab" typeface="Arial"/>
+        <a:font script="Hebr" typeface="Arial"/>
+        <a:font script="Thai" typeface="Cordia New"/>
+        <a:font script="Ethi" typeface="Nyala"/>
+        <a:font script="Beng" typeface="Vrinda"/>
+        <a:font script="Gujr" typeface="Shruti"/>
+        <a:font script="Khmr" typeface="DaunPenh"/>
+        <a:font script="Knda" typeface="Tunga"/>
+        <a:font script="Guru" typeface="Raavi"/>
+        <a:font script="Cans" typeface="Euphemia"/>
+        <a:font script="Cher" typeface="Plantagenet Cherokee"/>
+        <a:font script="Yiii" typeface="Microsoft Yi Baiti"/>
+        <a:font script="Tibt" typeface="Microsoft Himalaya"/>
+        <a:font script="Thaa" typeface="MV Boli"/>
+        <a:font script="Deva" typeface="Mangal"/>
+        <a:font script="Telu" typeface="Gautami"/>
+        <a:font script="Taml" typeface="Latha"/>
+        <a:font script="Syrc" typeface="Estrangelo Edessa"/>
+        <a:font script="Orya" typeface="Kalinga"/>
+        <a:font script="Mlym" typeface="Kartika"/>
+        <a:font script="Laoo" typeface="DokChampa"/>
+        <a:font script="Sinh" typeface="Iskoola Pota"/>
+        <a:font script="Mong" typeface="Mongolian Baiti"/>
+        <a:font script="Viet" typeface="Arial"/>
+        <a:font script="Uigh" typeface="Microsoft Uighur"/>
+        <a:font script="Geor" typeface="Sylfaen"/>
+        <a:font script="Armn" typeface="Arial"/>
+        <a:font script="Bugi" typeface="Leelawadee UI"/>
+        <a:font script="Bopo" typeface="Microsoft JhengHei"/>
+        <a:font script="Java" typeface="Javanese Text"/>
+        <a:font script="Lisu" typeface="Segoe UI"/>
+        <a:font script="Mymr" typeface="Myanmar Text"/>
+        <a:font script="Nkoo" typeface="Ebrima"/>
+        <a:font script="Olck" typeface="Nirmala UI"/>
+        <a:font script="Osma" typeface="Ebrima"/>
+        <a:font script="Phag" typeface="Phagspa"/>
+        <a:font script="Syrn" typeface="Estrangelo Edessa"/>
+        <a:font script="Syrj" typeface="Estrangelo Edessa"/>
+        <a:font script="Syre" typeface="Estrangelo Edessa"/>
+        <a:font script="Sora" typeface="Nirmala UI"/>
+        <a:font script="Tale" typeface="Microsoft Tai Le"/>
+        <a:font script="Talu" typeface="Microsoft New Tai Lue"/>
+        <a:font script="Tfng" typeface="Ebrima"/>
+      </a:minorFont>
+    </a:fontScheme>
+    <a:fmtScheme name="Office">
+      <a:fillStyleLst>
+        <a:solidFill>
+          <a:schemeClr val="phClr"/>
+        </a:solidFill>
+        <a:gradFill rotWithShape="1">
+          <a:gsLst>
+            <a:gs pos="0">
+              <a:schemeClr val="phClr">
+                <a:lumMod val="110000"/>
+                <a:satMod val="105000"/>
+                <a:tint val="67000"/>
+              </a:schemeClr>
+            </a:gs>
+            <a:gs pos="50000">
+              <a:schemeClr val="phClr">
+                <a:lumMod val="105000"/>
+                <a:satMod val="103000"/>
+                <a:tint val="73000"/>
+              </a:schemeClr>
+            </a:gs>
+            <a:gs pos="100000">
+              <a:schemeClr val="phClr">
+                <a:lumMod val="105000"/>
+                <a:satMod val="109000"/>
+                <a:tint val="81000"/>
+              </a:schemeClr>
+            </a:gs>
+          </a:gsLst>
+          <a:lin ang="5400000" scaled="0"/>
+        </a:gradFill>
+        <a:gradFill rotWithShape="1">
+          <a:gsLst>
+            <a:gs pos="0">
+              <a:schemeClr val="phClr">
+                <a:satMod val="103000"/>
+                <a:lumMod val="102000"/>
+                <a:tint val="94000"/>
+              </a:schemeClr>
+            </a:gs>
+            <a:gs pos="50000">
+              <a:schemeClr val="phClr">
+                <a:satMod val="110000"/>
+                <a:lumMod val="100000"/>
+                <a:shade val="100000"/>
+              </a:schemeClr>
+            </a:gs>
+            <a:gs pos="100000">
+              <a:schemeClr val="phClr">
+                <a:lumMod val="99000"/>
+                <a:satMod val="120000"/>
+                <a:shade val="78000"/>
+              </a:schemeClr>
+            </a:gs>
+          </a:gsLst>
+          <a:lin ang="5400000" scaled="0"/>
+        </a:gradFill>
+      </a:fillStyleLst>
+      <a:lnStyleLst>
+        <a:ln w="12700" cap="flat" cmpd="sng" algn="ctr">
+          <a:solidFill>
+            <a:schemeClr val="phClr"/>
+          </a:solidFill>
+          <a:prstDash val="solid"/>
+          <a:miter lim="800000"/>
+        </a:ln>
+        <a:ln w="19050" cap="flat" cmpd="sng" algn="ctr">
+          <a:solidFill>
+            <a:schemeClr val="phClr"/>
+          </a:solidFill>
+          <a:prstDash val="solid"/>
+          <a:miter lim="800000"/>
+        </a:ln>
+        <a:ln w="25400" cap="flat" cmpd="sng" algn="ctr">
+          <a:solidFill>
+            <a:schemeClr val="phClr"/>
+          </a:solidFill>
+          <a:prstDash val="solid"/>
+          <a:miter lim="800000"/>
+        </a:ln>
+      </a:lnStyleLst>
+      <a:effectStyleLst>
+        <a:effectStyle>
+          <a:effectLst/>
+        </a:effectStyle>
+        <a:effectStyle>
+          <a:effectLst/>
+        </a:effectStyle>
+        <a:effectStyle>
+          <a:effectLst>
+            <a:outerShdw blurRad="57150" dist="19050" dir="5400000" algn="ctr" rotWithShape="0">
+              <a:srgbClr val="000000">
+                <a:alpha val="63000"/>
+              </a:srgbClr>
+            </a:outerShdw>
+          </a:effectLst>
+        </a:effectStyle>
+      </a:effectStyleLst>
+      <a:bgFillStyleLst>
+        <a:solidFill>
+          <a:schemeClr val="phClr"/>
+        </a:solidFill>
+        <a:solidFill>
+          <a:schemeClr val="phClr">
+            <a:tint val="95000"/>
+            <a:satMod val="170000"/>
+          </a:schemeClr>
+        </a:solidFill>
+        <a:gradFill rotWithShape="1">
+          <a:gsLst>
+            <a:gs pos="0">
+              <a:schemeClr val="phClr">
+                <a:tint val="93000"/>
+                <a:satMod val="150000"/>
+                <a:shade val="98000"/>
+                <a:lumMod val="102000"/>
+              </a:schemeClr>
+            </a:gs>
+            <a:gs pos="50000">
+              <a:schemeClr val="phClr">
+                <a:tint val="98000"/>
+                <a:satMod val="130000"/>
+                <a:shade val="90000"/>
+                <a:lumMod val="103000"/>
+              </a:schemeClr>
+            </a:gs>
+            <a:gs pos="100000">
+              <a:schemeClr val="phClr">
+                <a:shade val="63000"/>
+                <a:satMod val="120000"/>
+              </a:schemeClr>
+            </a:gs>
+          </a:gsLst>
+          <a:lin ang="5400000" scaled="0"/>
+        </a:gradFill>
+      </a:bgFillStyleLst>
+    </a:fmtScheme>
+  </a:themeElements>
+  <a:objectDefaults>
+    <a:lnDef>
+      <a:spPr/>
+      <a:bodyPr/>
+      <a:lstStyle/>
+      <a:style>
+        <a:lnRef idx="2">
+          <a:schemeClr val="accent1"/>
+        </a:lnRef>
+        <a:fillRef idx="0">
+          <a:schemeClr val="accent1"/>
+        </a:fillRef>
+        <a:effectRef idx="1">
+          <a:schemeClr val="accent1"/>
+        </a:effectRef>
+        <a:fontRef idx="minor">
+          <a:schemeClr val="tx1"/>
+        </a:fontRef>
+      </a:style>
+    </a:lnDef>
+  </a:objectDefaults>
+  <a:extraClrSchemeLst/>
+  <a:extLst>
+    <a:ext uri="{05A4C25C-085E-4340-85A3-A5531E510DB2}">
+      <thm15:themeFamily xmlns:thm15="http://schemas.microsoft.com/office/thememl/2012/main" name="Office Theme" id="{2E142A2C-CD16-42D6-873A-C26D2A0506FA}" vid="{1BDDFF52-6CD6-40A5-AB3C-68EB2F1E4D0A}"/>
+    </a:ext>
+  </a:extLst>
+</a:theme>
 </file>
--- a/04_Comax/04_Comax_Corrige_CR_Moteur_Energetique.pptx
+++ b/04_Comax/04_Comax_Corrige_CR_Moteur_Energetique.pptx
@@ -208,7 +208,7 @@
           <a:p>
             <a:fld id="{92D8032B-AC11-4202-8B10-51B6F4F5AA4B}" type="datetimeFigureOut">
               <a:rPr lang="fr-FR" smtClean="0"/>
-              <a:t>03/02/2024</a:t>
+              <a:t>06/02/2024</a:t>
             </a:fld>
             <a:endParaRPr lang="fr-FR"/>
           </a:p>
@@ -720,7 +720,7 @@
           <a:p>
             <a:fld id="{D7F135F6-2A09-4FDD-9ECA-096E230CA0FA}" type="datetimeFigureOut">
               <a:rPr lang="fr-FR" smtClean="0"/>
-              <a:t>03/02/2024</a:t>
+              <a:t>06/02/2024</a:t>
             </a:fld>
             <a:endParaRPr lang="fr-FR"/>
           </a:p>
@@ -958,7 +958,7 @@
           <a:p>
             <a:fld id="{D7F135F6-2A09-4FDD-9ECA-096E230CA0FA}" type="datetimeFigureOut">
               <a:rPr lang="fr-FR" smtClean="0"/>
-              <a:t>03/02/2024</a:t>
+              <a:t>06/02/2024</a:t>
             </a:fld>
             <a:endParaRPr lang="fr-FR"/>
           </a:p>
@@ -1196,7 +1196,7 @@
           <a:p>
             <a:fld id="{D7F135F6-2A09-4FDD-9ECA-096E230CA0FA}" type="datetimeFigureOut">
               <a:rPr lang="fr-FR" smtClean="0"/>
-              <a:t>03/02/2024</a:t>
+              <a:t>06/02/2024</a:t>
             </a:fld>
             <a:endParaRPr lang="fr-FR"/>
           </a:p>
@@ -1434,7 +1434,7 @@
           <a:p>
             <a:fld id="{D7F135F6-2A09-4FDD-9ECA-096E230CA0FA}" type="datetimeFigureOut">
               <a:rPr lang="fr-FR" smtClean="0"/>
-              <a:t>03/02/2024</a:t>
+              <a:t>06/02/2024</a:t>
             </a:fld>
             <a:endParaRPr lang="fr-FR"/>
           </a:p>
@@ -1755,7 +1755,7 @@
           <a:p>
             <a:fld id="{D7F135F6-2A09-4FDD-9ECA-096E230CA0FA}" type="datetimeFigureOut">
               <a:rPr lang="fr-FR" smtClean="0"/>
-              <a:t>03/02/2024</a:t>
+              <a:t>06/02/2024</a:t>
             </a:fld>
             <a:endParaRPr lang="fr-FR"/>
           </a:p>
@@ -2058,7 +2058,7 @@
           <a:p>
             <a:fld id="{D7F135F6-2A09-4FDD-9ECA-096E230CA0FA}" type="datetimeFigureOut">
               <a:rPr lang="fr-FR" smtClean="0"/>
-              <a:t>03/02/2024</a:t>
+              <a:t>06/02/2024</a:t>
             </a:fld>
             <a:endParaRPr lang="fr-FR"/>
           </a:p>
@@ -2509,7 +2509,7 @@
           <a:p>
             <a:fld id="{D7F135F6-2A09-4FDD-9ECA-096E230CA0FA}" type="datetimeFigureOut">
               <a:rPr lang="fr-FR" smtClean="0"/>
-              <a:t>03/02/2024</a:t>
+              <a:t>06/02/2024</a:t>
             </a:fld>
             <a:endParaRPr lang="fr-FR"/>
           </a:p>
@@ -2682,7 +2682,7 @@
           <a:p>
             <a:fld id="{D7F135F6-2A09-4FDD-9ECA-096E230CA0FA}" type="datetimeFigureOut">
               <a:rPr lang="fr-FR" smtClean="0"/>
-              <a:t>03/02/2024</a:t>
+              <a:t>06/02/2024</a:t>
             </a:fld>
             <a:endParaRPr lang="fr-FR"/>
           </a:p>
@@ -2819,7 +2819,7 @@
           <a:p>
             <a:fld id="{D7F135F6-2A09-4FDD-9ECA-096E230CA0FA}" type="datetimeFigureOut">
               <a:rPr lang="fr-FR" smtClean="0"/>
-              <a:t>03/02/2024</a:t>
+              <a:t>06/02/2024</a:t>
             </a:fld>
             <a:endParaRPr lang="fr-FR"/>
           </a:p>
@@ -3163,7 +3163,7 @@
           <a:p>
             <a:fld id="{D7F135F6-2A09-4FDD-9ECA-096E230CA0FA}" type="datetimeFigureOut">
               <a:rPr lang="fr-FR" smtClean="0"/>
-              <a:t>03/02/2024</a:t>
+              <a:t>06/02/2024</a:t>
             </a:fld>
             <a:endParaRPr lang="fr-FR"/>
           </a:p>
@@ -3484,7 +3484,7 @@
           <a:p>
             <a:fld id="{D7F135F6-2A09-4FDD-9ECA-096E230CA0FA}" type="datetimeFigureOut">
               <a:rPr lang="fr-FR" smtClean="0"/>
-              <a:t>03/02/2024</a:t>
+              <a:t>06/02/2024</a:t>
             </a:fld>
             <a:endParaRPr lang="fr-FR"/>
           </a:p>
@@ -6071,8 +6071,8 @@
           </p:sp>
         </mc:Fallback>
       </mc:AlternateContent>
-      <mc:AlternateContent xmlns:mc="http://schemas.openxmlformats.org/markup-compatibility/2006">
-        <mc:Choice xmlns:a14="http://schemas.microsoft.com/office/drawing/2010/main" Requires="a14">
+      <mc:AlternateContent xmlns:mc="http://schemas.openxmlformats.org/markup-compatibility/2006" xmlns:a14="http://schemas.microsoft.com/office/drawing/2010/main">
+        <mc:Choice Requires="a14">
           <p:sp>
             <p:nvSpPr>
               <p:cNvPr id="95" name="ZoneTexte 94">
@@ -6416,7 +6416,7 @@
             </p:txBody>
           </p:sp>
         </mc:Choice>
-        <mc:Fallback>
+        <mc:Fallback xmlns="">
           <p:sp>
             <p:nvSpPr>
               <p:cNvPr id="95" name="ZoneTexte 94">
@@ -7421,8 +7421,8 @@
             </a:p>
           </p:txBody>
         </p:sp>
-        <mc:AlternateContent xmlns:mc="http://schemas.openxmlformats.org/markup-compatibility/2006">
-          <mc:Choice xmlns:a14="http://schemas.microsoft.com/office/drawing/2010/main" Requires="a14">
+        <mc:AlternateContent xmlns:mc="http://schemas.openxmlformats.org/markup-compatibility/2006" xmlns:a14="http://schemas.microsoft.com/office/drawing/2010/main">
+          <mc:Choice Requires="a14">
             <p:sp>
               <p:nvSpPr>
                 <p:cNvPr id="101" name="ZoneTexte 100">
@@ -8644,7 +8644,7 @@
               </p:txBody>
             </p:sp>
           </mc:Choice>
-          <mc:Fallback>
+          <mc:Fallback xmlns="">
             <p:sp>
               <p:nvSpPr>
                 <p:cNvPr id="101" name="ZoneTexte 100">
@@ -9141,8 +9141,8 @@
             <a:chExt cx="6323907" cy="3859860"/>
           </a:xfrm>
         </p:grpSpPr>
-        <mc:AlternateContent xmlns:mc="http://schemas.openxmlformats.org/markup-compatibility/2006">
-          <mc:Choice xmlns:a14="http://schemas.microsoft.com/office/drawing/2010/main" Requires="a14">
+        <mc:AlternateContent xmlns:mc="http://schemas.openxmlformats.org/markup-compatibility/2006" xmlns:a14="http://schemas.microsoft.com/office/drawing/2010/main">
+          <mc:Choice Requires="a14">
             <p:sp>
               <p:nvSpPr>
                 <p:cNvPr id="6" name="ZoneTexte 5">
@@ -9787,7 +9787,7 @@
               </p:txBody>
             </p:sp>
           </mc:Choice>
-          <mc:Fallback>
+          <mc:Fallback xmlns="">
             <p:sp>
               <p:nvSpPr>
                 <p:cNvPr id="6" name="ZoneTexte 5">
@@ -10001,8 +10001,8 @@
           </a:p>
         </p:txBody>
       </p:sp>
-      <mc:AlternateContent xmlns:mc="http://schemas.openxmlformats.org/markup-compatibility/2006">
-        <mc:Choice xmlns:a14="http://schemas.microsoft.com/office/drawing/2010/main" Requires="a14">
+      <mc:AlternateContent xmlns:mc="http://schemas.openxmlformats.org/markup-compatibility/2006" xmlns:a14="http://schemas.microsoft.com/office/drawing/2010/main">
+        <mc:Choice Requires="a14">
           <p:sp>
             <p:nvSpPr>
               <p:cNvPr id="14" name="ZoneTexte 13">
@@ -10148,7 +10148,7 @@
             </p:txBody>
           </p:sp>
         </mc:Choice>
-        <mc:Fallback>
+        <mc:Fallback xmlns="">
           <p:sp>
             <p:nvSpPr>
               <p:cNvPr id="14" name="ZoneTexte 13">
@@ -10400,7 +10400,7 @@
                         </a:schemeClr>
                       </a:solidFill>
                     </a:rPr>
-                    <a:t>Accélération moteur :  </a:t>
+                    <a:t>Accélération moteur :  20 000 tr/min/s</a:t>
                   </a:r>
                 </a:p>
               </p:txBody>
@@ -10777,6 +10777,102 @@
           </a:p>
         </p:txBody>
       </p:sp>
+      <p:sp>
+        <p:nvSpPr>
+          <p:cNvPr id="17" name="ZoneTexte 16">
+            <a:extLst>
+              <a:ext uri="{FF2B5EF4-FFF2-40B4-BE49-F238E27FC236}">
+                <a16:creationId xmlns:a16="http://schemas.microsoft.com/office/drawing/2014/main" id="{E6B69B27-7AD6-24FD-FCCD-AD5F47907DC4}"/>
+              </a:ext>
+            </a:extLst>
+          </p:cNvPr>
+          <p:cNvSpPr txBox="1"/>
+          <p:nvPr/>
+        </p:nvSpPr>
+        <p:spPr>
+          <a:xfrm>
+            <a:off x="8742755" y="787238"/>
+            <a:ext cx="4058845" cy="523220"/>
+          </a:xfrm>
+          <a:prstGeom prst="rect">
+            <a:avLst/>
+          </a:prstGeom>
+          <a:noFill/>
+        </p:spPr>
+        <p:txBody>
+          <a:bodyPr wrap="square">
+            <a:spAutoFit/>
+          </a:bodyPr>
+          <a:lstStyle/>
+          <a:p>
+            <a:r>
+              <a:rPr lang="fr-FR" sz="1400" dirty="0"/>
+              <a:t>Lien </a:t>
+            </a:r>
+            <a:r>
+              <a:rPr lang="fr-FR" sz="1400" dirty="0" err="1"/>
+              <a:t>Capytale</a:t>
+            </a:r>
+            <a:endParaRPr lang="fr-FR" sz="1400" dirty="0"/>
+          </a:p>
+          <a:p>
+            <a:r>
+              <a:rPr lang="fr-FR" sz="1400" dirty="0">
+                <a:hlinkClick r:id="rId19"/>
+              </a:rPr>
+              <a:t>https://capytale2.ac-paris.fr/web/c/ef3f-2851115</a:t>
+            </a:r>
+            <a:endParaRPr lang="fr-FR" sz="1400" dirty="0"/>
+          </a:p>
+        </p:txBody>
+      </p:sp>
+      <p:pic>
+        <p:nvPicPr>
+          <p:cNvPr id="1026" name="Picture 2" descr="Scan me!">
+            <a:extLst>
+              <a:ext uri="{FF2B5EF4-FFF2-40B4-BE49-F238E27FC236}">
+                <a16:creationId xmlns:a16="http://schemas.microsoft.com/office/drawing/2014/main" id="{7B31280C-EBA7-4D06-4023-26290294416C}"/>
+              </a:ext>
+            </a:extLst>
+          </p:cNvPr>
+          <p:cNvPicPr>
+            <a:picLocks noChangeAspect="1" noChangeArrowheads="1"/>
+          </p:cNvPicPr>
+          <p:nvPr/>
+        </p:nvPicPr>
+        <p:blipFill>
+          <a:blip r:embed="rId20">
+            <a:extLst>
+              <a:ext uri="{28A0092B-C50C-407E-A947-70E740481C1C}">
+                <a14:useLocalDpi xmlns:a14="http://schemas.microsoft.com/office/drawing/2010/main" val="0"/>
+              </a:ext>
+            </a:extLst>
+          </a:blip>
+          <a:srcRect/>
+          <a:stretch>
+            <a:fillRect/>
+          </a:stretch>
+        </p:blipFill>
+        <p:spPr bwMode="auto">
+          <a:xfrm flipV="1">
+            <a:off x="11947214" y="14186"/>
+            <a:ext cx="854386" cy="854386"/>
+          </a:xfrm>
+          <a:prstGeom prst="rect">
+            <a:avLst/>
+          </a:prstGeom>
+          <a:noFill/>
+          <a:extLst>
+            <a:ext uri="{909E8E84-426E-40DD-AFC4-6F175D3DCCD1}">
+              <a14:hiddenFill xmlns:a14="http://schemas.microsoft.com/office/drawing/2010/main">
+                <a:solidFill>
+                  <a:srgbClr val="FFFFFF"/>
+                </a:solidFill>
+              </a14:hiddenFill>
+            </a:ext>
+          </a:extLst>
+        </p:spPr>
+      </p:pic>
     </p:spTree>
     <p:extLst>
       <p:ext uri="{BB962C8B-B14F-4D97-AF65-F5344CB8AC3E}">

--- a/04_Comax/04_Comax_Corrige_CR_Moteur_Energetique.pptx
+++ b/04_Comax/04_Comax_Corrige_CR_Moteur_Energetique.pptx
@@ -5,10 +5,11 @@
     <p:sldMasterId id="2147483732" r:id="rId1"/>
   </p:sldMasterIdLst>
   <p:notesMasterIdLst>
-    <p:notesMasterId r:id="rId3"/>
+    <p:notesMasterId r:id="rId4"/>
   </p:notesMasterIdLst>
   <p:sldIdLst>
     <p:sldId id="256" r:id="rId2"/>
+    <p:sldId id="257" r:id="rId3"/>
   </p:sldIdLst>
   <p:sldSz cx="12801600" cy="9601200" type="A3"/>
   <p:notesSz cx="6858000" cy="9144000"/>
@@ -208,7 +209,7 @@
           <a:p>
             <a:fld id="{92D8032B-AC11-4202-8B10-51B6F4F5AA4B}" type="datetimeFigureOut">
               <a:rPr lang="fr-FR" smtClean="0"/>
-              <a:t>06/02/2024</a:t>
+              <a:t>10/10/2025</a:t>
             </a:fld>
             <a:endParaRPr lang="fr-FR"/>
           </a:p>
@@ -720,7 +721,7 @@
           <a:p>
             <a:fld id="{D7F135F6-2A09-4FDD-9ECA-096E230CA0FA}" type="datetimeFigureOut">
               <a:rPr lang="fr-FR" smtClean="0"/>
-              <a:t>06/02/2024</a:t>
+              <a:t>10/10/2025</a:t>
             </a:fld>
             <a:endParaRPr lang="fr-FR"/>
           </a:p>
@@ -958,7 +959,7 @@
           <a:p>
             <a:fld id="{D7F135F6-2A09-4FDD-9ECA-096E230CA0FA}" type="datetimeFigureOut">
               <a:rPr lang="fr-FR" smtClean="0"/>
-              <a:t>06/02/2024</a:t>
+              <a:t>10/10/2025</a:t>
             </a:fld>
             <a:endParaRPr lang="fr-FR"/>
           </a:p>
@@ -1196,7 +1197,7 @@
           <a:p>
             <a:fld id="{D7F135F6-2A09-4FDD-9ECA-096E230CA0FA}" type="datetimeFigureOut">
               <a:rPr lang="fr-FR" smtClean="0"/>
-              <a:t>06/02/2024</a:t>
+              <a:t>10/10/2025</a:t>
             </a:fld>
             <a:endParaRPr lang="fr-FR"/>
           </a:p>
@@ -1434,7 +1435,7 @@
           <a:p>
             <a:fld id="{D7F135F6-2A09-4FDD-9ECA-096E230CA0FA}" type="datetimeFigureOut">
               <a:rPr lang="fr-FR" smtClean="0"/>
-              <a:t>06/02/2024</a:t>
+              <a:t>10/10/2025</a:t>
             </a:fld>
             <a:endParaRPr lang="fr-FR"/>
           </a:p>
@@ -1755,7 +1756,7 @@
           <a:p>
             <a:fld id="{D7F135F6-2A09-4FDD-9ECA-096E230CA0FA}" type="datetimeFigureOut">
               <a:rPr lang="fr-FR" smtClean="0"/>
-              <a:t>06/02/2024</a:t>
+              <a:t>10/10/2025</a:t>
             </a:fld>
             <a:endParaRPr lang="fr-FR"/>
           </a:p>
@@ -2058,7 +2059,7 @@
           <a:p>
             <a:fld id="{D7F135F6-2A09-4FDD-9ECA-096E230CA0FA}" type="datetimeFigureOut">
               <a:rPr lang="fr-FR" smtClean="0"/>
-              <a:t>06/02/2024</a:t>
+              <a:t>10/10/2025</a:t>
             </a:fld>
             <a:endParaRPr lang="fr-FR"/>
           </a:p>
@@ -2509,7 +2510,7 @@
           <a:p>
             <a:fld id="{D7F135F6-2A09-4FDD-9ECA-096E230CA0FA}" type="datetimeFigureOut">
               <a:rPr lang="fr-FR" smtClean="0"/>
-              <a:t>06/02/2024</a:t>
+              <a:t>10/10/2025</a:t>
             </a:fld>
             <a:endParaRPr lang="fr-FR"/>
           </a:p>
@@ -2682,7 +2683,7 @@
           <a:p>
             <a:fld id="{D7F135F6-2A09-4FDD-9ECA-096E230CA0FA}" type="datetimeFigureOut">
               <a:rPr lang="fr-FR" smtClean="0"/>
-              <a:t>06/02/2024</a:t>
+              <a:t>10/10/2025</a:t>
             </a:fld>
             <a:endParaRPr lang="fr-FR"/>
           </a:p>
@@ -2819,7 +2820,7 @@
           <a:p>
             <a:fld id="{D7F135F6-2A09-4FDD-9ECA-096E230CA0FA}" type="datetimeFigureOut">
               <a:rPr lang="fr-FR" smtClean="0"/>
-              <a:t>06/02/2024</a:t>
+              <a:t>10/10/2025</a:t>
             </a:fld>
             <a:endParaRPr lang="fr-FR"/>
           </a:p>
@@ -3163,7 +3164,7 @@
           <a:p>
             <a:fld id="{D7F135F6-2A09-4FDD-9ECA-096E230CA0FA}" type="datetimeFigureOut">
               <a:rPr lang="fr-FR" smtClean="0"/>
-              <a:t>06/02/2024</a:t>
+              <a:t>10/10/2025</a:t>
             </a:fld>
             <a:endParaRPr lang="fr-FR"/>
           </a:p>
@@ -3484,7 +3485,7 @@
           <a:p>
             <a:fld id="{D7F135F6-2A09-4FDD-9ECA-096E230CA0FA}" type="datetimeFigureOut">
               <a:rPr lang="fr-FR" smtClean="0"/>
-              <a:t>06/02/2024</a:t>
+              <a:t>10/10/2025</a:t>
             </a:fld>
             <a:endParaRPr lang="fr-FR"/>
           </a:p>
@@ -4181,19 +4182,7 @@
                           <a:rPr lang="fr-FR" sz="1100" b="0" i="1" smtClean="0">
                             <a:latin typeface="Cambria Math" panose="02040503050406030204" pitchFamily="18" charset="0"/>
                           </a:rPr>
-                          <m:t>15</m:t>
-                        </m:r>
-                        <m:r>
-                          <a:rPr lang="fr-FR" sz="1100" b="0" i="1" smtClean="0">
-                            <a:latin typeface="Cambria Math" panose="02040503050406030204" pitchFamily="18" charset="0"/>
-                          </a:rPr>
-                          <m:t>,</m:t>
-                        </m:r>
-                        <m:r>
-                          <a:rPr lang="fr-FR" sz="1100" b="0" i="1" smtClean="0">
-                            <a:latin typeface="Cambria Math" panose="02040503050406030204" pitchFamily="18" charset="0"/>
-                          </a:rPr>
-                          <m:t>88</m:t>
+                          <m:t>15,88</m:t>
                         </m:r>
                       </m:den>
                     </m:f>
@@ -4230,13 +4219,7 @@
                           <a:rPr lang="fr-FR" sz="1100" b="0" i="1" smtClean="0">
                             <a:latin typeface="Cambria Math" panose="02040503050406030204" pitchFamily="18" charset="0"/>
                           </a:rPr>
-                          <m:t>108</m:t>
-                        </m:r>
-                        <m:r>
-                          <a:rPr lang="fr-FR" sz="1100" b="0" i="1" smtClean="0">
-                            <a:latin typeface="Cambria Math" panose="02040503050406030204" pitchFamily="18" charset="0"/>
-                          </a:rPr>
-                          <m:t>×</m:t>
+                          <m:t>108×</m:t>
                         </m:r>
                         <m:sSup>
                           <m:sSupPr>
@@ -4259,13 +4242,7 @@
                               <a:rPr lang="fr-FR" sz="1100" b="0" i="1" smtClean="0">
                                 <a:latin typeface="Cambria Math" panose="02040503050406030204" pitchFamily="18" charset="0"/>
                               </a:rPr>
-                              <m:t>−</m:t>
-                            </m:r>
-                            <m:r>
-                              <a:rPr lang="fr-FR" sz="1100" b="0" i="1" smtClean="0">
-                                <a:latin typeface="Cambria Math" panose="02040503050406030204" pitchFamily="18" charset="0"/>
-                              </a:rPr>
-                              <m:t>3</m:t>
+                              <m:t>−3</m:t>
                             </m:r>
                           </m:sup>
                         </m:sSup>
@@ -5267,19 +5244,7 @@
                               <a:rPr lang="fr-FR" sz="1100" b="0" i="1" smtClean="0">
                                 <a:latin typeface="Cambria Math" panose="02040503050406030204" pitchFamily="18" charset="0"/>
                               </a:rPr>
-                              <m:t>15</m:t>
-                            </m:r>
-                            <m:r>
-                              <a:rPr lang="fr-FR" sz="1100" b="0" i="1" smtClean="0">
-                                <a:latin typeface="Cambria Math" panose="02040503050406030204" pitchFamily="18" charset="0"/>
-                              </a:rPr>
-                              <m:t>,</m:t>
-                            </m:r>
-                            <m:r>
-                              <a:rPr lang="fr-FR" sz="1100" b="0" i="1" smtClean="0">
-                                <a:latin typeface="Cambria Math" panose="02040503050406030204" pitchFamily="18" charset="0"/>
-                              </a:rPr>
-                              <m:t>88</m:t>
+                              <m:t>15,88</m:t>
                             </m:r>
                           </m:e>
                           <m:sup>
@@ -5571,14 +5536,7 @@
                             <a:latin typeface="Cambria Math" panose="02040503050406030204" pitchFamily="18" charset="0"/>
                             <a:ea typeface="Cambria Math" panose="02040503050406030204" pitchFamily="18" charset="0"/>
                           </a:rPr>
-                          <m:t>0</m:t>
-                        </m:r>
-                        <m:r>
-                          <a:rPr lang="fr-FR" sz="1100" b="0" i="1" smtClean="0">
-                            <a:latin typeface="Cambria Math" panose="02040503050406030204" pitchFamily="18" charset="0"/>
-                            <a:ea typeface="Cambria Math" panose="02040503050406030204" pitchFamily="18" charset="0"/>
-                          </a:rPr>
-                          <m:t>→</m:t>
+                          <m:t>0→</m:t>
                         </m:r>
                         <m:r>
                           <m:rPr>
@@ -5846,14 +5804,7 @@
                         <a:latin typeface="Cambria Math" panose="02040503050406030204" pitchFamily="18" charset="0"/>
                         <a:ea typeface="Cambria Math" panose="02040503050406030204" pitchFamily="18" charset="0"/>
                       </a:rPr>
-                      <m:t>0</m:t>
-                    </m:r>
-                    <m:r>
-                      <a:rPr lang="fr-FR" sz="1100" b="0" i="1" smtClean="0">
-                        <a:latin typeface="Cambria Math" panose="02040503050406030204" pitchFamily="18" charset="0"/>
-                        <a:ea typeface="Cambria Math" panose="02040503050406030204" pitchFamily="18" charset="0"/>
-                      </a:rPr>
-                      <m:t>)</m:t>
+                      <m:t>0)</m:t>
                     </m:r>
                   </m:oMath>
                 </a14:m>
@@ -6706,13 +6657,7 @@
                             <a:rPr lang="fr-FR" sz="1100" b="0" i="1" smtClean="0">
                               <a:latin typeface="Cambria Math" panose="02040503050406030204" pitchFamily="18" charset="0"/>
                             </a:rPr>
-                            <m:t>𝑚</m:t>
-                          </m:r>
-                          <m:r>
-                            <a:rPr lang="fr-FR" sz="1100" b="0" i="1" smtClean="0">
-                              <a:latin typeface="Cambria Math" panose="02040503050406030204" pitchFamily="18" charset="0"/>
-                            </a:rPr>
-                            <m:t>h</m:t>
+                            <m:t>𝑚h</m:t>
                           </m:r>
                         </m:sub>
                       </m:sSub>
@@ -6763,13 +6708,7 @@
                         <a:rPr lang="fr-FR" sz="1100" b="0" i="1" smtClean="0">
                           <a:latin typeface="Cambria Math" panose="02040503050406030204" pitchFamily="18" charset="0"/>
                         </a:rPr>
-                        <m:t>=</m:t>
-                      </m:r>
-                      <m:r>
-                        <a:rPr lang="fr-FR" sz="1100" b="0" i="1" smtClean="0">
-                          <a:latin typeface="Cambria Math" panose="02040503050406030204" pitchFamily="18" charset="0"/>
-                        </a:rPr>
-                        <m:t>0</m:t>
+                        <m:t>=0</m:t>
                       </m:r>
                     </m:oMath>
                   </a14:m>
@@ -6858,13 +6797,7 @@
                         <a:rPr lang="fr-FR" sz="1100" b="0" i="1" smtClean="0">
                           <a:latin typeface="Cambria Math" panose="02040503050406030204" pitchFamily="18" charset="0"/>
                         </a:rPr>
-                        <m:t>=</m:t>
-                      </m:r>
-                      <m:r>
-                        <a:rPr lang="fr-FR" sz="1100" b="0" i="1" smtClean="0">
-                          <a:latin typeface="Cambria Math" panose="02040503050406030204" pitchFamily="18" charset="0"/>
-                        </a:rPr>
-                        <m:t>0</m:t>
+                        <m:t>=0</m:t>
                       </m:r>
                     </m:oMath>
                   </a14:m>
@@ -6908,13 +6841,7 @@
                             <a:rPr lang="fr-FR" sz="1100" b="0" i="1" smtClean="0">
                               <a:latin typeface="Cambria Math" panose="02040503050406030204" pitchFamily="18" charset="0"/>
                             </a:rPr>
-                            <m:t>𝑚</m:t>
-                          </m:r>
-                          <m:r>
-                            <a:rPr lang="fr-FR" sz="1100" b="0" i="1" smtClean="0">
-                              <a:latin typeface="Cambria Math" panose="02040503050406030204" pitchFamily="18" charset="0"/>
-                            </a:rPr>
-                            <m:t>h</m:t>
+                            <m:t>𝑚h</m:t>
                           </m:r>
                         </m:sub>
                       </m:sSub>
@@ -6953,13 +6880,7 @@
                         <a:rPr lang="fr-FR" sz="1100" b="0" i="1" smtClean="0">
                           <a:latin typeface="Cambria Math" panose="02040503050406030204" pitchFamily="18" charset="0"/>
                         </a:rPr>
-                        <m:t>=</m:t>
-                      </m:r>
-                      <m:r>
-                        <a:rPr lang="fr-FR" sz="1100" b="0" i="1" smtClean="0">
-                          <a:latin typeface="Cambria Math" panose="02040503050406030204" pitchFamily="18" charset="0"/>
-                        </a:rPr>
-                        <m:t>2</m:t>
+                        <m:t>=2</m:t>
                       </m:r>
                       <m:r>
                         <a:rPr lang="fr-FR" sz="1100" b="0" i="1" smtClean="0">
@@ -7015,13 +6936,7 @@
                                 <a:rPr lang="fr-FR" sz="1100" i="1">
                                   <a:latin typeface="Cambria Math" panose="02040503050406030204" pitchFamily="18" charset="0"/>
                                 </a:rPr>
-                                <m:t>𝑚</m:t>
-                              </m:r>
-                              <m:r>
-                                <a:rPr lang="fr-FR" sz="1100" i="1">
-                                  <a:latin typeface="Cambria Math" panose="02040503050406030204" pitchFamily="18" charset="0"/>
-                                </a:rPr>
-                                <m:t>h</m:t>
+                                <m:t>𝑚h</m:t>
                               </m:r>
                             </m:sub>
                           </m:sSub>
@@ -7104,13 +7019,7 @@
                             <a:rPr lang="fr-FR" sz="1100" b="0" i="1" smtClean="0">
                               <a:latin typeface="Cambria Math" panose="02040503050406030204" pitchFamily="18" charset="0"/>
                             </a:rPr>
-                            <m:t>𝑚</m:t>
-                          </m:r>
-                          <m:r>
-                            <a:rPr lang="fr-FR" sz="1100" b="0" i="1" smtClean="0">
-                              <a:latin typeface="Cambria Math" panose="02040503050406030204" pitchFamily="18" charset="0"/>
-                            </a:rPr>
-                            <m:t>h</m:t>
+                            <m:t>𝑚h</m:t>
                           </m:r>
                         </m:sub>
                       </m:sSub>
@@ -7149,13 +7058,7 @@
                         <a:rPr lang="fr-FR" sz="1100" b="0" i="1" smtClean="0">
                           <a:latin typeface="Cambria Math" panose="02040503050406030204" pitchFamily="18" charset="0"/>
                         </a:rPr>
-                        <m:t>−</m:t>
-                      </m:r>
-                      <m:r>
-                        <a:rPr lang="fr-FR" sz="1100" b="0" i="1" smtClean="0">
-                          <a:latin typeface="Cambria Math" panose="02040503050406030204" pitchFamily="18" charset="0"/>
-                        </a:rPr>
-                        <m:t>2</m:t>
+                        <m:t>−2</m:t>
                       </m:r>
                       <m:sSub>
                         <m:sSubPr>
@@ -7186,19 +7089,7 @@
                         <a:rPr lang="fr-FR" sz="1100" b="0" i="1" smtClean="0">
                           <a:latin typeface="Cambria Math" panose="02040503050406030204" pitchFamily="18" charset="0"/>
                         </a:rPr>
-                        <m:t>=</m:t>
-                      </m:r>
-                      <m:r>
-                        <a:rPr lang="fr-FR" sz="1100" b="0" i="1" smtClean="0">
-                          <a:latin typeface="Cambria Math" panose="02040503050406030204" pitchFamily="18" charset="0"/>
-                        </a:rPr>
-                        <m:t>0</m:t>
-                      </m:r>
-                      <m:r>
-                        <a:rPr lang="fr-FR" sz="1100" b="0" i="1" smtClean="0">
-                          <a:latin typeface="Cambria Math" panose="02040503050406030204" pitchFamily="18" charset="0"/>
-                        </a:rPr>
-                        <m:t>⇒</m:t>
+                        <m:t>=0⇒</m:t>
                       </m:r>
                       <m:sSub>
                         <m:sSubPr>
@@ -7261,13 +7152,7 @@
                                 <a:rPr lang="fr-FR" sz="1100" i="1">
                                   <a:latin typeface="Cambria Math" panose="02040503050406030204" pitchFamily="18" charset="0"/>
                                 </a:rPr>
-                                <m:t>𝑚</m:t>
-                              </m:r>
-                              <m:r>
-                                <a:rPr lang="fr-FR" sz="1100" i="1">
-                                  <a:latin typeface="Cambria Math" panose="02040503050406030204" pitchFamily="18" charset="0"/>
-                                </a:rPr>
-                                <m:t>h</m:t>
+                                <m:t>𝑚h</m:t>
                               </m:r>
                             </m:sub>
                           </m:sSub>
@@ -7728,43 +7613,7 @@
                           </a:solidFill>
                           <a:latin typeface="Cambria Math" panose="02040503050406030204" pitchFamily="18" charset="0"/>
                         </a:rPr>
-                        <m:t>=</m:t>
-                      </m:r>
-                      <m:r>
-                        <a:rPr lang="fr-FR" sz="1100" i="1">
-                          <a:solidFill>
-                            <a:schemeClr val="tx1"/>
-                          </a:solidFill>
-                          <a:latin typeface="Cambria Math" panose="02040503050406030204" pitchFamily="18" charset="0"/>
-                        </a:rPr>
-                        <m:t>1</m:t>
-                      </m:r>
-                      <m:r>
-                        <a:rPr lang="fr-FR" sz="1100" i="1">
-                          <a:solidFill>
-                            <a:schemeClr val="tx1"/>
-                          </a:solidFill>
-                          <a:latin typeface="Cambria Math" panose="02040503050406030204" pitchFamily="18" charset="0"/>
-                        </a:rPr>
-                        <m:t>,</m:t>
-                      </m:r>
-                      <m:r>
-                        <a:rPr lang="fr-FR" sz="1100" i="1">
-                          <a:solidFill>
-                            <a:schemeClr val="tx1"/>
-                          </a:solidFill>
-                          <a:latin typeface="Cambria Math" panose="02040503050406030204" pitchFamily="18" charset="0"/>
-                        </a:rPr>
-                        <m:t>1</m:t>
-                      </m:r>
-                      <m:r>
-                        <a:rPr lang="fr-FR" sz="1100" i="1">
-                          <a:solidFill>
-                            <a:schemeClr val="tx1"/>
-                          </a:solidFill>
-                          <a:latin typeface="Cambria Math" panose="02040503050406030204" pitchFamily="18" charset="0"/>
-                        </a:rPr>
-                        <m:t> </m:t>
+                        <m:t>=1,1 </m:t>
                       </m:r>
                       <m:r>
                         <m:rPr>
@@ -7834,43 +7683,7 @@
                           </a:solidFill>
                           <a:latin typeface="Cambria Math" panose="02040503050406030204" pitchFamily="18" charset="0"/>
                         </a:rPr>
-                        <m:t>=</m:t>
-                      </m:r>
-                      <m:r>
-                        <a:rPr lang="fr-FR" sz="1100" b="0" i="1" smtClean="0">
-                          <a:solidFill>
-                            <a:schemeClr val="tx1"/>
-                          </a:solidFill>
-                          <a:latin typeface="Cambria Math" panose="02040503050406030204" pitchFamily="18" charset="0"/>
-                        </a:rPr>
-                        <m:t>0</m:t>
-                      </m:r>
-                      <m:r>
-                        <a:rPr lang="fr-FR" sz="1100" b="0" i="1" smtClean="0">
-                          <a:solidFill>
-                            <a:schemeClr val="tx1"/>
-                          </a:solidFill>
-                          <a:latin typeface="Cambria Math" panose="02040503050406030204" pitchFamily="18" charset="0"/>
-                        </a:rPr>
-                        <m:t>,</m:t>
-                      </m:r>
-                      <m:r>
-                        <a:rPr lang="fr-FR" sz="1100" b="0" i="1" smtClean="0">
-                          <a:solidFill>
-                            <a:schemeClr val="tx1"/>
-                          </a:solidFill>
-                          <a:latin typeface="Cambria Math" panose="02040503050406030204" pitchFamily="18" charset="0"/>
-                        </a:rPr>
-                        <m:t>0331</m:t>
-                      </m:r>
-                      <m:r>
-                        <a:rPr lang="fr-FR" sz="1100" b="0" i="1" smtClean="0">
-                          <a:solidFill>
-                            <a:schemeClr val="tx1"/>
-                          </a:solidFill>
-                          <a:latin typeface="Cambria Math" panose="02040503050406030204" pitchFamily="18" charset="0"/>
-                        </a:rPr>
-                        <m:t> </m:t>
+                        <m:t>=0,0331 </m:t>
                       </m:r>
                       <m:r>
                         <m:rPr>
@@ -7940,43 +7753,7 @@
                           </a:solidFill>
                           <a:latin typeface="Cambria Math" panose="02040503050406030204" pitchFamily="18" charset="0"/>
                         </a:rPr>
-                        <m:t>=</m:t>
-                      </m:r>
-                      <m:r>
-                        <a:rPr lang="fr-FR" sz="1100" i="1">
-                          <a:solidFill>
-                            <a:schemeClr val="tx1"/>
-                          </a:solidFill>
-                          <a:latin typeface="Cambria Math" panose="02040503050406030204" pitchFamily="18" charset="0"/>
-                        </a:rPr>
-                        <m:t>31</m:t>
-                      </m:r>
-                      <m:r>
-                        <a:rPr lang="fr-FR" sz="1100" i="1">
-                          <a:solidFill>
-                            <a:schemeClr val="tx1"/>
-                          </a:solidFill>
-                          <a:latin typeface="Cambria Math" panose="02040503050406030204" pitchFamily="18" charset="0"/>
-                        </a:rPr>
-                        <m:t>,</m:t>
-                      </m:r>
-                      <m:r>
-                        <a:rPr lang="fr-FR" sz="1100" i="1">
-                          <a:solidFill>
-                            <a:schemeClr val="tx1"/>
-                          </a:solidFill>
-                          <a:latin typeface="Cambria Math" panose="02040503050406030204" pitchFamily="18" charset="0"/>
-                        </a:rPr>
-                        <m:t>79</m:t>
-                      </m:r>
-                      <m:r>
-                        <a:rPr lang="fr-FR" sz="1100" i="1">
-                          <a:solidFill>
-                            <a:schemeClr val="tx1"/>
-                          </a:solidFill>
-                          <a:latin typeface="Cambria Math" panose="02040503050406030204" pitchFamily="18" charset="0"/>
-                        </a:rPr>
-                        <m:t> </m:t>
+                        <m:t>=31,79 </m:t>
                       </m:r>
                       <m:r>
                         <m:rPr>
@@ -8060,43 +7837,7 @@
                           </a:solidFill>
                           <a:latin typeface="Cambria Math" panose="02040503050406030204" pitchFamily="18" charset="0"/>
                         </a:rPr>
-                        <m:t>=</m:t>
-                      </m:r>
-                      <m:r>
-                        <a:rPr lang="fr-FR" sz="1100" b="0" i="1" smtClean="0">
-                          <a:solidFill>
-                            <a:schemeClr val="tx1"/>
-                          </a:solidFill>
-                          <a:latin typeface="Cambria Math" panose="02040503050406030204" pitchFamily="18" charset="0"/>
-                        </a:rPr>
-                        <m:t>2</m:t>
-                      </m:r>
-                      <m:r>
-                        <a:rPr lang="fr-FR" sz="1100" b="0" i="1" smtClean="0">
-                          <a:solidFill>
-                            <a:schemeClr val="tx1"/>
-                          </a:solidFill>
-                          <a:latin typeface="Cambria Math" panose="02040503050406030204" pitchFamily="18" charset="0"/>
-                        </a:rPr>
-                        <m:t>,</m:t>
-                      </m:r>
-                      <m:r>
-                        <a:rPr lang="fr-FR" sz="1100" b="0" i="1" smtClean="0">
-                          <a:solidFill>
-                            <a:schemeClr val="tx1"/>
-                          </a:solidFill>
-                          <a:latin typeface="Cambria Math" panose="02040503050406030204" pitchFamily="18" charset="0"/>
-                        </a:rPr>
-                        <m:t>7</m:t>
-                      </m:r>
-                      <m:r>
-                        <a:rPr lang="fr-FR" sz="1100" b="0" i="1" smtClean="0">
-                          <a:solidFill>
-                            <a:schemeClr val="tx1"/>
-                          </a:solidFill>
-                          <a:latin typeface="Cambria Math" panose="02040503050406030204" pitchFamily="18" charset="0"/>
-                        </a:rPr>
-                        <m:t> </m:t>
+                        <m:t>=2,7 </m:t>
                       </m:r>
                       <m:r>
                         <m:rPr>
@@ -8155,16 +7896,7 @@
                               </a:solidFill>
                               <a:latin typeface="Cambria Math" panose="02040503050406030204" pitchFamily="18" charset="0"/>
                             </a:rPr>
-                            <m:t>𝑚</m:t>
-                          </m:r>
-                          <m:r>
-                            <a:rPr lang="fr-FR" sz="1100" b="0" i="1" smtClean="0">
-                              <a:solidFill>
-                                <a:schemeClr val="tx1"/>
-                              </a:solidFill>
-                              <a:latin typeface="Cambria Math" panose="02040503050406030204" pitchFamily="18" charset="0"/>
-                            </a:rPr>
-                            <m:t>h</m:t>
+                            <m:t>𝑚h</m:t>
                           </m:r>
                         </m:sub>
                       </m:sSub>
@@ -8175,43 +7907,7 @@
                           </a:solidFill>
                           <a:latin typeface="Cambria Math" panose="02040503050406030204" pitchFamily="18" charset="0"/>
                         </a:rPr>
-                        <m:t>=</m:t>
-                      </m:r>
-                      <m:r>
-                        <a:rPr lang="fr-FR" sz="1100" b="0" i="1" smtClean="0">
-                          <a:solidFill>
-                            <a:schemeClr val="tx1"/>
-                          </a:solidFill>
-                          <a:latin typeface="Cambria Math" panose="02040503050406030204" pitchFamily="18" charset="0"/>
-                        </a:rPr>
-                        <m:t>0</m:t>
-                      </m:r>
-                      <m:r>
-                        <a:rPr lang="fr-FR" sz="1100" b="0" i="1" smtClean="0">
-                          <a:solidFill>
-                            <a:schemeClr val="tx1"/>
-                          </a:solidFill>
-                          <a:latin typeface="Cambria Math" panose="02040503050406030204" pitchFamily="18" charset="0"/>
-                        </a:rPr>
-                        <m:t>,</m:t>
-                      </m:r>
-                      <m:r>
-                        <a:rPr lang="fr-FR" sz="1100" b="0" i="1" smtClean="0">
-                          <a:solidFill>
-                            <a:schemeClr val="tx1"/>
-                          </a:solidFill>
-                          <a:latin typeface="Cambria Math" panose="02040503050406030204" pitchFamily="18" charset="0"/>
-                        </a:rPr>
-                        <m:t>0813</m:t>
-                      </m:r>
-                      <m:r>
-                        <a:rPr lang="fr-FR" sz="1100" b="0" i="1" smtClean="0">
-                          <a:solidFill>
-                            <a:schemeClr val="tx1"/>
-                          </a:solidFill>
-                          <a:latin typeface="Cambria Math" panose="02040503050406030204" pitchFamily="18" charset="0"/>
-                        </a:rPr>
-                        <m:t> </m:t>
+                        <m:t>=0,0813 </m:t>
                       </m:r>
                       <m:r>
                         <m:rPr>
@@ -8270,16 +7966,7 @@
                               </a:solidFill>
                               <a:latin typeface="Cambria Math" panose="02040503050406030204" pitchFamily="18" charset="0"/>
                             </a:rPr>
-                            <m:t>𝑚</m:t>
-                          </m:r>
-                          <m:r>
-                            <a:rPr lang="fr-FR" sz="1100" b="0" i="1" smtClean="0">
-                              <a:solidFill>
-                                <a:schemeClr val="tx1"/>
-                              </a:solidFill>
-                              <a:latin typeface="Cambria Math" panose="02040503050406030204" pitchFamily="18" charset="0"/>
-                            </a:rPr>
-                            <m:t>h</m:t>
+                            <m:t>𝑚h</m:t>
                           </m:r>
                         </m:sub>
                       </m:sSub>
@@ -8290,25 +7977,7 @@
                           </a:solidFill>
                           <a:latin typeface="Cambria Math" panose="02040503050406030204" pitchFamily="18" charset="0"/>
                         </a:rPr>
-                        <m:t>=</m:t>
-                      </m:r>
-                      <m:r>
-                        <a:rPr lang="fr-FR" sz="1100" i="1">
-                          <a:solidFill>
-                            <a:schemeClr val="tx1"/>
-                          </a:solidFill>
-                          <a:latin typeface="Cambria Math" panose="02040503050406030204" pitchFamily="18" charset="0"/>
-                        </a:rPr>
-                        <m:t>78</m:t>
-                      </m:r>
-                      <m:r>
-                        <a:rPr lang="fr-FR" sz="1100" i="1">
-                          <a:solidFill>
-                            <a:schemeClr val="tx1"/>
-                          </a:solidFill>
-                          <a:latin typeface="Cambria Math" panose="02040503050406030204" pitchFamily="18" charset="0"/>
-                        </a:rPr>
-                        <m:t> </m:t>
+                        <m:t>=78 </m:t>
                       </m:r>
                       <m:r>
                         <m:rPr>
@@ -10084,34 +9753,7 @@
                         </a:solidFill>
                         <a:latin typeface="Cambria Math" panose="02040503050406030204" pitchFamily="18" charset="0"/>
                       </a:rPr>
-                      <m:t>=±</m:t>
-                    </m:r>
-                    <m:r>
-                      <a:rPr lang="fr-FR" sz="1200" b="0" i="1" smtClean="0">
-                        <a:solidFill>
-                          <a:srgbClr val="C00000"/>
-                        </a:solidFill>
-                        <a:latin typeface="Cambria Math" panose="02040503050406030204" pitchFamily="18" charset="0"/>
-                      </a:rPr>
-                      <m:t>0</m:t>
-                    </m:r>
-                    <m:r>
-                      <a:rPr lang="fr-FR" sz="1200" b="0" i="1" smtClean="0">
-                        <a:solidFill>
-                          <a:srgbClr val="C00000"/>
-                        </a:solidFill>
-                        <a:latin typeface="Cambria Math" panose="02040503050406030204" pitchFamily="18" charset="0"/>
-                      </a:rPr>
-                      <m:t>,</m:t>
-                    </m:r>
-                    <m:r>
-                      <a:rPr lang="fr-FR" sz="1200" b="0" i="1" smtClean="0">
-                        <a:solidFill>
-                          <a:srgbClr val="C00000"/>
-                        </a:solidFill>
-                        <a:latin typeface="Cambria Math" panose="02040503050406030204" pitchFamily="18" charset="0"/>
-                      </a:rPr>
-                      <m:t>0327</m:t>
+                      <m:t>=±0,0327</m:t>
                     </m:r>
                     <m:r>
                       <a:rPr lang="fr-FR" sz="1200" b="0" i="0" smtClean="0">
@@ -10213,8 +9855,8 @@
             <a:chExt cx="6323907" cy="3859860"/>
           </a:xfrm>
         </p:grpSpPr>
-        <mc:AlternateContent xmlns:mc="http://schemas.openxmlformats.org/markup-compatibility/2006">
-          <mc:Choice xmlns:a14="http://schemas.microsoft.com/office/drawing/2010/main" Requires="a14">
+        <mc:AlternateContent xmlns:mc="http://schemas.openxmlformats.org/markup-compatibility/2006" xmlns:a14="http://schemas.microsoft.com/office/drawing/2010/main">
+          <mc:Choice Requires="a14">
             <p:sp>
               <p:nvSpPr>
                 <p:cNvPr id="24" name="ZoneTexte 23">
@@ -10406,7 +10048,7 @@
               </p:txBody>
             </p:sp>
           </mc:Choice>
-          <mc:Fallback>
+          <mc:Fallback xmlns="">
             <p:sp>
               <p:nvSpPr>
                 <p:cNvPr id="24" name="ZoneTexte 23">
@@ -10877,6 +10519,86 @@
     <p:extLst>
       <p:ext uri="{BB962C8B-B14F-4D97-AF65-F5344CB8AC3E}">
         <p14:creationId xmlns:p14="http://schemas.microsoft.com/office/powerpoint/2010/main" val="3289843452"/>
+      </p:ext>
+    </p:extLst>
+  </p:cSld>
+  <p:clrMapOvr>
+    <a:masterClrMapping/>
+  </p:clrMapOvr>
+</p:sld>
+</file>
+
+<file path=ppt/slides/slide2.xml><?xml version="1.0" encoding="utf-8"?>
+<p:sld xmlns:a="http://schemas.openxmlformats.org/drawingml/2006/main" xmlns:r="http://schemas.openxmlformats.org/officeDocument/2006/relationships" xmlns:p="http://schemas.openxmlformats.org/presentationml/2006/main">
+  <p:cSld>
+    <p:spTree>
+      <p:nvGrpSpPr>
+        <p:cNvPr id="1" name=""/>
+        <p:cNvGrpSpPr/>
+        <p:nvPr/>
+      </p:nvGrpSpPr>
+      <p:grpSpPr>
+        <a:xfrm>
+          <a:off x="0" y="0"/>
+          <a:ext cx="0" cy="0"/>
+          <a:chOff x="0" y="0"/>
+          <a:chExt cx="0" cy="0"/>
+        </a:xfrm>
+      </p:grpSpPr>
+      <p:sp>
+        <p:nvSpPr>
+          <p:cNvPr id="2" name="Titre 1">
+            <a:extLst>
+              <a:ext uri="{FF2B5EF4-FFF2-40B4-BE49-F238E27FC236}">
+                <a16:creationId xmlns:a16="http://schemas.microsoft.com/office/drawing/2014/main" id="{5103FCB0-7A47-DCD2-EADB-D44A2E71480B}"/>
+              </a:ext>
+            </a:extLst>
+          </p:cNvPr>
+          <p:cNvSpPr>
+            <a:spLocks noGrp="1"/>
+          </p:cNvSpPr>
+          <p:nvPr>
+            <p:ph type="title"/>
+          </p:nvPr>
+        </p:nvSpPr>
+        <p:spPr/>
+        <p:txBody>
+          <a:bodyPr/>
+          <a:lstStyle/>
+          <a:p>
+            <a:endParaRPr lang="fr-FR"/>
+          </a:p>
+        </p:txBody>
+      </p:sp>
+      <p:sp>
+        <p:nvSpPr>
+          <p:cNvPr id="3" name="Espace réservé du contenu 2">
+            <a:extLst>
+              <a:ext uri="{FF2B5EF4-FFF2-40B4-BE49-F238E27FC236}">
+                <a16:creationId xmlns:a16="http://schemas.microsoft.com/office/drawing/2014/main" id="{43F8AFB5-45B4-5A57-D8C8-971BAA1A596B}"/>
+              </a:ext>
+            </a:extLst>
+          </p:cNvPr>
+          <p:cNvSpPr>
+            <a:spLocks noGrp="1"/>
+          </p:cNvSpPr>
+          <p:nvPr>
+            <p:ph idx="1"/>
+          </p:nvPr>
+        </p:nvSpPr>
+        <p:spPr/>
+        <p:txBody>
+          <a:bodyPr/>
+          <a:lstStyle/>
+          <a:p>
+            <a:endParaRPr lang="fr-FR"/>
+          </a:p>
+        </p:txBody>
+      </p:sp>
+    </p:spTree>
+    <p:extLst>
+      <p:ext uri="{BB962C8B-B14F-4D97-AF65-F5344CB8AC3E}">
+        <p14:creationId xmlns:p14="http://schemas.microsoft.com/office/powerpoint/2010/main" val="1641668724"/>
       </p:ext>
     </p:extLst>
   </p:cSld>

--- a/04_Comax/04_Comax_Corrige_CR_Moteur_Energetique.pptx
+++ b/04_Comax/04_Comax_Corrige_CR_Moteur_Energetique.pptx
@@ -209,7 +209,7 @@
           <a:p>
             <a:fld id="{92D8032B-AC11-4202-8B10-51B6F4F5AA4B}" type="datetimeFigureOut">
               <a:rPr lang="fr-FR" smtClean="0"/>
-              <a:t>10/10/2025</a:t>
+              <a:t>12/01/2026</a:t>
             </a:fld>
             <a:endParaRPr lang="fr-FR"/>
           </a:p>
@@ -721,7 +721,7 @@
           <a:p>
             <a:fld id="{D7F135F6-2A09-4FDD-9ECA-096E230CA0FA}" type="datetimeFigureOut">
               <a:rPr lang="fr-FR" smtClean="0"/>
-              <a:t>10/10/2025</a:t>
+              <a:t>12/01/2026</a:t>
             </a:fld>
             <a:endParaRPr lang="fr-FR"/>
           </a:p>
@@ -959,7 +959,7 @@
           <a:p>
             <a:fld id="{D7F135F6-2A09-4FDD-9ECA-096E230CA0FA}" type="datetimeFigureOut">
               <a:rPr lang="fr-FR" smtClean="0"/>
-              <a:t>10/10/2025</a:t>
+              <a:t>12/01/2026</a:t>
             </a:fld>
             <a:endParaRPr lang="fr-FR"/>
           </a:p>
@@ -1197,7 +1197,7 @@
           <a:p>
             <a:fld id="{D7F135F6-2A09-4FDD-9ECA-096E230CA0FA}" type="datetimeFigureOut">
               <a:rPr lang="fr-FR" smtClean="0"/>
-              <a:t>10/10/2025</a:t>
+              <a:t>12/01/2026</a:t>
             </a:fld>
             <a:endParaRPr lang="fr-FR"/>
           </a:p>
@@ -1435,7 +1435,7 @@
           <a:p>
             <a:fld id="{D7F135F6-2A09-4FDD-9ECA-096E230CA0FA}" type="datetimeFigureOut">
               <a:rPr lang="fr-FR" smtClean="0"/>
-              <a:t>10/10/2025</a:t>
+              <a:t>12/01/2026</a:t>
             </a:fld>
             <a:endParaRPr lang="fr-FR"/>
           </a:p>
@@ -1756,7 +1756,7 @@
           <a:p>
             <a:fld id="{D7F135F6-2A09-4FDD-9ECA-096E230CA0FA}" type="datetimeFigureOut">
               <a:rPr lang="fr-FR" smtClean="0"/>
-              <a:t>10/10/2025</a:t>
+              <a:t>12/01/2026</a:t>
             </a:fld>
             <a:endParaRPr lang="fr-FR"/>
           </a:p>
@@ -2059,7 +2059,7 @@
           <a:p>
             <a:fld id="{D7F135F6-2A09-4FDD-9ECA-096E230CA0FA}" type="datetimeFigureOut">
               <a:rPr lang="fr-FR" smtClean="0"/>
-              <a:t>10/10/2025</a:t>
+              <a:t>12/01/2026</a:t>
             </a:fld>
             <a:endParaRPr lang="fr-FR"/>
           </a:p>
@@ -2510,7 +2510,7 @@
           <a:p>
             <a:fld id="{D7F135F6-2A09-4FDD-9ECA-096E230CA0FA}" type="datetimeFigureOut">
               <a:rPr lang="fr-FR" smtClean="0"/>
-              <a:t>10/10/2025</a:t>
+              <a:t>12/01/2026</a:t>
             </a:fld>
             <a:endParaRPr lang="fr-FR"/>
           </a:p>
@@ -2683,7 +2683,7 @@
           <a:p>
             <a:fld id="{D7F135F6-2A09-4FDD-9ECA-096E230CA0FA}" type="datetimeFigureOut">
               <a:rPr lang="fr-FR" smtClean="0"/>
-              <a:t>10/10/2025</a:t>
+              <a:t>12/01/2026</a:t>
             </a:fld>
             <a:endParaRPr lang="fr-FR"/>
           </a:p>
@@ -2820,7 +2820,7 @@
           <a:p>
             <a:fld id="{D7F135F6-2A09-4FDD-9ECA-096E230CA0FA}" type="datetimeFigureOut">
               <a:rPr lang="fr-FR" smtClean="0"/>
-              <a:t>10/10/2025</a:t>
+              <a:t>12/01/2026</a:t>
             </a:fld>
             <a:endParaRPr lang="fr-FR"/>
           </a:p>
@@ -3164,7 +3164,7 @@
           <a:p>
             <a:fld id="{D7F135F6-2A09-4FDD-9ECA-096E230CA0FA}" type="datetimeFigureOut">
               <a:rPr lang="fr-FR" smtClean="0"/>
-              <a:t>10/10/2025</a:t>
+              <a:t>12/01/2026</a:t>
             </a:fld>
             <a:endParaRPr lang="fr-FR"/>
           </a:p>
@@ -3485,7 +3485,7 @@
           <a:p>
             <a:fld id="{D7F135F6-2A09-4FDD-9ECA-096E230CA0FA}" type="datetimeFigureOut">
               <a:rPr lang="fr-FR" smtClean="0"/>
-              <a:t>10/10/2025</a:t>
+              <a:t>12/01/2026</a:t>
             </a:fld>
             <a:endParaRPr lang="fr-FR"/>
           </a:p>
@@ -9957,7 +9957,7 @@
                         </a:schemeClr>
                       </a:solidFill>
                     </a:rPr>
-                    <a:t>Vitesse moteur : </a:t>
+                    <a:t>Vitesse motrice : </a:t>
                   </a:r>
                   <a14:m>
                     <m:oMath xmlns:m="http://schemas.openxmlformats.org/officeDocument/2006/math">
@@ -10042,7 +10042,7 @@
                         </a:schemeClr>
                       </a:solidFill>
                     </a:rPr>
-                    <a:t>Accélération moteur :  20 000 tr/min/s</a:t>
+                    <a:t>Accélération motrice :  20 000 tr/min/s</a:t>
                   </a:r>
                 </a:p>
               </p:txBody>
